--- a/Lab 5 - Predictive Analysis II/Linear Regression.pptx
+++ b/Lab 5 - Predictive Analysis II/Linear Regression.pptx
@@ -152,6 +152,22 @@
       </a:defRPr>
     </a:lvl9pPr>
   </p:defaultTextStyle>
+  <p:extLst>
+    <p:ext uri="{EFAFB233-063F-42B5-8137-9DF3F51BA10A}">
+      <p15:sldGuideLst xmlns:p15="http://schemas.microsoft.com/office/powerpoint/2012/main">
+        <p15:guide id="1" orient="horz" pos="2160">
+          <p15:clr>
+            <a:srgbClr val="A4A3A4"/>
+          </p15:clr>
+        </p15:guide>
+        <p15:guide id="2" pos="2880">
+          <p15:clr>
+            <a:srgbClr val="A4A3A4"/>
+          </p15:clr>
+        </p15:guide>
+      </p15:sldGuideLst>
+    </p:ext>
+  </p:extLst>
 </p:presentation>
 </file>
 
@@ -205,10 +221,9 @@
           </a:lstStyle>
           <a:p>
             <a:r>
-              <a:rPr lang="en-US" smtClean="0"/>
+              <a:rPr lang="en-US"/>
               <a:t>CMP461: Big Data Analytics</a:t>
             </a:r>
-            <a:endParaRPr lang="en-US"/>
           </a:p>
         </p:txBody>
       </p:sp>
@@ -241,7 +256,7 @@
           <a:p>
             <a:fld id="{600A5673-BFAD-40C6-8655-65E761A5BBFA}" type="datetime1">
               <a:rPr lang="en-US" smtClean="0"/>
-              <a:t>3/13/2017</a:t>
+              <a:t>4/5/2024</a:t>
             </a:fld>
             <a:endParaRPr lang="en-US"/>
           </a:p>
@@ -275,10 +290,9 @@
           </a:lstStyle>
           <a:p>
             <a:r>
-              <a:rPr lang="en-US" smtClean="0"/>
+              <a:rPr lang="en-US"/>
               <a:t>Linear Regression</a:t>
             </a:r>
-            <a:endParaRPr lang="en-US"/>
           </a:p>
         </p:txBody>
       </p:sp>
@@ -327,6 +341,567 @@
   <p:clrMap bg1="lt1" tx1="dk1" bg2="lt2" tx2="dk2" accent1="accent1" accent2="accent2" accent3="accent3" accent4="accent4" accent5="accent5" accent6="accent6" hlink="hlink" folHlink="folHlink"/>
   <p:hf/>
 </p:handoutMaster>
+</file>
+
+<file path=ppt/ink/ink1.xml><?xml version="1.0" encoding="utf-8"?>
+<inkml:ink xmlns:inkml="http://www.w3.org/2003/InkML">
+  <inkml:definitions>
+    <inkml:context xml:id="ctx0">
+      <inkml:inkSource xml:id="inkSrc0">
+        <inkml:traceFormat>
+          <inkml:channel name="X" type="integer" min="-2.14748E9" max="2.14748E9" units="cm"/>
+          <inkml:channel name="Y" type="integer" min="-2.14748E9" max="2.14748E9" units="cm"/>
+          <inkml:channel name="F" type="integer" max="32767" units="dev"/>
+        </inkml:traceFormat>
+        <inkml:channelProperties>
+          <inkml:channelProperty channel="X" name="resolution" value="1000" units="1/cm"/>
+          <inkml:channelProperty channel="Y" name="resolution" value="1000" units="1/cm"/>
+          <inkml:channelProperty channel="F" name="resolution" value="0" units="1/dev"/>
+        </inkml:channelProperties>
+      </inkml:inkSource>
+      <inkml:timestamp xml:id="ts0" timeString="2024-04-05T15:37:01.964"/>
+    </inkml:context>
+    <inkml:brush xml:id="br0">
+      <inkml:brushProperty name="width" value="0.035" units="cm"/>
+      <inkml:brushProperty name="height" value="0.035" units="cm"/>
+      <inkml:brushProperty name="color" value="#E71224"/>
+    </inkml:brush>
+  </inkml:definitions>
+  <inkml:trace contextRef="#ctx0" brushRef="#br0">0 815 24575,'1'-23'0,"0"0"0,1 0 0,2 0 0,0 0 0,2 1 0,0 0 0,19-42 0,-13 39 0,2 1 0,0 0 0,2 1 0,0 0 0,38-38 0,-17 26 0,2 3 0,0 1 0,2 2 0,2 2 0,0 1 0,2 3 0,48-19 0,-2 7 0,1 4 0,2 4 0,1 5 0,0 3 0,1 5 0,1 3 0,115 4 0,-208 7 0,8 0 0,0 0 0,0 1 0,16 3 0,-25-3 0,1 0 0,0 1 0,-1-1 0,1 1 0,-1 0 0,0-1 0,1 1 0,-1 1 0,0-1 0,0 0 0,0 1 0,-1 0 0,1 0 0,2 3 0,-3-4 0,12 18 0,1-2 0,0 0 0,2 0 0,27 22 0,-36-34 0,1 1 0,-1 1 0,0 0 0,-1 0 0,0 0 0,0 1 0,-1 0 0,5 10 0,-1 1 0,-1 1 0,12 40 0,22 67 0,9 31 0,-44-128 0,-1 1 0,-1-1 0,1 39 0,-7-50 0,-1 0 0,-1 1 0,-1-1 0,0 0 0,-2 0 0,0 0 0,-2-1 0,0 0 0,-12 24 0,-5 2 0,-2-1 0,-49 63 0,48-74 0,-1-2 0,-41 37 0,-70 48 0,13-13 0,88-69 0,-29 26 0,-108 75 0,151-120 0,-1 0 0,0-2 0,-1 0 0,-1-2 0,0-1 0,0-1 0,-1-1 0,-51 7 0,11-10 0,-131-7 0,193 2 0,-1-1 0,1 0 0,-1 0 0,1 0 0,0-1 0,0 1 0,0-2 0,-9-3 0,12 4 0,0 0 0,0 0 0,0-1 0,0 1 0,1-1 0,-1 0 0,1 1 0,0-1 0,0 0 0,0 0 0,0-1 0,0 1 0,1 0 0,0-1 0,-1 1 0,1-1 0,-1-3 0,-4-28 0,2 1 0,0-1 0,4-61 0,0 52 0,0 38-23,7-400-1319,-2 336-5484</inkml:trace>
+</inkml:ink>
+</file>
+
+<file path=ppt/ink/ink10.xml><?xml version="1.0" encoding="utf-8"?>
+<inkml:ink xmlns:inkml="http://www.w3.org/2003/InkML">
+  <inkml:definitions>
+    <inkml:context xml:id="ctx0">
+      <inkml:inkSource xml:id="inkSrc0">
+        <inkml:traceFormat>
+          <inkml:channel name="X" type="integer" min="-2.14748E9" max="2.14748E9" units="cm"/>
+          <inkml:channel name="Y" type="integer" min="-2.14748E9" max="2.14748E9" units="cm"/>
+          <inkml:channel name="F" type="integer" max="32767" units="dev"/>
+        </inkml:traceFormat>
+        <inkml:channelProperties>
+          <inkml:channelProperty channel="X" name="resolution" value="1000" units="1/cm"/>
+          <inkml:channelProperty channel="Y" name="resolution" value="1000" units="1/cm"/>
+          <inkml:channelProperty channel="F" name="resolution" value="0" units="1/dev"/>
+        </inkml:channelProperties>
+      </inkml:inkSource>
+      <inkml:timestamp xml:id="ts0" timeString="2024-04-05T15:37:11.141"/>
+    </inkml:context>
+    <inkml:brush xml:id="br0">
+      <inkml:brushProperty name="width" value="0.035" units="cm"/>
+      <inkml:brushProperty name="height" value="0.035" units="cm"/>
+      <inkml:brushProperty name="color" value="#E71224"/>
+    </inkml:brush>
+  </inkml:definitions>
+  <inkml:trace contextRef="#ctx0" brushRef="#br0">454 1 24575,'3'0'0,"0"0"0,0 1 0,0-1 0,-1 1 0,1 0 0,0-1 0,0 1 0,0 1 0,-1-1 0,1 0 0,0 1 0,-1-1 0,1 1 0,-1 0 0,0 0 0,0 0 0,0 0 0,0 0 0,0 0 0,0 1 0,0-1 0,-1 1 0,1-1 0,-1 1 0,0 0 0,1-1 0,0 5 0,2 6 0,0 1 0,-1-1 0,-1 1 0,2 21 0,-3-21 0,-1 1 0,0 0 0,-1 0 0,-1-1 0,0 1 0,-1 0 0,-1-1 0,0 0 0,-10 23 0,5-20 0,0 1 0,-1-1 0,-1-1 0,-1 0 0,0 0 0,-27 25 0,23-26 0,-1 0 0,0-2 0,-1 0 0,-1-1 0,0 0 0,-1-2 0,0 0 0,0-2 0,-1 0 0,0-1 0,-1-1 0,1-1 0,-38 4 0,56-9 0,0 1 0,0-1 0,0 0 0,0 0 0,0 0 0,0 0 0,0-1 0,0 1 0,0-1 0,0 1 0,0-1 0,0 0 0,0 0 0,1-1 0,-1 1 0,0-1 0,1 1 0,-1-1 0,1 0 0,0 0 0,-1 0 0,1 0 0,0 0 0,0 0 0,0-1 0,0 1 0,1-1 0,-1 1 0,1-1 0,-1 0 0,1 0 0,0 1 0,0-1 0,0 0 0,0-4 0,-2-9 9,0 0-1,0-1 1,2 1-1,0-1 1,1 1 0,1-1-1,0 1 1,1 0-1,1-1 1,1 1-1,0 0 1,1 1-1,9-22 1,-4 16-174,0 0 0,2 1 0,0 0 0,1 1 0,2 0 0,-1 1 0,2 1 0,33-29 0,-14 19-6661</inkml:trace>
+</inkml:ink>
+</file>
+
+<file path=ppt/ink/ink11.xml><?xml version="1.0" encoding="utf-8"?>
+<inkml:ink xmlns:inkml="http://www.w3.org/2003/InkML">
+  <inkml:definitions>
+    <inkml:context xml:id="ctx0">
+      <inkml:inkSource xml:id="inkSrc0">
+        <inkml:traceFormat>
+          <inkml:channel name="X" type="integer" min="-2.14748E9" max="2.14748E9" units="cm"/>
+          <inkml:channel name="Y" type="integer" min="-2.14748E9" max="2.14748E9" units="cm"/>
+          <inkml:channel name="F" type="integer" max="32767" units="dev"/>
+        </inkml:traceFormat>
+        <inkml:channelProperties>
+          <inkml:channelProperty channel="X" name="resolution" value="1000" units="1/cm"/>
+          <inkml:channelProperty channel="Y" name="resolution" value="1000" units="1/cm"/>
+          <inkml:channelProperty channel="F" name="resolution" value="0" units="1/dev"/>
+        </inkml:channelProperties>
+      </inkml:inkSource>
+      <inkml:timestamp xml:id="ts0" timeString="2024-04-05T15:37:11.489"/>
+    </inkml:context>
+    <inkml:brush xml:id="br0">
+      <inkml:brushProperty name="width" value="0.035" units="cm"/>
+      <inkml:brushProperty name="height" value="0.035" units="cm"/>
+      <inkml:brushProperty name="color" value="#E71224"/>
+    </inkml:brush>
+  </inkml:definitions>
+  <inkml:trace contextRef="#ctx0" brushRef="#br0">0 0 24575,'4'0'0,"3"0"0,2 0-8191</inkml:trace>
+</inkml:ink>
+</file>
+
+<file path=ppt/ink/ink12.xml><?xml version="1.0" encoding="utf-8"?>
+<inkml:ink xmlns:inkml="http://www.w3.org/2003/InkML">
+  <inkml:definitions>
+    <inkml:context xml:id="ctx0">
+      <inkml:inkSource xml:id="inkSrc0">
+        <inkml:traceFormat>
+          <inkml:channel name="X" type="integer" min="-2.14748E9" max="2.14748E9" units="cm"/>
+          <inkml:channel name="Y" type="integer" min="-2.14748E9" max="2.14748E9" units="cm"/>
+          <inkml:channel name="F" type="integer" max="32767" units="dev"/>
+        </inkml:traceFormat>
+        <inkml:channelProperties>
+          <inkml:channelProperty channel="X" name="resolution" value="1000" units="1/cm"/>
+          <inkml:channelProperty channel="Y" name="resolution" value="1000" units="1/cm"/>
+          <inkml:channelProperty channel="F" name="resolution" value="0" units="1/dev"/>
+        </inkml:channelProperties>
+      </inkml:inkSource>
+      <inkml:timestamp xml:id="ts0" timeString="2024-04-05T15:37:11.819"/>
+    </inkml:context>
+    <inkml:brush xml:id="br0">
+      <inkml:brushProperty name="width" value="0.035" units="cm"/>
+      <inkml:brushProperty name="height" value="0.035" units="cm"/>
+      <inkml:brushProperty name="color" value="#E71224"/>
+    </inkml:brush>
+  </inkml:definitions>
+  <inkml:trace contextRef="#ctx0" brushRef="#br0">0 45 24575,'3'0'0,"4"0"0,5 0 0,2 0 0,3 0 0,2 0 0,3-3 0,8-4 0,2-1 0,-4 0-8191</inkml:trace>
+  <inkml:trace contextRef="#ctx0" brushRef="#br0" timeOffset="1">373 8 24575,'3'0'0,"5"0"0,3 0 0,4 0 0,5 0 0,6-3 0,-2-2-8191</inkml:trace>
+</inkml:ink>
+</file>
+
+<file path=ppt/ink/ink13.xml><?xml version="1.0" encoding="utf-8"?>
+<inkml:ink xmlns:inkml="http://www.w3.org/2003/InkML">
+  <inkml:definitions>
+    <inkml:context xml:id="ctx0">
+      <inkml:inkSource xml:id="inkSrc0">
+        <inkml:traceFormat>
+          <inkml:channel name="X" type="integer" min="-2.14748E9" max="2.14748E9" units="cm"/>
+          <inkml:channel name="Y" type="integer" min="-2.14748E9" max="2.14748E9" units="cm"/>
+          <inkml:channel name="F" type="integer" max="32767" units="dev"/>
+        </inkml:traceFormat>
+        <inkml:channelProperties>
+          <inkml:channelProperty channel="X" name="resolution" value="1000" units="1/cm"/>
+          <inkml:channelProperty channel="Y" name="resolution" value="1000" units="1/cm"/>
+          <inkml:channelProperty channel="F" name="resolution" value="0" units="1/dev"/>
+        </inkml:channelProperties>
+      </inkml:inkSource>
+      <inkml:timestamp xml:id="ts0" timeString="2024-04-05T15:37:12.160"/>
+    </inkml:context>
+    <inkml:brush xml:id="br0">
+      <inkml:brushProperty name="width" value="0.035" units="cm"/>
+      <inkml:brushProperty name="height" value="0.035" units="cm"/>
+      <inkml:brushProperty name="color" value="#E71224"/>
+    </inkml:brush>
+  </inkml:definitions>
+  <inkml:trace contextRef="#ctx0" brushRef="#br0">0 0 24575,'0'0'-8191</inkml:trace>
+</inkml:ink>
+</file>
+
+<file path=ppt/ink/ink14.xml><?xml version="1.0" encoding="utf-8"?>
+<inkml:ink xmlns:inkml="http://www.w3.org/2003/InkML">
+  <inkml:definitions>
+    <inkml:context xml:id="ctx0">
+      <inkml:inkSource xml:id="inkSrc0">
+        <inkml:traceFormat>
+          <inkml:channel name="X" type="integer" min="-2.14748E9" max="2.14748E9" units="cm"/>
+          <inkml:channel name="Y" type="integer" min="-2.14748E9" max="2.14748E9" units="cm"/>
+          <inkml:channel name="F" type="integer" max="32767" units="dev"/>
+        </inkml:traceFormat>
+        <inkml:channelProperties>
+          <inkml:channelProperty channel="X" name="resolution" value="1000" units="1/cm"/>
+          <inkml:channelProperty channel="Y" name="resolution" value="1000" units="1/cm"/>
+          <inkml:channelProperty channel="F" name="resolution" value="0" units="1/dev"/>
+        </inkml:channelProperties>
+      </inkml:inkSource>
+      <inkml:timestamp xml:id="ts0" timeString="2024-04-05T15:37:12.624"/>
+    </inkml:context>
+    <inkml:brush xml:id="br0">
+      <inkml:brushProperty name="width" value="0.035" units="cm"/>
+      <inkml:brushProperty name="height" value="0.035" units="cm"/>
+      <inkml:brushProperty name="color" value="#E71224"/>
+    </inkml:brush>
+  </inkml:definitions>
+  <inkml:trace contextRef="#ctx0" brushRef="#br0">94 209 24575,'35'-37'0,"-16"17"0,0 1 0,32-24 0,-29 27 0,1 1 0,30-13 0,-42 22 0,0 1 0,1 1 0,-1 0 0,1 1 0,0 0 0,0 1 0,17-2 0,-26 4 0,0 0 0,0 1 0,1-1 0,-1 1 0,0-1 0,0 1 0,0 0 0,-1 0 0,1 0 0,0 0 0,0 1 0,0-1 0,-1 1 0,1 0 0,3 3 0,-2-1 0,0 0 0,0 1 0,0-1 0,-1 1 0,0 0 0,0 0 0,4 10 0,0 3 0,-1 1 0,-1 1 0,5 33 0,-6-28 0,-1 1 0,-2-1 0,0 1 0,-1-1 0,-6 38 0,5-54 0,-1 0 0,0 0 0,-1 0 0,0-1 0,0 1 0,-1-1 0,0 0 0,-1 0 0,0 0 0,0-1 0,0 0 0,-1 0 0,0 0 0,0 0 0,-1-1 0,0 0 0,0-1 0,-14 9 0,1-4 0,1-2 0,-1 0 0,-1-2 0,0 0 0,1-1 0,-2-1 0,1-1 0,0-1 0,-37-1 0,49-2 0,0 0 0,0 0 0,0-1 0,1 0 0,-1 0 0,0-1 0,1 0 0,0-1 0,0 0 0,0 0 0,0-1 0,1 0 0,0 0 0,-1 0 0,2-1 0,-11-11 0,12 11 0,0 0 0,1 0 0,-1 0 0,2-1 0,-1 1 0,0-1 0,1 0 0,1 0 0,-1 0 0,1 0 0,0 0 0,1-1 0,-1 1 0,2-1 0,-1 1 0,1-1 0,0 1 0,0-1 0,1 1 0,2-10 0,2 3-105,0 0 0,1 1 0,0 0 0,1 0 0,0 0 0,2 1 0,-1 0 0,1 0 0,1 1 0,0 1 0,0-1 0,21-14 0,8-4-6721</inkml:trace>
+</inkml:ink>
+</file>
+
+<file path=ppt/ink/ink15.xml><?xml version="1.0" encoding="utf-8"?>
+<inkml:ink xmlns:inkml="http://www.w3.org/2003/InkML">
+  <inkml:definitions>
+    <inkml:context xml:id="ctx0">
+      <inkml:inkSource xml:id="inkSrc0">
+        <inkml:traceFormat>
+          <inkml:channel name="X" type="integer" min="-2.14748E9" max="2.14748E9" units="cm"/>
+          <inkml:channel name="Y" type="integer" min="-2.14748E9" max="2.14748E9" units="cm"/>
+          <inkml:channel name="F" type="integer" max="32767" units="dev"/>
+        </inkml:traceFormat>
+        <inkml:channelProperties>
+          <inkml:channelProperty channel="X" name="resolution" value="1000" units="1/cm"/>
+          <inkml:channelProperty channel="Y" name="resolution" value="1000" units="1/cm"/>
+          <inkml:channelProperty channel="F" name="resolution" value="0" units="1/dev"/>
+        </inkml:channelProperties>
+      </inkml:inkSource>
+      <inkml:timestamp xml:id="ts0" timeString="2024-04-05T15:37:13.512"/>
+    </inkml:context>
+    <inkml:brush xml:id="br0">
+      <inkml:brushProperty name="width" value="0.035" units="cm"/>
+      <inkml:brushProperty name="height" value="0.035" units="cm"/>
+      <inkml:brushProperty name="color" value="#E71224"/>
+    </inkml:brush>
+  </inkml:definitions>
+  <inkml:trace contextRef="#ctx0" brushRef="#br0">4917 1 24575,'0'24'0,"-1"1"0,-1 0 0,-1 0 0,-1-1 0,-2 0 0,-9 29 0,10-41 0,1-1 0,-2 0 0,1-1 0,-1 0 0,-1 1 0,0-2 0,0 1 0,-1-1 0,0 0 0,-1-1 0,0 0 0,0 0 0,0-1 0,-1 0 0,-12 6 0,-4-1 0,0-1 0,-1-1 0,-49 11 0,-91 8 0,148-26 0,-1405 127-3201,447-114 2781,-211 8 312,1035-17-102,-333 7-266,478-14 479,-22 0 285,0-1 0,-39-7-1,67 8-186,-1-1 0,1 1 0,-1-1-1,1 1 1,-1-1 0,1 0 0,-1 0-1,1 0 1,0 0 0,0-1 0,0 1-1,-1-1 1,1 1 0,1-1-1,-1 0 1,0 1 0,0-1 0,1 0-1,-3-3 1,3 2-16,0 0 1,1 1-1,-1-1 0,1 0 0,0 1 1,0-1-1,0 0 0,0 0 0,0 1 0,1-1 1,-1 0-1,1 1 0,-1-1 0,1 1 1,0-1-1,0 1 0,2-4 0,13-36-85,-2 0 0,-2-1 0,-1 0 0,4-51 0,18-97-1365,-23 145-5461</inkml:trace>
+</inkml:ink>
+</file>
+
+<file path=ppt/ink/ink16.xml><?xml version="1.0" encoding="utf-8"?>
+<inkml:ink xmlns:inkml="http://www.w3.org/2003/InkML">
+  <inkml:definitions>
+    <inkml:context xml:id="ctx0">
+      <inkml:inkSource xml:id="inkSrc0">
+        <inkml:traceFormat>
+          <inkml:channel name="X" type="integer" min="-2.14748E9" max="2.14748E9" units="cm"/>
+          <inkml:channel name="Y" type="integer" min="-2.14748E9" max="2.14748E9" units="cm"/>
+          <inkml:channel name="F" type="integer" max="32767" units="dev"/>
+        </inkml:traceFormat>
+        <inkml:channelProperties>
+          <inkml:channelProperty channel="X" name="resolution" value="1000" units="1/cm"/>
+          <inkml:channelProperty channel="Y" name="resolution" value="1000" units="1/cm"/>
+          <inkml:channelProperty channel="F" name="resolution" value="0" units="1/dev"/>
+        </inkml:channelProperties>
+      </inkml:inkSource>
+      <inkml:timestamp xml:id="ts0" timeString="2024-04-05T15:37:14.179"/>
+    </inkml:context>
+    <inkml:brush xml:id="br0">
+      <inkml:brushProperty name="width" value="0.035" units="cm"/>
+      <inkml:brushProperty name="height" value="0.035" units="cm"/>
+      <inkml:brushProperty name="color" value="#E71224"/>
+    </inkml:brush>
+  </inkml:definitions>
+  <inkml:trace contextRef="#ctx0" brushRef="#br0">0 334 24575,'6'6'0,"-1"1"0,1 0 0,-2 0 0,1 0 0,-1 0 0,5 13 0,15 49 0,-18-50 0,4 23 0,-8-33 0,-1-1 0,1 1 0,1 0 0,0-1 0,0 0 0,8 16 0,-11-24 0,0 0 0,0 0 0,1 0 0,-1 0 0,0 0 0,0 0 0,0 0 0,0 0 0,0 0 0,1 0 0,-1 1 0,0-1 0,0 0 0,0 0 0,0 0 0,0 0 0,1 0 0,-1 0 0,0 0 0,0 0 0,0-1 0,0 1 0,0 0 0,1 0 0,-1 0 0,0 0 0,0 0 0,0 0 0,0 0 0,0 0 0,1 0 0,-1 0 0,0 0 0,0 0 0,0-1 0,0 1 0,0 0 0,0 0 0,0 0 0,0 0 0,0 0 0,1-1 0,-1 1 0,0 0 0,0 0 0,0 0 0,0 0 0,0 0 0,0-1 0,0 1 0,0 0 0,0 0 0,0 0 0,0 0 0,0 0 0,0-1 0,0 1 0,0 0 0,0 0 0,-1 0 0,4-15 0,5-31 0,1 1 0,2-1 0,2 2 0,2 0 0,2 0 0,2 2 0,34-57 0,-42 80 0,1 1 0,1 0 0,1 1 0,0 0 0,29-25 0,-37 37 0,0 1 0,0-1 0,1 1 0,0 1 0,-1-1 0,1 1 0,0 0 0,14-3 0,-16 5 0,-1 1 0,1-1 0,0 1 0,0 0 0,0 0 0,0 0 0,0 1 0,0 0 0,0 0 0,0 0 0,-1 1 0,1-1 0,0 1 0,7 4 0,-3 0 0,1 1 0,-1 0 0,0 0 0,-1 1 0,0 0 0,0 1 0,-1 0 0,0 0 0,0 0 0,7 15 0,6 15 0,21 57 0,-25-57 0,-10-23-116,0 0-134,1 0 0,0-1 0,1 1 1,20 27-1,-12-26-6576</inkml:trace>
+</inkml:ink>
+</file>
+
+<file path=ppt/ink/ink17.xml><?xml version="1.0" encoding="utf-8"?>
+<inkml:ink xmlns:inkml="http://www.w3.org/2003/InkML">
+  <inkml:definitions>
+    <inkml:context xml:id="ctx0">
+      <inkml:inkSource xml:id="inkSrc0">
+        <inkml:traceFormat>
+          <inkml:channel name="X" type="integer" min="-2.14748E9" max="2.14748E9" units="cm"/>
+          <inkml:channel name="Y" type="integer" min="-2.14748E9" max="2.14748E9" units="cm"/>
+          <inkml:channel name="F" type="integer" max="32767" units="dev"/>
+        </inkml:traceFormat>
+        <inkml:channelProperties>
+          <inkml:channelProperty channel="X" name="resolution" value="1000" units="1/cm"/>
+          <inkml:channelProperty channel="Y" name="resolution" value="1000" units="1/cm"/>
+          <inkml:channelProperty channel="F" name="resolution" value="0" units="1/dev"/>
+        </inkml:channelProperties>
+      </inkml:inkSource>
+      <inkml:timestamp xml:id="ts0" timeString="2024-04-05T15:37:16.706"/>
+    </inkml:context>
+    <inkml:brush xml:id="br0">
+      <inkml:brushProperty name="width" value="0.035" units="cm"/>
+      <inkml:brushProperty name="height" value="0.035" units="cm"/>
+      <inkml:brushProperty name="color" value="#E71224"/>
+    </inkml:brush>
+  </inkml:definitions>
+  <inkml:trace contextRef="#ctx0" brushRef="#br0">1 194 24575,'0'-2'0,"1"0"0,-1 0 0,1 1 0,-1-1 0,1 0 0,0 1 0,0-1 0,-1 1 0,1-1 0,0 1 0,0 0 0,1-1 0,-1 1 0,0 0 0,0-1 0,1 1 0,-1 0 0,2-1 0,32-19 0,-26 16 0,58-29 0,1 2 0,78-24 0,-139 54 0,1-1 0,1 0 0,0 0 0,0 1 0,12-1 0,-19 3 0,-1 0 0,1 0 0,-1 0 0,1 0 0,-1 0 0,1 0 0,-1 0 0,1 0 0,0 1 0,-1-1 0,1 1 0,-1-1 0,0 1 0,1 0 0,-1-1 0,1 1 0,-1 0 0,0 0 0,0 0 0,0 0 0,1 0 0,-1 0 0,0 0 0,0 0 0,0 1 0,0-1 0,-1 0 0,1 1 0,0-1 0,-1 1 0,1-1 0,0 2 0,0 3 0,0 0 0,0 0 0,-1 0 0,0-1 0,0 1 0,0 0 0,-1 0 0,1 0 0,-2 0 0,-1 8 0,-5 9 0,-13 27 0,18-44 0,-105 204 0,59-122 0,37-65 0,-10 20 0,-2-2 0,-1 0 0,-44 53 0,41-68 0,28-26 0,-1 1 0,0 0 0,1-1 0,-1 1 0,0 0 0,0-1 0,0 1 0,0-1 0,1 1 0,-1-1 0,0 0 0,0 1 0,0-1 0,0 0 0,0 0 0,0 1 0,0-1 0,0 0 0,0 0 0,0 0 0,0 0 0,0 0 0,0-1 0,0 1 0,0 0 0,1 0 0,-1-1 0,0 1 0,0 0 0,0-1 0,0 1 0,0-1 0,-1 0 0,2 0 0,-1 0 0,1 1 0,0-1 0,-1 0 0,1 0 0,0 0 0,0 1 0,0-1 0,-1 0 0,1 0 0,0 0 0,0 0 0,0 1 0,0-1 0,1 0 0,-1 0 0,0 0 0,0 0 0,0 1 0,1-1 0,-1 0 0,0 0 0,1 0 0,-1 1 0,1-1 0,-1 0 0,1 1 0,0-2 0,18-18 0,-5 9 0,-1 1 0,1 1 0,0 0 0,22-9 0,66-22 0,-75 30 0,29-9 0,-41 15 0,0 0 0,-1-1 0,1-1 0,-1-1 0,0 0 0,0 0 0,-1-1 0,16-14 0,-13 7 0,0-2 0,-1 0 0,-1 0 0,-1-2 0,0 1 0,13-29 0,-20 34 0,0 0 0,0 0 0,-1-1 0,-1 0 0,0 0 0,-1-1 0,-1 1 0,0-1 0,-1 1 0,-1-27 0,0 56 0,-1 0 0,0 0 0,0 0 0,-5 15 0,-3 29 0,8-41 0,0 1 0,1 0 0,4 26 0,-3-39 0,0 0 0,0-1 0,0 1 0,1 0 0,0 0 0,0-1 0,1 0 0,-1 1 0,1-1 0,0 0 0,1 0 0,-1 0 0,1-1 0,7 8 0,-9-11 0,-1 0 0,0 0 0,0 0 0,1 0 0,-1 0 0,0-1 0,1 1 0,-1 0 0,1-1 0,-1 1 0,1-1 0,0 1 0,-1-1 0,1 0 0,-1 1 0,1-1 0,0 0 0,-1 0 0,1 0 0,-1-1 0,1 1 0,0 0 0,-1-1 0,1 1 0,-1 0 0,1-1 0,-1 0 0,1 1 0,-1-1 0,0 0 0,3-1 0,2-3 0,-1-1 0,1 1 0,-1-1 0,0 0 0,6-10 0,5-6 0,-3 8 0,1 2 0,0-1 0,30-17 0,9-10 0,-51 39 0,-1-1 0,1 1 0,0-1 0,0 1 0,-1 0 0,1 0 0,0 0 0,0 0 0,0 0 0,0 0 0,2 0 0,-3 1 0,-1 0 0,0 0 0,0 0 0,1 0 0,-1 0 0,0 0 0,1 0 0,-1 0 0,0 0 0,0 1 0,1-1 0,-1 0 0,0 0 0,0 0 0,1 1 0,-1-1 0,0 0 0,0 0 0,0 0 0,1 1 0,-1-1 0,0 0 0,0 1 0,0-1 0,0 0 0,1 1 0,1 16 0,-3 46 0,0-36 0,1 0 0,4 38 0,-2-58 0,-1-7 0,2-14 0,0-25 0,-2 3 0,-1-10 0,14-91 0,-12 122 0,2 1 0,0 0 0,1-1 0,0 1 0,1 1 0,0-1 0,1 1 0,1 0 0,0 1 0,14-16 0,-8 13-682,30-25-1,-23 24-6143</inkml:trace>
+</inkml:ink>
+</file>
+
+<file path=ppt/ink/ink18.xml><?xml version="1.0" encoding="utf-8"?>
+<inkml:ink xmlns:inkml="http://www.w3.org/2003/InkML">
+  <inkml:definitions>
+    <inkml:context xml:id="ctx0">
+      <inkml:inkSource xml:id="inkSrc0">
+        <inkml:traceFormat>
+          <inkml:channel name="X" type="integer" min="-2.14748E9" max="2.14748E9" units="cm"/>
+          <inkml:channel name="Y" type="integer" min="-2.14748E9" max="2.14748E9" units="cm"/>
+          <inkml:channel name="F" type="integer" max="32767" units="dev"/>
+        </inkml:traceFormat>
+        <inkml:channelProperties>
+          <inkml:channelProperty channel="X" name="resolution" value="1000" units="1/cm"/>
+          <inkml:channelProperty channel="Y" name="resolution" value="1000" units="1/cm"/>
+          <inkml:channelProperty channel="F" name="resolution" value="0" units="1/dev"/>
+        </inkml:channelProperties>
+      </inkml:inkSource>
+      <inkml:timestamp xml:id="ts0" timeString="2024-04-05T15:37:17.321"/>
+    </inkml:context>
+    <inkml:brush xml:id="br0">
+      <inkml:brushProperty name="width" value="0.035" units="cm"/>
+      <inkml:brushProperty name="height" value="0.035" units="cm"/>
+      <inkml:brushProperty name="color" value="#E71224"/>
+    </inkml:brush>
+  </inkml:definitions>
+  <inkml:trace contextRef="#ctx0" brushRef="#br0">131 1 24575,'2'0'0,"0"0"0,-1 1 0,1-1 0,-1 1 0,1 0 0,-1 0 0,1 0 0,-1-1 0,1 1 0,-1 0 0,0 1 0,0-1 0,1 0 0,-1 0 0,0 0 0,0 1 0,0-1 0,0 1 0,-1-1 0,2 3 0,14 32 0,-14-28 0,1 1 0,-1-1 0,-1 1 0,1 0 0,-1 0 0,-1 0 0,-1 14 0,1-19 0,0 0 0,-1-1 0,0 1 0,0 0 0,0-1 0,-1 1 0,1-1 0,-1 0 0,1 1 0,-1-1 0,0 0 0,-1 0 0,1 0 0,0 0 0,-1-1 0,1 1 0,-1-1 0,0 1 0,0-1 0,-6 4 0,-3 0 0,0-1 0,-20 7 0,26-10 0,1-1 0,0 0 0,0 0 0,0 0 0,-1 0 0,1-1 0,0 0 0,-1 0 0,-6-2 0,11 2 0,-1 0 0,1 0 0,0-1 0,0 1 0,0-1 0,0 1 0,-1-1 0,1 1 0,0-1 0,0 0 0,0 1 0,0-1 0,0 0 0,0 0 0,1 0 0,-1 0 0,0 0 0,0 0 0,1 0 0,-1 0 0,0 0 0,1 0 0,-1 0 0,0-2 0,1 0 0,-1 1 0,1-1 0,0 0 0,0 1 0,0-1 0,1 0 0,-1 1 0,1-1 0,-1 0 0,1 1 0,1-3 0,2-5 0,1 0 0,0 0 0,0 1 0,11-13 0,9-10-32,-10 14-634,24-37-1,-29 36-6159</inkml:trace>
+</inkml:ink>
+</file>
+
+<file path=ppt/ink/ink19.xml><?xml version="1.0" encoding="utf-8"?>
+<inkml:ink xmlns:inkml="http://www.w3.org/2003/InkML">
+  <inkml:definitions>
+    <inkml:context xml:id="ctx0">
+      <inkml:inkSource xml:id="inkSrc0">
+        <inkml:traceFormat>
+          <inkml:channel name="X" type="integer" min="-2.14748E9" max="2.14748E9" units="cm"/>
+          <inkml:channel name="Y" type="integer" min="-2.14748E9" max="2.14748E9" units="cm"/>
+          <inkml:channel name="F" type="integer" max="32767" units="dev"/>
+        </inkml:traceFormat>
+        <inkml:channelProperties>
+          <inkml:channelProperty channel="X" name="resolution" value="1000" units="1/cm"/>
+          <inkml:channelProperty channel="Y" name="resolution" value="1000" units="1/cm"/>
+          <inkml:channelProperty channel="F" name="resolution" value="0" units="1/dev"/>
+        </inkml:channelProperties>
+      </inkml:inkSource>
+      <inkml:timestamp xml:id="ts0" timeString="2024-04-05T15:37:17.990"/>
+    </inkml:context>
+    <inkml:brush xml:id="br0">
+      <inkml:brushProperty name="width" value="0.035" units="cm"/>
+      <inkml:brushProperty name="height" value="0.035" units="cm"/>
+      <inkml:brushProperty name="color" value="#E71224"/>
+    </inkml:brush>
+  </inkml:definitions>
+  <inkml:trace contextRef="#ctx0" brushRef="#br0">316 15 24575,'-39'-14'0,"32"14"0,-1 0 0,1 0 0,0 0 0,0 0 0,-1 1 0,1 1 0,0-1 0,0 1 0,0 0 0,-12 6 0,-5 4 0,-34 22 0,54-32 0,3-1 0,-22 17 0,22-18 0,1 1 0,0-1 0,-1 1 0,1-1 0,-1 1 0,1-1 0,0 1 0,-1 0 0,1-1 0,0 1 0,0 0 0,0-1 0,-1 1 0,1 0 0,0-1 0,0 1 0,0-1 0,0 1 0,0 0 0,0-1 0,0 1 0,1 0 0,-1-1 0,0 1 0,0 0 0,0-1 0,1 1 0,-1 0 0,0-1 0,0 1 0,1-1 0,-1 1 0,1-1 0,-1 1 0,0-1 0,1 1 0,-1-1 0,1 1 0,0 0 0,11 7 0,0 0 0,1-1 0,-1-1 0,1 0 0,18 6 0,32 16 0,-57-25 0,-1 1 0,1-1 0,-1 1 0,0 0 0,-1 0 0,1 0 0,-1 1 0,0 0 0,0 0 0,0 0 0,0 0 0,4 9 0,-7-9 0,1-1 0,-1 1 0,1-1 0,-1 1 0,-1-1 0,1 1 0,-1 0 0,0-1 0,0 1 0,0 0 0,0-1 0,-1 1 0,0 0 0,0-1 0,0 1 0,0-1 0,-5 8 0,2-3 8,-1-1 0,0 0 0,0 0 0,-1 0 0,0-1 0,0 0 0,-1 0 0,0-1 0,-1 0 0,1 0 0,-1 0 0,0-1 0,0 0 0,-17 7 0,14-8-132,0 0 0,-1 0 1,1-1-1,-1 0 0,0-1 0,0-1 1,0 1-1,0-2 0,0 0 0,0 0 1,-18-4-1,10-1-6702</inkml:trace>
+</inkml:ink>
+</file>
+
+<file path=ppt/ink/ink2.xml><?xml version="1.0" encoding="utf-8"?>
+<inkml:ink xmlns:inkml="http://www.w3.org/2003/InkML">
+  <inkml:definitions>
+    <inkml:context xml:id="ctx0">
+      <inkml:inkSource xml:id="inkSrc0">
+        <inkml:traceFormat>
+          <inkml:channel name="X" type="integer" min="-2.14748E9" max="2.14748E9" units="cm"/>
+          <inkml:channel name="Y" type="integer" min="-2.14748E9" max="2.14748E9" units="cm"/>
+          <inkml:channel name="F" type="integer" max="32767" units="dev"/>
+        </inkml:traceFormat>
+        <inkml:channelProperties>
+          <inkml:channelProperty channel="X" name="resolution" value="1000" units="1/cm"/>
+          <inkml:channelProperty channel="Y" name="resolution" value="1000" units="1/cm"/>
+          <inkml:channelProperty channel="F" name="resolution" value="0" units="1/dev"/>
+        </inkml:channelProperties>
+      </inkml:inkSource>
+      <inkml:timestamp xml:id="ts0" timeString="2024-04-05T15:37:02.952"/>
+    </inkml:context>
+    <inkml:brush xml:id="br0">
+      <inkml:brushProperty name="width" value="0.035" units="cm"/>
+      <inkml:brushProperty name="height" value="0.035" units="cm"/>
+      <inkml:brushProperty name="color" value="#E71224"/>
+    </inkml:brush>
+  </inkml:definitions>
+  <inkml:trace contextRef="#ctx0" brushRef="#br0">2062 0 24575,'-7'1'0,"1"0"0,0 0 0,-1 0 0,1 1 0,0 0 0,0 0 0,-8 4 0,-6 3 0,-157 51 0,-3-7 0,-209 33 0,385-85 0,-222 45 0,153-27 0,-77 29 0,111-32 0,1 1 0,1 2 0,-52 34 0,65-36 0,0 2 0,1 0 0,1 2 0,1 0 0,-31 42 0,23-21 0,-44 86 0,-10 54 0,47-101 0,-7 18 0,-35 124 0,58-151 0,4 1 0,-12 119 0,20-50 0,6 0 0,7-1 0,26 168 0,-1-131 0,8-1 0,65 182 0,-72-276-42,4 0 1,3-3-1,4-1 0,3-2 0,4-2 0,3-2 1,71 76-1,-23-42-42,4-5 1,5-5-1,193 133 0,-86-98 84,-166-107 0,0-2 0,81 24 0,-111-41 48,0-1 0,1-1 0,-1-1-1,1 0 1,0-2 0,32-1 0,-46-1-35,-1 1 1,1-1-1,-1 0 0,0-1 1,1 0-1,-1 1 0,0-2 1,0 1-1,0-1 1,-1 0-1,1 0 0,-1-1 1,1 0-1,-1 0 0,0 0 1,-1 0-1,1-1 1,-1 1-1,0-1 0,0-1 1,0 1-1,-1 0 1,0-1-1,5-9 0,-5 5-13,-1 1 0,0 0 0,0-1 0,-1 1 0,0-1 0,0 0 0,-1 1 0,-1-1 0,1 0 0,-2 1 0,1-1 0,-1 1 0,-1-1 0,-3-9 0,-2-2 0,-1 1 0,-1 0 0,-1 0 0,0 1 0,-15-18 0,21 31 0,0-1 0,0 1 0,-1 0 0,0 0 0,0 1 0,-10-8 0,6 9 0,13 10 0,17 12 0,17 12 0,-16-15 0,-1 1 0,-1 1 0,23 26 0,-37-37 0,-1 0 0,1 0 0,-1 0 0,0 1 0,-1 0 0,0 0 0,0 0 0,0 0 0,-1 0 0,0 0 0,0 1 0,-1-1 0,0 1 0,0-1 0,-1 1 0,0 7 0,-2 0 0,0-1 0,-1 1 0,-1-1 0,-1 0 0,0 0 0,0-1 0,-1 0 0,-10 15 0,-72 100 0,30-49 0,12-6 0,-49 109 0,84-156-273,0 1 0,2 0 0,1 1 0,-7 46 0,8-22-6553</inkml:trace>
+</inkml:ink>
+</file>
+
+<file path=ppt/ink/ink20.xml><?xml version="1.0" encoding="utf-8"?>
+<inkml:ink xmlns:inkml="http://www.w3.org/2003/InkML">
+  <inkml:definitions>
+    <inkml:context xml:id="ctx0">
+      <inkml:inkSource xml:id="inkSrc0">
+        <inkml:traceFormat>
+          <inkml:channel name="X" type="integer" min="-2.14748E9" max="2.14748E9" units="cm"/>
+          <inkml:channel name="Y" type="integer" min="-2.14748E9" max="2.14748E9" units="cm"/>
+          <inkml:channel name="F" type="integer" max="32767" units="dev"/>
+        </inkml:traceFormat>
+        <inkml:channelProperties>
+          <inkml:channelProperty channel="X" name="resolution" value="1000" units="1/cm"/>
+          <inkml:channelProperty channel="Y" name="resolution" value="1000" units="1/cm"/>
+          <inkml:channelProperty channel="F" name="resolution" value="0" units="1/dev"/>
+        </inkml:channelProperties>
+      </inkml:inkSource>
+      <inkml:timestamp xml:id="ts0" timeString="2024-04-05T15:37:19.305"/>
+    </inkml:context>
+    <inkml:brush xml:id="br0">
+      <inkml:brushProperty name="width" value="0.035" units="cm"/>
+      <inkml:brushProperty name="height" value="0.035" units="cm"/>
+      <inkml:brushProperty name="color" value="#E71224"/>
+    </inkml:brush>
+  </inkml:definitions>
+  <inkml:trace contextRef="#ctx0" brushRef="#br0">14 147 24575,'8'-1'0,"-1"0"0,1 0 0,-1-1 0,0 1 0,0-2 0,0 1 0,13-7 0,23-7 0,-41 15 0,0 1 0,0-1 0,0 0 0,0 1 0,-1-1 0,1 0 0,0 0 0,0 0 0,-1-1 0,1 1 0,0 0 0,1-2 0,-2 2 0,-1 0 0,1 0 0,-1 0 0,1 0 0,-1 1 0,1-1 0,-1 0 0,0 0 0,0 0 0,1 0 0,-1 0 0,0 0 0,0 0 0,0 0 0,0 0 0,0 0 0,0 0 0,0 0 0,-1-1 0,1 0 0,-1-1 0,-1 1 0,1-1 0,0 1 0,-1 0 0,1-1 0,-1 1 0,0 0 0,0 0 0,0 0 0,0 0 0,0 1 0,0-1 0,0 0 0,0 1 0,-5-2 0,-9-5-273,-2 0 0,1 2 0,0 0 0,-20-3 0,19 5-6553</inkml:trace>
+</inkml:ink>
+</file>
+
+<file path=ppt/ink/ink3.xml><?xml version="1.0" encoding="utf-8"?>
+<inkml:ink xmlns:inkml="http://www.w3.org/2003/InkML">
+  <inkml:definitions>
+    <inkml:context xml:id="ctx0">
+      <inkml:inkSource xml:id="inkSrc0">
+        <inkml:traceFormat>
+          <inkml:channel name="X" type="integer" min="-2.14748E9" max="2.14748E9" units="cm"/>
+          <inkml:channel name="Y" type="integer" min="-2.14748E9" max="2.14748E9" units="cm"/>
+          <inkml:channel name="F" type="integer" max="32767" units="dev"/>
+        </inkml:traceFormat>
+        <inkml:channelProperties>
+          <inkml:channelProperty channel="X" name="resolution" value="1000" units="1/cm"/>
+          <inkml:channelProperty channel="Y" name="resolution" value="1000" units="1/cm"/>
+          <inkml:channelProperty channel="F" name="resolution" value="0" units="1/dev"/>
+        </inkml:channelProperties>
+      </inkml:inkSource>
+      <inkml:timestamp xml:id="ts0" timeString="2024-04-05T15:37:03.595"/>
+    </inkml:context>
+    <inkml:brush xml:id="br0">
+      <inkml:brushProperty name="width" value="0.035" units="cm"/>
+      <inkml:brushProperty name="height" value="0.035" units="cm"/>
+      <inkml:brushProperty name="color" value="#E71224"/>
+    </inkml:brush>
+  </inkml:definitions>
+  <inkml:trace contextRef="#ctx0" brushRef="#br0">445 317 24575,'-5'0'0,"0"-1"0,0 0 0,0 0 0,0 0 0,0-1 0,1 0 0,-1 0 0,1 0 0,-1 0 0,1-1 0,0 1 0,0-1 0,0 0 0,0-1 0,0 1 0,1-1 0,0 1 0,-1-1 0,-3-8 0,4 9 0,0-1 0,1 0 0,0 0 0,-1-1 0,2 1 0,-1 0 0,0-1 0,1 1 0,0-1 0,0 0 0,0 1 0,1-1 0,0 1 0,-1-1 0,2 0 0,-1 0 0,0 1 0,1-1 0,0 1 0,3-9 0,1 4 0,0 1 0,0-1 0,1 1 0,0 1 0,1-1 0,0 1 0,0 0 0,1 1 0,-1 0 0,1 0 0,16-8 0,-2 2 0,1 1 0,1 0 0,33-8 0,-53 17 0,4 0 0,-1 0 0,1 0 0,0 0 0,12 0 0,-18 2 0,0 0 0,0 0 0,0 0 0,0 0 0,-1 0 0,1 1 0,0-1 0,0 1 0,0 0 0,0-1 0,-1 1 0,1 0 0,0 0 0,-1 0 0,1 0 0,0 0 0,-1 0 0,1 1 0,-1-1 0,0 0 0,0 1 0,1-1 0,-1 1 0,1 2 0,0 0 0,0 1 0,0-1 0,0 1 0,-1 0 0,0-1 0,0 1 0,0 0 0,-1 0 0,1 7 0,-8 51 0,-2-15-4,-3 0-1,-2-1 1,-1-1-1,-33 66 0,-106 169-677,-4-37 506,116-186 187,-3-1 1,-52 49 0,88-97-12,5-4 0,0 0 0,0-1 0,-1 0 0,1 0 0,-1 0 0,0-1 0,-1 1 0,1-1 0,-10 4 0,12-8 0,7-5 0,2-1 29,1 1 1,0 0-1,1 0 1,0 1-1,0 0 0,15-7 1,57-21 382,-63 26-325,39-13-52,1 3 1,0 1-1,103-12 0,-145 27-35,0 0 0,-1 2 0,1 0 0,0 0 0,20 6 0,-34-7 0,0 0 0,0 0 0,-1 0 0,1 0 0,0 0 0,-1-1 0,1 1 0,0 0 0,0 0 0,-1 0 0,1-1 0,0 1 0,-1 0 0,1-1 0,-1 1 0,1 0 0,0-1 0,-1 1 0,1-1 0,-1 1 0,1-1 0,-1 1 0,1-1 0,-1 0 0,0 1 0,1-1 0,-1 1 0,0-1 0,1 0 0,-1 1 0,0-1 0,0 0 0,0 0 0,0 1 0,1-1 0,-1 0 0,0 1 0,0-1 0,0 0 0,0 0 0,-1 1 0,1-2 0,-3-42 0,1 29 0,2-16-1365,2 3-5461</inkml:trace>
+</inkml:ink>
+</file>
+
+<file path=ppt/ink/ink4.xml><?xml version="1.0" encoding="utf-8"?>
+<inkml:ink xmlns:inkml="http://www.w3.org/2003/InkML">
+  <inkml:definitions>
+    <inkml:context xml:id="ctx0">
+      <inkml:inkSource xml:id="inkSrc0">
+        <inkml:traceFormat>
+          <inkml:channel name="X" type="integer" min="-2.14748E9" max="2.14748E9" units="cm"/>
+          <inkml:channel name="Y" type="integer" min="-2.14748E9" max="2.14748E9" units="cm"/>
+          <inkml:channel name="F" type="integer" max="32767" units="dev"/>
+        </inkml:traceFormat>
+        <inkml:channelProperties>
+          <inkml:channelProperty channel="X" name="resolution" value="1000" units="1/cm"/>
+          <inkml:channelProperty channel="Y" name="resolution" value="1000" units="1/cm"/>
+          <inkml:channelProperty channel="F" name="resolution" value="0" units="1/dev"/>
+        </inkml:channelProperties>
+      </inkml:inkSource>
+      <inkml:timestamp xml:id="ts0" timeString="2024-04-05T15:37:04.086"/>
+    </inkml:context>
+    <inkml:brush xml:id="br0">
+      <inkml:brushProperty name="width" value="0.035" units="cm"/>
+      <inkml:brushProperty name="height" value="0.035" units="cm"/>
+      <inkml:brushProperty name="color" value="#E71224"/>
+    </inkml:brush>
+  </inkml:definitions>
+  <inkml:trace contextRef="#ctx0" brushRef="#br0">2 16 24575,'0'14'0,"-1"-10"0,1 0 0,-1 0 0,1 0 0,0 0 0,1-1 0,-1 1 0,1 0 0,-1 0 0,1 0 0,0-1 0,1 1 0,2 7 0,-3-11 0,-1 0 0,1 0 0,-1 0 0,1 0 0,-1 0 0,0 0 0,1 0 0,-1 0 0,1 0 0,-1 0 0,1 0 0,-1 0 0,1 0 0,-1 0 0,1-1 0,-1 1 0,0 0 0,1 0 0,-1 0 0,1-1 0,-1 1 0,0 0 0,1-1 0,-1 1 0,0 0 0,1-1 0,-1 1 0,1-1 0,15-15 0,-8 7 0,1 2 0,1 1 0,-1 0 0,2 0 0,-1 1 0,1 0 0,-1 1 0,1 0 0,1 1 0,-1 0 0,0 0 0,1 2 0,-1-1 0,16 1 0,-26 1 0,1 0 0,0 1 0,-1-1 0,1 1 0,0-1 0,-1 1 0,1 0 0,-1-1 0,1 1 0,-1 0 0,0 0 0,1 0 0,-1 0 0,0 0 0,1 0 0,-1 1 0,0-1 0,0 0 0,0 1 0,0-1 0,0 0 0,0 1 0,-1-1 0,1 1 0,0 0 0,-1-1 0,1 3 0,1 5 0,-1 0 0,1-1 0,-2 1 0,1 10 0,-1-11 0,-2 82-1365,1-50-5461</inkml:trace>
+</inkml:ink>
+</file>
+
+<file path=ppt/ink/ink5.xml><?xml version="1.0" encoding="utf-8"?>
+<inkml:ink xmlns:inkml="http://www.w3.org/2003/InkML">
+  <inkml:definitions>
+    <inkml:context xml:id="ctx0">
+      <inkml:inkSource xml:id="inkSrc0">
+        <inkml:traceFormat>
+          <inkml:channel name="X" type="integer" min="-2.14748E9" max="2.14748E9" units="cm"/>
+          <inkml:channel name="Y" type="integer" min="-2.14748E9" max="2.14748E9" units="cm"/>
+          <inkml:channel name="F" type="integer" max="32767" units="dev"/>
+        </inkml:traceFormat>
+        <inkml:channelProperties>
+          <inkml:channelProperty channel="X" name="resolution" value="1000" units="1/cm"/>
+          <inkml:channelProperty channel="Y" name="resolution" value="1000" units="1/cm"/>
+          <inkml:channelProperty channel="F" name="resolution" value="0" units="1/dev"/>
+        </inkml:channelProperties>
+      </inkml:inkSource>
+      <inkml:timestamp xml:id="ts0" timeString="2024-04-05T15:37:06.364"/>
+    </inkml:context>
+    <inkml:brush xml:id="br0">
+      <inkml:brushProperty name="width" value="0.035" units="cm"/>
+      <inkml:brushProperty name="height" value="0.035" units="cm"/>
+      <inkml:brushProperty name="color" value="#E71224"/>
+    </inkml:brush>
+  </inkml:definitions>
+  <inkml:trace contextRef="#ctx0" brushRef="#br0">5 91 24575,'-3'0'0,"2"0"0,7 0 0,10 0 0,8 0 0,6 0 0,8 0 0,16 0 0,18 0 0,23-3 0,16-11 0,0-9 0,-10-4 0,-22 3-8191</inkml:trace>
+</inkml:ink>
+</file>
+
+<file path=ppt/ink/ink6.xml><?xml version="1.0" encoding="utf-8"?>
+<inkml:ink xmlns:inkml="http://www.w3.org/2003/InkML">
+  <inkml:definitions>
+    <inkml:context xml:id="ctx0">
+      <inkml:inkSource xml:id="inkSrc0">
+        <inkml:traceFormat>
+          <inkml:channel name="X" type="integer" min="-2.14748E9" max="2.14748E9" units="cm"/>
+          <inkml:channel name="Y" type="integer" min="-2.14748E9" max="2.14748E9" units="cm"/>
+          <inkml:channel name="F" type="integer" max="32767" units="dev"/>
+        </inkml:traceFormat>
+        <inkml:channelProperties>
+          <inkml:channelProperty channel="X" name="resolution" value="1000" units="1/cm"/>
+          <inkml:channelProperty channel="Y" name="resolution" value="1000" units="1/cm"/>
+          <inkml:channelProperty channel="F" name="resolution" value="0" units="1/dev"/>
+        </inkml:channelProperties>
+      </inkml:inkSource>
+      <inkml:timestamp xml:id="ts0" timeString="2024-04-05T15:37:06.841"/>
+    </inkml:context>
+    <inkml:brush xml:id="br0">
+      <inkml:brushProperty name="width" value="0.035" units="cm"/>
+      <inkml:brushProperty name="height" value="0.035" units="cm"/>
+      <inkml:brushProperty name="color" value="#E71224"/>
+    </inkml:brush>
+  </inkml:definitions>
+  <inkml:trace contextRef="#ctx0" brushRef="#br0">0 272 24575,'0'-271'0,"1"283"0,0 1 0,5 18 0,2 10 0,23 211-682,0 313-1,-31-538-6143</inkml:trace>
+</inkml:ink>
+</file>
+
+<file path=ppt/ink/ink7.xml><?xml version="1.0" encoding="utf-8"?>
+<inkml:ink xmlns:inkml="http://www.w3.org/2003/InkML">
+  <inkml:definitions>
+    <inkml:context xml:id="ctx0">
+      <inkml:inkSource xml:id="inkSrc0">
+        <inkml:traceFormat>
+          <inkml:channel name="X" type="integer" min="-2.14748E9" max="2.14748E9" units="cm"/>
+          <inkml:channel name="Y" type="integer" min="-2.14748E9" max="2.14748E9" units="cm"/>
+          <inkml:channel name="F" type="integer" max="32767" units="dev"/>
+        </inkml:traceFormat>
+        <inkml:channelProperties>
+          <inkml:channelProperty channel="X" name="resolution" value="1000" units="1/cm"/>
+          <inkml:channelProperty channel="Y" name="resolution" value="1000" units="1/cm"/>
+          <inkml:channelProperty channel="F" name="resolution" value="0" units="1/dev"/>
+        </inkml:channelProperties>
+      </inkml:inkSource>
+      <inkml:timestamp xml:id="ts0" timeString="2024-04-05T15:37:07.477"/>
+    </inkml:context>
+    <inkml:brush xml:id="br0">
+      <inkml:brushProperty name="width" value="0.035" units="cm"/>
+      <inkml:brushProperty name="height" value="0.035" units="cm"/>
+      <inkml:brushProperty name="color" value="#E71224"/>
+    </inkml:brush>
+  </inkml:definitions>
+  <inkml:trace contextRef="#ctx0" brushRef="#br0">3 116 24575,'0'1'0,"0"-1"0,-1 0 0,1 0 0,0 1 0,0-1 0,0 0 0,-1 0 0,1 1 0,0-1 0,0 0 0,0 1 0,0-1 0,0 0 0,0 1 0,-1-1 0,1 0 0,0 1 0,0-1 0,0 0 0,0 1 0,0-1 0,0 0 0,0 1 0,0-1 0,1 0 0,-1 1 0,0-1 0,0 0 0,0 0 0,0 1 0,0-1 0,0 0 0,1 1 0,-1-1 0,0 0 0,0 0 0,0 1 0,1-1 0,-1 0 0,0 0 0,0 1 0,1-1 0,-1 0 0,0 0 0,1 0 0,-1 0 0,0 1 0,1-1 0,-1 0 0,0 0 0,0 0 0,1 0 0,-1 0 0,0 0 0,1 0 0,-1 0 0,1 0 0,-1 0 0,0 0 0,1 0 0,26 3 0,-25-2 0,105 0 0,201-24 0,-245 16 0,105-10-365,900-71-334,-1056 89 741,-21 2-1160,9-3 1006,-20 5-5827</inkml:trace>
+</inkml:ink>
+</file>
+
+<file path=ppt/ink/ink8.xml><?xml version="1.0" encoding="utf-8"?>
+<inkml:ink xmlns:inkml="http://www.w3.org/2003/InkML">
+  <inkml:definitions>
+    <inkml:context xml:id="ctx0">
+      <inkml:inkSource xml:id="inkSrc0">
+        <inkml:traceFormat>
+          <inkml:channel name="X" type="integer" min="-2.14748E9" max="2.14748E9" units="cm"/>
+          <inkml:channel name="Y" type="integer" min="-2.14748E9" max="2.14748E9" units="cm"/>
+          <inkml:channel name="F" type="integer" max="32767" units="dev"/>
+        </inkml:traceFormat>
+        <inkml:channelProperties>
+          <inkml:channelProperty channel="X" name="resolution" value="1000" units="1/cm"/>
+          <inkml:channelProperty channel="Y" name="resolution" value="1000" units="1/cm"/>
+          <inkml:channelProperty channel="F" name="resolution" value="0" units="1/dev"/>
+        </inkml:channelProperties>
+      </inkml:inkSource>
+      <inkml:timestamp xml:id="ts0" timeString="2024-04-05T15:37:08.041"/>
+    </inkml:context>
+    <inkml:brush xml:id="br0">
+      <inkml:brushProperty name="width" value="0.035" units="cm"/>
+      <inkml:brushProperty name="height" value="0.035" units="cm"/>
+      <inkml:brushProperty name="color" value="#E71224"/>
+    </inkml:brush>
+  </inkml:definitions>
+  <inkml:trace contextRef="#ctx0" brushRef="#br0">0 1 24575,'0'35'0,"2"1"0,1 0 0,2 0 0,1-1 0,20 64 0,-1-27 0,54 111 0,-66-157 0,2-1 0,1 0 0,0-1 0,2 0 0,1-2 0,1 0 0,31 27 0,-38-40 0,1 0 0,0 0 0,0-1 0,1-1 0,0-1 0,0 0 0,1-1 0,0 0 0,0-1 0,0-1 0,0-1 0,25 1 0,8-3 0,0-2 0,92-16 0,76-26-376,397-134-1,-606 175 377,30-10 0,0-2 0,53-28 0,-87 41 0,0-1 0,0 1 0,0-1 0,-1 0 0,1 0 0,-1 0 0,0 0 0,0-1 0,5-7 0,-7 10 0,0 0 0,-1 0 0,0-1 0,1 1 0,-1-1 0,0 1 0,1 0 0,-1-1 0,0 1 0,0-1 0,0 1 0,0 0 0,0-1 0,-1 1 0,1 0 0,0-1 0,-1 1 0,1 0 0,-1-1 0,1 1 0,-1 0 0,0-1 0,1 1 0,-1 0 0,0 0 0,0 0 0,0 0 0,0 0 0,0 0 0,0 0 0,0 0 0,0 0 0,0 1 0,-2-2 0,-10-6 52,0 0-1,0 1 1,-1 0 0,0 1 0,0 1-1,-30-7 1,-92-12 338,129 23-389,-40-5-1,-61 0 0,104 6 0,-1 0 0,1 0 0,-1 1 0,1 0 0,-1-1 0,-7 4 0,12-4 0,-1 0 0,1 0 0,0 0 0,-1 1 0,1-1 0,0 0 0,-1 0 0,1 1 0,0-1 0,0 0 0,0 0 0,-1 1 0,1-1 0,0 0 0,0 1 0,0-1 0,-1 0 0,1 1 0,0-1 0,0 0 0,0 1 0,0-1 0,0 0 0,0 1 0,0-1 0,0 0 0,0 1 0,0-1 0,0 0 0,0 1 0,0-1 0,0 0 0,0 1 0,0-1 0,0 1 0,1-1 0,-1 0 0,0 0 0,0 1 0,0-1 0,0 0 0,1 1 0,-1-1 0,0 0 0,0 0 0,1 1 0,-1-1 0,0 0 0,1 0 0,-1 1 0,0-1 0,0 0 0,1 0 0,-1 0 0,1 0 0,10 6 0,0 0 0,0-1 0,1-1 0,0 0 0,0 0 0,0-1 0,16 2 0,1 1 0,140 31 0,414 109 0,-570-141 0,4-1 0,0 2 0,0 0 0,-1 2 0,0-1 0,30 21 0,-44-27 0,-1 0 0,0 0 0,1 0 0,-1 0 0,0 0 0,0 0 0,0 1 0,0-1 0,0 0 0,0 1 0,-1-1 0,1 1 0,0-1 0,-1 1 0,1-1 0,-1 1 0,1-1 0,-1 1 0,0 0 0,0-1 0,0 1 0,0 0 0,0-1 0,0 1 0,0-1 0,0 1 0,-1 0 0,1-1 0,0 1 0,-1-1 0,0 1 0,1-1 0,-1 1 0,0-1 0,0 1 0,0-1 0,-1 2 0,-5 5 0,0 0 0,0-1 0,0 0 0,-16 10 0,19-14 0,-182 120 0,59-42 0,68-42-1365,15-9-5461</inkml:trace>
+</inkml:ink>
+</file>
+
+<file path=ppt/ink/ink9.xml><?xml version="1.0" encoding="utf-8"?>
+<inkml:ink xmlns:inkml="http://www.w3.org/2003/InkML">
+  <inkml:definitions>
+    <inkml:context xml:id="ctx0">
+      <inkml:inkSource xml:id="inkSrc0">
+        <inkml:traceFormat>
+          <inkml:channel name="X" type="integer" min="-2.14748E9" max="2.14748E9" units="cm"/>
+          <inkml:channel name="Y" type="integer" min="-2.14748E9" max="2.14748E9" units="cm"/>
+          <inkml:channel name="F" type="integer" max="32767" units="dev"/>
+        </inkml:traceFormat>
+        <inkml:channelProperties>
+          <inkml:channelProperty channel="X" name="resolution" value="1000" units="1/cm"/>
+          <inkml:channelProperty channel="Y" name="resolution" value="1000" units="1/cm"/>
+          <inkml:channelProperty channel="F" name="resolution" value="0" units="1/dev"/>
+        </inkml:channelProperties>
+      </inkml:inkSource>
+      <inkml:timestamp xml:id="ts0" timeString="2024-04-05T15:37:10.170"/>
+    </inkml:context>
+    <inkml:brush xml:id="br0">
+      <inkml:brushProperty name="width" value="0.035" units="cm"/>
+      <inkml:brushProperty name="height" value="0.035" units="cm"/>
+      <inkml:brushProperty name="color" value="#E71224"/>
+    </inkml:brush>
+  </inkml:definitions>
+  <inkml:trace contextRef="#ctx0" brushRef="#br0">224 364 24575,'-1'0'0,"-1"0"0,1 0 0,-1 0 0,1-1 0,-1 1 0,1-1 0,-1 1 0,1-1 0,0 1 0,-1-1 0,1 0 0,0 0 0,-1 0 0,1 0 0,0 0 0,0 0 0,0 0 0,0 0 0,0 0 0,0 0 0,0-1 0,0 1 0,0 0 0,1-1 0,-1 1 0,1-1 0,-1 1 0,1 0 0,-1-1 0,1 1 0,0-1 0,-1 0 0,1-1 0,0-6 0,-1 1 0,1 0 0,0 0 0,1 0 0,1-10 0,2 4 0,0 0 0,0 0 0,2 0 0,-1 1 0,2 0 0,0 0 0,0 1 0,1 0 0,0 0 0,1 1 0,1 0 0,0 0 0,0 1 0,1 0 0,0 1 0,1 1 0,0-1 0,0 2 0,1 0 0,0 0 0,0 1 0,1 1 0,0 0 0,-1 1 0,1 1 0,1 0 0,-1 0 0,24 0 0,-32 3 0,0 1 0,1-1 0,-1 1 0,0 0 0,1 1 0,-1-1 0,0 1 0,0 0 0,0 1 0,0 0 0,-1 0 0,1 0 0,-1 0 0,1 1 0,-1 0 0,0 0 0,-1 1 0,1-1 0,-1 1 0,0 0 0,0 0 0,0 0 0,-1 1 0,0-1 0,0 1 0,0 0 0,2 8 0,0 0 0,-1 2 0,0-1 0,-1 0 0,-1 1 0,0 0 0,-1-1 0,-1 1 0,-1 0 0,0-1 0,-4 22 0,-2-8 0,-1 0 0,-2 0 0,-1-1 0,-1 0 0,-1-1 0,-1 0 0,-1-2 0,-2 1 0,-1-2 0,0 0 0,-2-1 0,-1-1 0,0-1 0,-2-1 0,-35 25 0,47-38 0,0 0 0,0-1 0,-1 0 0,0-1 0,-18 6 0,26-10 0,-1 0 0,0 0 0,0 0 0,0-1 0,0 0 0,0 0 0,0 0 0,0 0 0,0-1 0,0 0 0,1 0 0,-1 0 0,0-1 0,0 1 0,1-1 0,-9-5 0,4 1 0,1 0 0,0 0 0,1-1 0,-1-1 0,1 1 0,0-1 0,1 0 0,0-1 0,-7-12 0,-2-7 0,-19-53 0,18 39 0,2-1 0,2-1 0,1 0 0,3-1 0,2 0 0,-1-69 0,7 102 17,0 1 0,2 0-1,-1 0 1,1 0 0,1 0 0,4-11-1,-4 15-150,0 1-1,0 0 0,0-1 0,1 1 1,0 0-1,0 1 0,1-1 0,0 1 0,0 0 1,6-5-1,28-18-6691</inkml:trace>
+</inkml:ink>
 </file>
 
 <file path=ppt/notesMasters/notesMaster1.xml><?xml version="1.0" encoding="utf-8"?>
@@ -379,10 +954,9 @@
           </a:lstStyle>
           <a:p>
             <a:r>
-              <a:rPr lang="en-US" smtClean="0"/>
+              <a:rPr lang="en-US"/>
               <a:t>CMP461: Big Data Analytics</a:t>
             </a:r>
-            <a:endParaRPr lang="en-US"/>
           </a:p>
         </p:txBody>
       </p:sp>
@@ -415,7 +989,7 @@
           <a:p>
             <a:fld id="{93E09D05-EC44-487D-A528-587D6898A5DB}" type="datetime1">
               <a:rPr lang="en-US" smtClean="0"/>
-              <a:t>3/13/2017</a:t>
+              <a:t>4/5/2024</a:t>
             </a:fld>
             <a:endParaRPr lang="en-US"/>
           </a:p>
@@ -479,38 +1053,37 @@
           <a:p>
             <a:pPr lvl="0"/>
             <a:r>
-              <a:rPr lang="en-US" smtClean="0"/>
+              <a:rPr lang="en-US"/>
               <a:t>Click to edit Master text styles</a:t>
             </a:r>
           </a:p>
           <a:p>
             <a:pPr lvl="1"/>
             <a:r>
-              <a:rPr lang="en-US" smtClean="0"/>
+              <a:rPr lang="en-US"/>
               <a:t>Second level</a:t>
             </a:r>
           </a:p>
           <a:p>
             <a:pPr lvl="2"/>
             <a:r>
-              <a:rPr lang="en-US" smtClean="0"/>
+              <a:rPr lang="en-US"/>
               <a:t>Third level</a:t>
             </a:r>
           </a:p>
           <a:p>
             <a:pPr lvl="3"/>
             <a:r>
-              <a:rPr lang="en-US" smtClean="0"/>
+              <a:rPr lang="en-US"/>
               <a:t>Fourth level</a:t>
             </a:r>
           </a:p>
           <a:p>
             <a:pPr lvl="4"/>
             <a:r>
-              <a:rPr lang="en-US" smtClean="0"/>
+              <a:rPr lang="en-US"/>
               <a:t>Fifth level</a:t>
             </a:r>
-            <a:endParaRPr lang="en-US"/>
           </a:p>
         </p:txBody>
       </p:sp>
@@ -542,10 +1115,9 @@
           </a:lstStyle>
           <a:p>
             <a:r>
-              <a:rPr lang="en-US" smtClean="0"/>
+              <a:rPr lang="en-US"/>
               <a:t>Linear Regression</a:t>
             </a:r>
-            <a:endParaRPr lang="en-US"/>
           </a:p>
         </p:txBody>
       </p:sp>
@@ -776,7 +1348,7 @@
           <a:p>
             <a:fld id="{B1AE50B0-8BBC-4AEF-A46D-E7E0E2E23F80}" type="datetime1">
               <a:rPr lang="en-US" smtClean="0"/>
-              <a:t>3/13/2017</a:t>
+              <a:t>4/5/2024</a:t>
             </a:fld>
             <a:endParaRPr lang="en-US"/>
           </a:p>
@@ -798,10 +1370,9 @@
           <a:lstStyle/>
           <a:p>
             <a:r>
-              <a:rPr lang="en-US" smtClean="0"/>
+              <a:rPr lang="en-US"/>
               <a:t>Linear Regression</a:t>
             </a:r>
-            <a:endParaRPr lang="en-US"/>
           </a:p>
         </p:txBody>
       </p:sp>
@@ -821,10 +1392,9 @@
           <a:lstStyle/>
           <a:p>
             <a:r>
-              <a:rPr lang="en-US" smtClean="0"/>
+              <a:rPr lang="en-US"/>
               <a:t>CMP461: Big Data Analytics</a:t>
             </a:r>
-            <a:endParaRPr lang="en-US"/>
           </a:p>
         </p:txBody>
       </p:sp>
@@ -882,17 +1452,589 @@
         </p:nvSpPr>
         <p:spPr/>
         <p:txBody>
+          <a:bodyPr lIns="97020" tIns="48510" rIns="97020" bIns="48510">
+            <a:normAutofit/>
+          </a:bodyPr>
+          <a:lstStyle/>
+          <a:p>
+            <a:r>
+              <a:rPr lang="en-US" baseline="0" dirty="0"/>
+              <a:t>Creating a  hold-out data set (we discussed this in Apriori diagnostics earlier in lesson 2 of this module) before you fit the model, and using that to estimate prediction error is by far the easiest thing to do.</a:t>
+            </a:r>
+          </a:p>
+          <a:p>
+            <a:r>
+              <a:rPr lang="en-US" baseline="0" dirty="0"/>
+              <a:t>There are two kinds of errors in predictive models One is the training error and the other is the prediction error.  sets is the easiest way to estimate the prediction errors.</a:t>
+            </a:r>
+          </a:p>
+          <a:p>
+            <a:r>
+              <a:rPr lang="en-US" baseline="0" dirty="0"/>
+              <a:t>N-fold cross validation – it tells you if your set of variables is reasonable. This method is used when you don't have enough data to create a  (test set) data. </a:t>
+            </a:r>
+          </a:p>
+          <a:p>
+            <a:pPr defTabSz="970202">
+              <a:defRPr/>
+            </a:pPr>
+            <a:r>
+              <a:rPr lang="en-US" dirty="0"/>
+              <a:t>Cross Validation is done by Splitting</a:t>
+            </a:r>
+            <a:r>
+              <a:rPr lang="en-US" baseline="0" dirty="0"/>
+              <a:t> the </a:t>
+            </a:r>
+            <a:r>
+              <a:rPr lang="en-US" dirty="0"/>
+              <a:t>dataset into, say, N</a:t>
+            </a:r>
+            <a:r>
+              <a:rPr lang="en-US" baseline="0" dirty="0"/>
+              <a:t> </a:t>
+            </a:r>
+            <a:r>
+              <a:rPr lang="en-US" dirty="0"/>
+              <a:t>non-overlapping subsets (fold) , Fit a model using N-1 folds and predict its performance using the fold that was left out. This can be done for all possible combination of folds (first leave 1st fold out, then 2nd, .. , then Nth and train with the remaining folds). After completing</a:t>
+            </a:r>
+            <a:r>
+              <a:rPr lang="en-US" baseline="0" dirty="0"/>
+              <a:t> the fit on all possible folds</a:t>
+            </a:r>
+            <a:r>
+              <a:rPr lang="en-US" dirty="0"/>
+              <a:t> you estimate the mean performance of all folds (maybe also the variance/standard deviation of the performance).</a:t>
+            </a:r>
+          </a:p>
+          <a:p>
+            <a:pPr defTabSz="970202">
+              <a:defRPr/>
+            </a:pPr>
+            <a:r>
+              <a:rPr lang="en-US" baseline="0" dirty="0"/>
+              <a:t>R</a:t>
+            </a:r>
+            <a:r>
+              <a:rPr lang="en-US" baseline="30000" dirty="0"/>
+              <a:t>2</a:t>
+            </a:r>
+            <a:r>
+              <a:rPr lang="en-US" baseline="0" dirty="0"/>
+              <a:t>  (goodness of fit metric) is reported by all standard packages. It is the </a:t>
+            </a:r>
+            <a:r>
+              <a:rPr lang="en-US" dirty="0"/>
+              <a:t> fraction of the variance in the output variable that the model can explain.</a:t>
+            </a:r>
+          </a:p>
+          <a:p>
+            <a:pPr defTabSz="970202">
+              <a:defRPr/>
+            </a:pPr>
+            <a:r>
+              <a:rPr lang="en-US" baseline="0" dirty="0"/>
+              <a:t> The definition of R</a:t>
+            </a:r>
+            <a:r>
+              <a:rPr lang="en-US" baseline="30000" dirty="0"/>
+              <a:t>2</a:t>
+            </a:r>
+            <a:r>
+              <a:rPr lang="en-US" baseline="0" dirty="0"/>
+              <a:t> is  1 – SSerr/SStot  where </a:t>
+            </a:r>
+          </a:p>
+          <a:p>
+            <a:pPr defTabSz="970202">
+              <a:defRPr/>
+            </a:pPr>
+            <a:r>
+              <a:rPr lang="en-US" baseline="0" dirty="0"/>
+              <a:t> SSerr = Sum[(y-y</a:t>
+            </a:r>
+            <a:r>
+              <a:rPr lang="en-US" baseline="-25000" dirty="0"/>
+              <a:t>pred</a:t>
+            </a:r>
+            <a:r>
+              <a:rPr lang="en-US" baseline="0" dirty="0"/>
+              <a:t>)</a:t>
+            </a:r>
+            <a:r>
+              <a:rPr lang="en-US" baseline="30000" dirty="0"/>
+              <a:t>2</a:t>
+            </a:r>
+            <a:r>
+              <a:rPr lang="en-US" baseline="0" dirty="0"/>
+              <a:t>] and </a:t>
+            </a:r>
+          </a:p>
+          <a:p>
+            <a:pPr defTabSz="970202">
+              <a:defRPr/>
+            </a:pPr>
+            <a:r>
+              <a:rPr lang="en-US" baseline="0" dirty="0"/>
+              <a:t> SStot = Sum[(y-y</a:t>
+            </a:r>
+            <a:r>
+              <a:rPr lang="en-US" baseline="-25000" dirty="0"/>
+              <a:t>mean</a:t>
+            </a:r>
+            <a:r>
+              <a:rPr lang="en-US" baseline="0" dirty="0"/>
+              <a:t>)</a:t>
+            </a:r>
+            <a:r>
+              <a:rPr lang="en-US" baseline="30000" dirty="0"/>
+              <a:t>2</a:t>
+            </a:r>
+            <a:r>
+              <a:rPr lang="en-US" baseline="0" dirty="0"/>
+              <a:t>]. </a:t>
+            </a:r>
+          </a:p>
+          <a:p>
+            <a:pPr defTabSz="970202">
+              <a:defRPr/>
+            </a:pPr>
+            <a:r>
+              <a:rPr lang="en-US" baseline="0" dirty="0"/>
+              <a:t>For the output of a correlated model, like regression, this definition will be the square of the correlation. For a good fit we want R</a:t>
+            </a:r>
+            <a:r>
+              <a:rPr lang="en-US" baseline="30000" dirty="0"/>
+              <a:t>2</a:t>
+            </a:r>
+            <a:r>
+              <a:rPr lang="en-US" baseline="0" dirty="0"/>
+              <a:t>  as close to 1 as possible.</a:t>
+            </a:r>
+          </a:p>
+          <a:p>
+            <a:pPr defTabSz="970202">
+              <a:defRPr/>
+            </a:pPr>
+            <a:r>
+              <a:rPr lang="en-US" baseline="0" dirty="0"/>
+              <a:t>Reference for n-fold cross validation is "Ensemble Methods in Data Mining", Seni and Elder. Nice succinct description.</a:t>
+            </a:r>
+          </a:p>
+          <a:p>
+            <a:endParaRPr lang="en-US" baseline="0" dirty="0"/>
+          </a:p>
+        </p:txBody>
+      </p:sp>
+      <p:sp>
+        <p:nvSpPr>
+          <p:cNvPr id="6" name="Slide Number Placeholder 5"/>
+          <p:cNvSpPr>
+            <a:spLocks noGrp="1"/>
+          </p:cNvSpPr>
+          <p:nvPr>
+            <p:ph type="sldNum" sz="quarter" idx="10"/>
+          </p:nvPr>
+        </p:nvSpPr>
+        <p:spPr/>
+        <p:txBody>
+          <a:bodyPr/>
+          <a:lstStyle/>
+          <a:p>
+            <a:pPr>
+              <a:defRPr/>
+            </a:pPr>
+            <a:fld id="{80249327-EC2F-4096-8D35-6B76097739FC}" type="slidenum">
+              <a:rPr lang="en-US" smtClean="0"/>
+              <a:pPr>
+                <a:defRPr/>
+              </a:pPr>
+              <a:t>35</a:t>
+            </a:fld>
+            <a:endParaRPr lang="en-US" dirty="0"/>
+          </a:p>
+        </p:txBody>
+      </p:sp>
+      <p:sp>
+        <p:nvSpPr>
+          <p:cNvPr id="7" name="Footer Placeholder 6"/>
+          <p:cNvSpPr>
+            <a:spLocks noGrp="1"/>
+          </p:cNvSpPr>
+          <p:nvPr>
+            <p:ph type="ftr" sz="quarter" idx="11"/>
+          </p:nvPr>
+        </p:nvSpPr>
+        <p:spPr/>
+        <p:txBody>
+          <a:bodyPr/>
+          <a:lstStyle/>
+          <a:p>
+            <a:pPr>
+              <a:defRPr/>
+            </a:pPr>
+            <a:r>
+              <a:rPr lang="en-US"/>
+              <a:t>Linear Regression</a:t>
+            </a:r>
+            <a:endParaRPr lang="en-US" dirty="0"/>
+          </a:p>
+        </p:txBody>
+      </p:sp>
+    </p:spTree>
+  </p:cSld>
+  <p:clrMapOvr>
+    <a:masterClrMapping/>
+  </p:clrMapOvr>
+</p:notes>
+</file>
+
+<file path=ppt/notesSlides/notesSlide11.xml><?xml version="1.0" encoding="utf-8"?>
+<p:notes xmlns:a="http://schemas.openxmlformats.org/drawingml/2006/main" xmlns:r="http://schemas.openxmlformats.org/officeDocument/2006/relationships" xmlns:p="http://schemas.openxmlformats.org/presentationml/2006/main">
+  <p:cSld>
+    <p:spTree>
+      <p:nvGrpSpPr>
+        <p:cNvPr id="1" name=""/>
+        <p:cNvGrpSpPr/>
+        <p:nvPr/>
+      </p:nvGrpSpPr>
+      <p:grpSpPr>
+        <a:xfrm>
+          <a:off x="0" y="0"/>
+          <a:ext cx="0" cy="0"/>
+          <a:chOff x="0" y="0"/>
+          <a:chExt cx="0" cy="0"/>
+        </a:xfrm>
+      </p:grpSpPr>
+      <p:sp>
+        <p:nvSpPr>
+          <p:cNvPr id="2" name="Slide Image Placeholder 1"/>
+          <p:cNvSpPr>
+            <a:spLocks noGrp="1" noRot="1" noChangeAspect="1"/>
+          </p:cNvSpPr>
+          <p:nvPr>
+            <p:ph type="sldImg"/>
+          </p:nvPr>
+        </p:nvSpPr>
+        <p:spPr/>
+      </p:sp>
+      <p:sp>
+        <p:nvSpPr>
+          <p:cNvPr id="3" name="Notes Placeholder 2"/>
+          <p:cNvSpPr>
+            <a:spLocks noGrp="1"/>
+          </p:cNvSpPr>
+          <p:nvPr>
+            <p:ph type="body" idx="1"/>
+          </p:nvPr>
+        </p:nvSpPr>
+        <p:spPr/>
+        <p:txBody>
+          <a:bodyPr lIns="97020" tIns="48510" rIns="97020" bIns="48510">
+            <a:normAutofit/>
+          </a:bodyPr>
+          <a:lstStyle/>
+          <a:p>
+            <a:r>
+              <a:rPr lang="en-US" dirty="0"/>
+              <a:t>Once we determine the fit is good we need to perform the sanity checks. Linear regression is an explanatory model and the coefficients provide the required details.</a:t>
+            </a:r>
+          </a:p>
+          <a:p>
+            <a:r>
+              <a:rPr lang="en-US" dirty="0"/>
+              <a:t>First check on</a:t>
+            </a:r>
+            <a:r>
+              <a:rPr lang="en-US" baseline="0" dirty="0"/>
+              <a:t> the sign of the coefficients. Do the signs make sense? For example should the income increase with age or years of education? The coefficients should be positive. If not there might be something wrong. It is often an indicator that the variables are correlated to each other. Regression works best if all the drivers are independent. This does not in fact affect the predictive power but the explanatory capability is compromised here.</a:t>
+            </a:r>
+          </a:p>
+          <a:p>
+            <a:r>
+              <a:rPr lang="en-US" baseline="0" dirty="0"/>
+              <a:t>We also need to check if the magnitude of the coefficients make sense? They sometimes can become excessively large and we prefer them not to be very large. This is also an indication of strongly correlated inputs. In this case consider eliminating some variables or use other regularized regression techniques such as Ridge and Lasso (Out of scope for this course). These techniques impose a penalty function on large coefficients and keep them in a desirable range.</a:t>
+            </a:r>
+          </a:p>
+          <a:p>
+            <a:r>
+              <a:rPr lang="en-US" baseline="0" dirty="0"/>
+              <a:t>Sometimes you may get infinite magnitude coefficients (R package for OLS will report an error on this)  which could indicate that there is a variable that strongly predicts a certain subset of the output and does not predict well on the rest. For example there is a range of age for which the output income is perfectly predicted. In such conditions plot the output vs. the input and determine the segment at which the prediction goes wrong. Then segment the data before fitting the model.</a:t>
+            </a:r>
+          </a:p>
+          <a:p>
+            <a:endParaRPr lang="en-US" baseline="0" dirty="0"/>
+          </a:p>
+          <a:p>
+            <a:endParaRPr lang="en-US" dirty="0"/>
+          </a:p>
+        </p:txBody>
+      </p:sp>
+      <p:sp>
+        <p:nvSpPr>
+          <p:cNvPr id="6" name="Slide Number Placeholder 5"/>
+          <p:cNvSpPr>
+            <a:spLocks noGrp="1"/>
+          </p:cNvSpPr>
+          <p:nvPr>
+            <p:ph type="sldNum" sz="quarter" idx="10"/>
+          </p:nvPr>
+        </p:nvSpPr>
+        <p:spPr/>
+        <p:txBody>
+          <a:bodyPr/>
+          <a:lstStyle/>
+          <a:p>
+            <a:pPr>
+              <a:defRPr/>
+            </a:pPr>
+            <a:fld id="{80249327-EC2F-4096-8D35-6B76097739FC}" type="slidenum">
+              <a:rPr lang="en-US" smtClean="0"/>
+              <a:pPr>
+                <a:defRPr/>
+              </a:pPr>
+              <a:t>36</a:t>
+            </a:fld>
+            <a:endParaRPr lang="en-US" dirty="0"/>
+          </a:p>
+        </p:txBody>
+      </p:sp>
+      <p:sp>
+        <p:nvSpPr>
+          <p:cNvPr id="7" name="Footer Placeholder 6"/>
+          <p:cNvSpPr>
+            <a:spLocks noGrp="1"/>
+          </p:cNvSpPr>
+          <p:nvPr>
+            <p:ph type="ftr" sz="quarter" idx="11"/>
+          </p:nvPr>
+        </p:nvSpPr>
+        <p:spPr/>
+        <p:txBody>
+          <a:bodyPr/>
+          <a:lstStyle/>
+          <a:p>
+            <a:pPr>
+              <a:defRPr/>
+            </a:pPr>
+            <a:r>
+              <a:rPr lang="en-US"/>
+              <a:t>Linear Regression</a:t>
+            </a:r>
+            <a:endParaRPr lang="en-US" dirty="0"/>
+          </a:p>
+        </p:txBody>
+      </p:sp>
+    </p:spTree>
+  </p:cSld>
+  <p:clrMapOvr>
+    <a:masterClrMapping/>
+  </p:clrMapOvr>
+</p:notes>
+</file>
+
+<file path=ppt/notesSlides/notesSlide12.xml><?xml version="1.0" encoding="utf-8"?>
+<p:notes xmlns:a="http://schemas.openxmlformats.org/drawingml/2006/main" xmlns:r="http://schemas.openxmlformats.org/officeDocument/2006/relationships" xmlns:p="http://schemas.openxmlformats.org/presentationml/2006/main">
+  <p:cSld>
+    <p:spTree>
+      <p:nvGrpSpPr>
+        <p:cNvPr id="1" name=""/>
+        <p:cNvGrpSpPr/>
+        <p:nvPr/>
+      </p:nvGrpSpPr>
+      <p:grpSpPr>
+        <a:xfrm>
+          <a:off x="0" y="0"/>
+          <a:ext cx="0" cy="0"/>
+          <a:chOff x="0" y="0"/>
+          <a:chExt cx="0" cy="0"/>
+        </a:xfrm>
+      </p:grpSpPr>
+      <p:sp>
+        <p:nvSpPr>
+          <p:cNvPr id="2" name="Slide Image Placeholder 1"/>
+          <p:cNvSpPr>
+            <a:spLocks noGrp="1" noRot="1" noChangeAspect="1"/>
+          </p:cNvSpPr>
+          <p:nvPr>
+            <p:ph type="sldImg"/>
+          </p:nvPr>
+        </p:nvSpPr>
+        <p:spPr/>
+      </p:sp>
+      <p:sp>
+        <p:nvSpPr>
+          <p:cNvPr id="3" name="Notes Placeholder 2"/>
+          <p:cNvSpPr>
+            <a:spLocks noGrp="1"/>
+          </p:cNvSpPr>
+          <p:nvPr>
+            <p:ph type="body" idx="1"/>
+          </p:nvPr>
+        </p:nvSpPr>
+        <p:spPr/>
+        <p:txBody>
+          <a:bodyPr lIns="97020" tIns="48510" rIns="97020" bIns="48510">
+            <a:normAutofit/>
+          </a:bodyPr>
+          <a:lstStyle/>
+          <a:p>
+            <a:r>
+              <a:rPr lang="en-US" dirty="0"/>
+              <a:t>Even if everything</a:t>
+            </a:r>
+            <a:r>
+              <a:rPr lang="en-US" baseline="0" dirty="0"/>
+              <a:t> before looks fairly reasonable, it's still a good idea to plot the prediction vs. true outcome. R base package comes with standard graphs but developing plots as the one shown here (generated with ggplot2) is more intuitive for stakeholders to understand. </a:t>
+            </a:r>
+          </a:p>
+          <a:p>
+            <a:r>
+              <a:rPr lang="en-US" baseline="0" dirty="0"/>
+              <a:t>What you have to look for is that the model does not systematically over predict or under predict in certain ranges. We want the variance to be Consistent (the cloud around the line to be symmetrical). These plots also identify the obvious outliers in the data.</a:t>
+            </a:r>
+          </a:p>
+          <a:p>
+            <a:r>
+              <a:rPr lang="en-US" baseline="0" dirty="0"/>
+              <a:t>The two graphs show examples of a model in which we over predict for low true values and under predict at higher values. (Graph on the top of the slide).</a:t>
+            </a:r>
+          </a:p>
+          <a:p>
+            <a:r>
+              <a:rPr lang="en-US" baseline="0" dirty="0"/>
+              <a:t>The graph at the bottom shows an improvement of the model (selecting the correct range, eliminating correlated variables etc). Even in this plot we still do not see a consistent variance but the model fit seems to be better here.</a:t>
+            </a:r>
+          </a:p>
+          <a:p>
+            <a:endParaRPr lang="en-US" baseline="0" dirty="0"/>
+          </a:p>
+          <a:p>
+            <a:endParaRPr lang="en-US" baseline="0" dirty="0"/>
+          </a:p>
+          <a:p>
+            <a:endParaRPr lang="en-US" baseline="0" dirty="0"/>
+          </a:p>
+          <a:p>
+            <a:endParaRPr lang="en-US" dirty="0"/>
+          </a:p>
+        </p:txBody>
+      </p:sp>
+      <p:sp>
+        <p:nvSpPr>
+          <p:cNvPr id="6" name="Slide Number Placeholder 5"/>
+          <p:cNvSpPr>
+            <a:spLocks noGrp="1"/>
+          </p:cNvSpPr>
+          <p:nvPr>
+            <p:ph type="sldNum" sz="quarter" idx="10"/>
+          </p:nvPr>
+        </p:nvSpPr>
+        <p:spPr/>
+        <p:txBody>
+          <a:bodyPr/>
+          <a:lstStyle/>
+          <a:p>
+            <a:pPr>
+              <a:defRPr/>
+            </a:pPr>
+            <a:fld id="{80249327-EC2F-4096-8D35-6B76097739FC}" type="slidenum">
+              <a:rPr lang="en-US" smtClean="0"/>
+              <a:pPr>
+                <a:defRPr/>
+              </a:pPr>
+              <a:t>37</a:t>
+            </a:fld>
+            <a:endParaRPr lang="en-US" dirty="0"/>
+          </a:p>
+        </p:txBody>
+      </p:sp>
+      <p:sp>
+        <p:nvSpPr>
+          <p:cNvPr id="7" name="Footer Placeholder 6"/>
+          <p:cNvSpPr>
+            <a:spLocks noGrp="1"/>
+          </p:cNvSpPr>
+          <p:nvPr>
+            <p:ph type="ftr" sz="quarter" idx="11"/>
+          </p:nvPr>
+        </p:nvSpPr>
+        <p:spPr/>
+        <p:txBody>
+          <a:bodyPr/>
+          <a:lstStyle/>
+          <a:p>
+            <a:pPr>
+              <a:defRPr/>
+            </a:pPr>
+            <a:r>
+              <a:rPr lang="en-US"/>
+              <a:t>Linear Regression</a:t>
+            </a:r>
+            <a:endParaRPr lang="en-US" dirty="0"/>
+          </a:p>
+        </p:txBody>
+      </p:sp>
+    </p:spTree>
+  </p:cSld>
+  <p:clrMapOvr>
+    <a:masterClrMapping/>
+  </p:clrMapOvr>
+</p:notes>
+</file>
+
+<file path=ppt/notesSlides/notesSlide13.xml><?xml version="1.0" encoding="utf-8"?>
+<p:notes xmlns:a="http://schemas.openxmlformats.org/drawingml/2006/main" xmlns:r="http://schemas.openxmlformats.org/officeDocument/2006/relationships" xmlns:p="http://schemas.openxmlformats.org/presentationml/2006/main">
+  <p:cSld>
+    <p:spTree>
+      <p:nvGrpSpPr>
+        <p:cNvPr id="1" name=""/>
+        <p:cNvGrpSpPr/>
+        <p:nvPr/>
+      </p:nvGrpSpPr>
+      <p:grpSpPr>
+        <a:xfrm>
+          <a:off x="0" y="0"/>
+          <a:ext cx="0" cy="0"/>
+          <a:chOff x="0" y="0"/>
+          <a:chExt cx="0" cy="0"/>
+        </a:xfrm>
+      </p:grpSpPr>
+      <p:sp>
+        <p:nvSpPr>
+          <p:cNvPr id="2" name="Slide Image Placeholder 1"/>
+          <p:cNvSpPr>
+            <a:spLocks noGrp="1" noRot="1" noChangeAspect="1"/>
+          </p:cNvSpPr>
+          <p:nvPr>
+            <p:ph type="sldImg"/>
+          </p:nvPr>
+        </p:nvSpPr>
+        <p:spPr/>
+      </p:sp>
+      <p:sp>
+        <p:nvSpPr>
+          <p:cNvPr id="3" name="Notes Placeholder 2"/>
+          <p:cNvSpPr>
+            <a:spLocks noGrp="1"/>
+          </p:cNvSpPr>
+          <p:nvPr>
+            <p:ph type="body" idx="1"/>
+          </p:nvPr>
+        </p:nvSpPr>
+        <p:spPr/>
+        <p:txBody>
           <a:bodyPr>
             <a:normAutofit/>
           </a:bodyPr>
           <a:lstStyle/>
           <a:p>
             <a:r>
-              <a:rPr lang="en-US" dirty="0" smtClean="0"/>
+              <a:rPr lang="en-US" dirty="0"/>
               <a:t>Linear regressions have the explanatory values and we can easily</a:t>
             </a:r>
             <a:r>
-              <a:rPr lang="en-US" baseline="0" dirty="0" smtClean="0"/>
+              <a:rPr lang="en-US" baseline="0" dirty="0"/>
               <a:t> determine how the variables affect the outcome. It is robust to redundant variables and correlated variables. The prediction is not impacted but we lose some explanatory value with the fitted model. Linear regression provides the concise representation of the outcome with the coefficients and it is easy to score the data with this model.</a:t>
             </a:r>
           </a:p>
@@ -903,7 +2045,7 @@
               <a:defRPr/>
             </a:pPr>
             <a:r>
-              <a:rPr lang="en-US" baseline="0" dirty="0" smtClean="0"/>
+              <a:rPr lang="en-US" baseline="0" dirty="0"/>
               <a:t>Cautions (-) are that Linear regression does not handle the missing values well. It assumes that each variable affects the outcome linearly and additively. So if we have some variables that affect the outcome non-linearly and the relationships are not actually additive the model does not fit well. Variable transformations  and modeling variable interactions can address this to some extent.  </a:t>
             </a:r>
           </a:p>
@@ -914,15 +2056,15 @@
               <a:defRPr/>
             </a:pPr>
             <a:r>
-              <a:rPr lang="en-US" baseline="0" dirty="0" smtClean="0"/>
+              <a:rPr lang="en-US" baseline="0" dirty="0"/>
               <a:t>It is recommended</a:t>
             </a:r>
             <a:r>
-              <a:rPr lang="en-US" dirty="0" smtClean="0"/>
+              <a:rPr lang="en-US" dirty="0"/>
               <a:t> to take the log of monetary amounts or any variable with a wide dynamic range. It cannot handle variables that affect the outcome in a discontinuous way. We discussed the issue of infinite magnitude coefficients earlier where the prediction is inconsistent in ranges.</a:t>
             </a:r>
             <a:r>
-              <a:rPr lang="en-US" baseline="0" dirty="0" smtClean="0"/>
+              <a:rPr lang="en-US" baseline="0" dirty="0"/>
               <a:t> Also when you have discrete drivers with a large number of distinct values the model becomes complex and computationally inefficient.</a:t>
             </a:r>
           </a:p>
@@ -932,7 +2074,7 @@
               <a:buNone/>
               <a:defRPr/>
             </a:pPr>
-            <a:endParaRPr lang="en-US" baseline="0" dirty="0" smtClean="0"/>
+            <a:endParaRPr lang="en-US" baseline="0" dirty="0"/>
           </a:p>
         </p:txBody>
       </p:sp>
@@ -955,7 +2097,7 @@
               <a:defRPr/>
             </a:pPr>
             <a:r>
-              <a:rPr lang="en-US" smtClean="0"/>
+              <a:rPr lang="en-US"/>
               <a:t>Linear Regression</a:t>
             </a:r>
             <a:endParaRPr lang="en-US" dirty="0"/>
@@ -1049,13 +2191,13 @@
               <a:defRPr/>
             </a:pPr>
             <a:r>
-              <a:rPr lang="en-US" dirty="0" smtClean="0"/>
+              <a:rPr lang="en-US" dirty="0"/>
               <a:t>The term "regression" was coined by Francis Galton in the nineteenth century to describe a biological phenomenon. The phenomenon was that the heights of descendants of tall ancestors tend to regress down towards a normal average (a phenomenon also known as regression toward the mean).</a:t>
             </a:r>
           </a:p>
           <a:p>
             <a:r>
-              <a:rPr lang="en-US" dirty="0" smtClean="0"/>
+              <a:rPr lang="en-US" dirty="0"/>
               <a:t>Specifically, regression analysis helps one understand how the value of the dependent variable (also referred to as outcome) changes when any one of the independent variables changes (also referred as drivers), while the other independent variables are held fixed. Regression analysis estimates the conditional expectation of the dependent variable given the independent variables — that is, the mean value of the dependent variable when the independent variables are held fixed. </a:t>
             </a:r>
           </a:p>
@@ -1070,7 +2212,7 @@
               <a:defRPr/>
             </a:pPr>
             <a:r>
-              <a:rPr lang="en-US" dirty="0" smtClean="0"/>
+              <a:rPr lang="en-US" dirty="0"/>
               <a:t>Some example questions are :</a:t>
             </a:r>
           </a:p>
@@ -1085,7 +2227,7 @@
               <a:defRPr/>
             </a:pPr>
             <a:r>
-              <a:rPr lang="en-US" dirty="0" smtClean="0"/>
+              <a:rPr lang="en-US" dirty="0"/>
               <a:t>I want to predict the lifetime value of this customer and understand what drives LTV. What drives the LTV higher or lower? </a:t>
             </a:r>
           </a:p>
@@ -1100,15 +2242,15 @@
               <a:defRPr/>
             </a:pPr>
             <a:r>
-              <a:rPr lang="en-US" dirty="0" smtClean="0"/>
+              <a:rPr lang="en-US" dirty="0"/>
               <a:t>I want to predict</a:t>
             </a:r>
             <a:r>
-              <a:rPr lang="en-US" baseline="0" dirty="0" smtClean="0"/>
+              <a:rPr lang="en-US" baseline="0" dirty="0"/>
               <a:t> the probability that this loan will default </a:t>
             </a:r>
             <a:r>
-              <a:rPr lang="en-US" dirty="0" smtClean="0"/>
+              <a:rPr lang="en-US" dirty="0"/>
               <a:t>and understand what drives default</a:t>
             </a:r>
           </a:p>
@@ -1123,23 +2265,23 @@
               <a:defRPr/>
             </a:pPr>
             <a:r>
-              <a:rPr lang="en-US" dirty="0" smtClean="0"/>
+              <a:rPr lang="en-US" dirty="0"/>
               <a:t>Regression  focuses on the relationship between the outputs and the inputs. It</a:t>
             </a:r>
             <a:r>
-              <a:rPr lang="en-US" baseline="0" dirty="0" smtClean="0"/>
+              <a:rPr lang="en-US" baseline="0" dirty="0"/>
               <a:t> </a:t>
             </a:r>
             <a:r>
-              <a:rPr lang="en-US" dirty="0" smtClean="0"/>
+              <a:rPr lang="en-US" dirty="0"/>
               <a:t>also provides a model that has some </a:t>
             </a:r>
             <a:r>
-              <a:rPr lang="en-US" b="1" dirty="0" smtClean="0"/>
+              <a:rPr lang="en-US" b="1" dirty="0"/>
               <a:t>explanatory value</a:t>
             </a:r>
             <a:r>
-              <a:rPr lang="en-US" dirty="0" smtClean="0"/>
+              <a:rPr lang="en-US" dirty="0"/>
               <a:t>, in addition to predicting outcomes. Social scientists used regression mainly for its explanatory value and it can be a fairly good predictor for which method is popular among Data Scientists.</a:t>
             </a:r>
           </a:p>
@@ -1154,11 +2296,11 @@
               <a:defRPr/>
             </a:pPr>
             <a:r>
-              <a:rPr lang="en-US" dirty="0" smtClean="0"/>
+              <a:rPr lang="en-US" dirty="0"/>
               <a:t>The outcome can be continuous or discrete and when it</a:t>
             </a:r>
             <a:r>
-              <a:rPr lang="en-US" baseline="0" dirty="0" smtClean="0"/>
+              <a:rPr lang="en-US" baseline="0" dirty="0"/>
               <a:t> is discrete we are predicting the probability that the outcome will occur.</a:t>
             </a:r>
           </a:p>
@@ -1173,7 +2315,7 @@
               <a:defRPr/>
             </a:pPr>
             <a:r>
-              <a:rPr lang="en-US" baseline="0" dirty="0" smtClean="0"/>
+              <a:rPr lang="en-US" baseline="0" dirty="0"/>
               <a:t>Two types of regression methods will be discussed in this module. This lesson will focus on the Linear regression and the next lesson will detail Logistic regression.</a:t>
             </a:r>
           </a:p>
@@ -1187,7 +2329,7 @@
               </a:spcAft>
               <a:defRPr/>
             </a:pPr>
-            <a:endParaRPr lang="en-US" dirty="0" smtClean="0"/>
+            <a:endParaRPr lang="en-US" dirty="0"/>
           </a:p>
           <a:p>
             <a:pPr defTabSz="483210" eaLnBrk="1" fontAlgn="auto" hangingPunct="1">
@@ -1199,7 +2341,7 @@
               </a:spcAft>
               <a:defRPr/>
             </a:pPr>
-            <a:endParaRPr lang="en-US" dirty="0" smtClean="0"/>
+            <a:endParaRPr lang="en-US" dirty="0"/>
           </a:p>
           <a:p>
             <a:endParaRPr lang="en-US" dirty="0"/>
@@ -1254,7 +2396,7 @@
               <a:defRPr/>
             </a:pPr>
             <a:r>
-              <a:rPr lang="en-US" smtClean="0"/>
+              <a:rPr lang="en-US"/>
               <a:t>Linear Regression</a:t>
             </a:r>
             <a:endParaRPr lang="en-US" dirty="0"/>
@@ -1316,11 +2458,11 @@
           <a:lstStyle/>
           <a:p>
             <a:r>
-              <a:rPr lang="en-US" dirty="0" smtClean="0"/>
+              <a:rPr lang="en-US" dirty="0"/>
               <a:t>We use Linear regression to</a:t>
             </a:r>
             <a:r>
-              <a:rPr lang="en-US" baseline="0" dirty="0" smtClean="0"/>
+              <a:rPr lang="en-US" baseline="0" dirty="0"/>
               <a:t> predict a continuous value as a linear or additive function of other variables. Some examples are</a:t>
             </a:r>
           </a:p>
@@ -1330,11 +2472,11 @@
               <a:buChar char="•"/>
             </a:pPr>
             <a:r>
-              <a:rPr lang="en-US" dirty="0" smtClean="0"/>
+              <a:rPr lang="en-US" dirty="0"/>
               <a:t>P</a:t>
             </a:r>
             <a:r>
-              <a:rPr lang="en-US" baseline="0" dirty="0" smtClean="0"/>
+              <a:rPr lang="en-US" baseline="0" dirty="0"/>
               <a:t>redicting income as a function of number of years of education, age and gender (drivers). </a:t>
             </a:r>
           </a:p>
@@ -1344,7 +2486,7 @@
               <a:buChar char="•"/>
             </a:pPr>
             <a:r>
-              <a:rPr lang="en-US" baseline="0" dirty="0" smtClean="0"/>
+              <a:rPr lang="en-US" baseline="0" dirty="0"/>
               <a:t>House price (outcome) as a function of median home price in the neighborhood, square footage, number of rooms.</a:t>
             </a:r>
           </a:p>
@@ -1354,7 +2496,7 @@
               <a:buChar char="•"/>
             </a:pPr>
             <a:r>
-              <a:rPr lang="en-US" baseline="0" dirty="0" smtClean="0"/>
+              <a:rPr lang="en-US" baseline="0" dirty="0"/>
               <a:t>Neighborhood house sales in the past year based on economic indicators.</a:t>
             </a:r>
           </a:p>
@@ -1364,7 +2506,7 @@
               <a:buNone/>
             </a:pPr>
             <a:r>
-              <a:rPr lang="en-US" baseline="0" dirty="0" smtClean="0"/>
+              <a:rPr lang="en-US" baseline="0" dirty="0"/>
               <a:t>The input variables can be continuous or discrete and the outputs are:</a:t>
             </a:r>
           </a:p>
@@ -1374,11 +2516,11 @@
               <a:buAutoNum type="arabicParenR"/>
             </a:pPr>
             <a:r>
-              <a:rPr lang="en-US" dirty="0" smtClean="0"/>
+              <a:rPr lang="en-US" dirty="0"/>
               <a:t>A </a:t>
             </a:r>
             <a:r>
-              <a:rPr lang="en-US" baseline="0" dirty="0" smtClean="0"/>
+              <a:rPr lang="en-US" baseline="0" dirty="0"/>
               <a:t>set of coefficients that indicate the relative impact of each driver (possibly and how strongly the variables are correlated) </a:t>
             </a:r>
           </a:p>
@@ -1388,15 +2530,15 @@
               <a:buAutoNum type="arabicParenR"/>
             </a:pPr>
             <a:r>
-              <a:rPr lang="en-US" baseline="0" dirty="0" smtClean="0"/>
+              <a:rPr lang="en-US" baseline="0" dirty="0"/>
               <a:t> </a:t>
             </a:r>
             <a:r>
-              <a:rPr lang="en-US" dirty="0" smtClean="0"/>
+              <a:rPr lang="en-US" dirty="0"/>
               <a:t>A </a:t>
             </a:r>
             <a:r>
-              <a:rPr lang="en-US" baseline="0" dirty="0" smtClean="0"/>
+              <a:rPr lang="en-US" baseline="0" dirty="0"/>
               <a:t>linear expression predicting the outcome as a function of drivers.</a:t>
             </a:r>
           </a:p>
@@ -1405,16 +2547,16 @@
               <a:buFont typeface="Arial" pitchFamily="34" charset="0"/>
               <a:buAutoNum type="arabicParenR"/>
             </a:pPr>
-            <a:endParaRPr lang="en-US" baseline="0" dirty="0" smtClean="0"/>
+            <a:endParaRPr lang="en-US" baseline="0" dirty="0"/>
           </a:p>
           <a:p>
             <a:pPr marL="242551" indent="-242551"/>
             <a:r>
-              <a:rPr lang="en-US" dirty="0" smtClean="0"/>
+              <a:rPr lang="en-US" dirty="0"/>
               <a:t>Linear Regression is the most frequently used technique for predicting a continuous outcome.</a:t>
             </a:r>
             <a:r>
-              <a:rPr lang="en-US" baseline="0" dirty="0" smtClean="0"/>
+              <a:rPr lang="en-US" baseline="0" dirty="0"/>
               <a:t> It is simple and works well in most instances. It is recommended that Linear regression should be tried and if it is determined that the results are not reliable other complicated models should be used. </a:t>
             </a:r>
             <a:endParaRPr lang="en-US" dirty="0"/>
@@ -1469,7 +2611,7 @@
               <a:defRPr/>
             </a:pPr>
             <a:r>
-              <a:rPr lang="en-US" smtClean="0"/>
+              <a:rPr lang="en-US"/>
               <a:t>Linear Regression</a:t>
             </a:r>
             <a:endParaRPr lang="en-US" dirty="0"/>
@@ -1531,68 +2673,60 @@
           <a:lstStyle/>
           <a:p>
             <a:r>
-              <a:rPr lang="en-US" dirty="0" smtClean="0"/>
+              <a:rPr lang="en-US" dirty="0"/>
               <a:t>Linear regressions are of the form y is equal to a constant term + a linear combination of  all the variables. The linear combinations</a:t>
             </a:r>
             <a:r>
-              <a:rPr lang="en-US" baseline="0" dirty="0" smtClean="0"/>
+              <a:rPr lang="en-US" baseline="0" dirty="0"/>
               <a:t> are made up of a coefficient term “b</a:t>
             </a:r>
             <a:r>
-              <a:rPr lang="en-US" baseline="-25000" dirty="0" smtClean="0"/>
+              <a:rPr lang="en-US" baseline="-25000" dirty="0"/>
               <a:t>i</a:t>
             </a:r>
             <a:r>
-              <a:rPr lang="en-US" baseline="0" dirty="0" smtClean="0"/>
+              <a:rPr lang="en-US" baseline="0" dirty="0"/>
               <a:t>” multiplied by the value of the corresponding variable.</a:t>
             </a:r>
           </a:p>
           <a:p>
             <a:r>
-              <a:rPr lang="en-US" baseline="0" dirty="0" smtClean="0"/>
+              <a:rPr lang="en-US" baseline="0" dirty="0"/>
               <a:t>The problem itself is solving for the b</a:t>
             </a:r>
             <a:r>
-              <a:rPr lang="en-US" baseline="-25000" dirty="0" smtClean="0"/>
+              <a:rPr lang="en-US" baseline="-25000" dirty="0"/>
               <a:t>i </a:t>
             </a:r>
           </a:p>
           <a:p>
             <a:r>
-              <a:rPr lang="en-US" baseline="0" dirty="0" smtClean="0"/>
+              <a:rPr lang="en-US" baseline="0" dirty="0"/>
               <a:t>It is a matrix inversion problem and the method is referred to as Ordinary Least Squares (OLS). The solution requires storage as the square of the number of variables and we need to </a:t>
             </a:r>
             <a:r>
-              <a:rPr lang="en-US" dirty="0" smtClean="0"/>
-              <a:t>invert </a:t>
-            </a:r>
-            <a:r>
-              <a:rPr lang="en-US" dirty="0"/>
-              <a:t>a </a:t>
-            </a:r>
-            <a:r>
-              <a:rPr lang="en-US" dirty="0" smtClean="0"/>
-              <a:t>matrix.</a:t>
-            </a:r>
-            <a:r>
-              <a:rPr lang="en-US" baseline="0" dirty="0" smtClean="0"/>
+              <a:rPr lang="en-US" dirty="0"/>
+              <a:t>invert a matrix.</a:t>
+            </a:r>
+            <a:r>
+              <a:rPr lang="en-US" baseline="0" dirty="0"/>
               <a:t> The complexity of the solution (both in storage and computation) increases as the number of variables increase. </a:t>
             </a:r>
           </a:p>
           <a:p>
             <a:r>
-              <a:rPr lang="en-US" baseline="0" dirty="0" smtClean="0"/>
+              <a:rPr lang="en-US" baseline="0" dirty="0"/>
               <a:t>When you have categorical variables, they are expanded as a set of indicator variables one for each possible value. We will explain this in the next slide in more detail with an example.</a:t>
             </a:r>
           </a:p>
           <a:p>
             <a:r>
-              <a:rPr lang="en-US" baseline="0" dirty="0" smtClean="0"/>
+              <a:rPr lang="en-US" baseline="0" dirty="0"/>
               <a:t>What we highlight here is that if we expand on categorical variables (ZIP codes as a categorical value) we will end up with lot of variables and the complexity of the solution becomes extremely high.</a:t>
             </a:r>
           </a:p>
           <a:p>
-            <a:endParaRPr lang="en-US" baseline="0" dirty="0" smtClean="0"/>
+            <a:endParaRPr lang="en-US" baseline="0" dirty="0"/>
           </a:p>
           <a:p>
             <a:endParaRPr lang="en-US" baseline="0" dirty="0"/>
@@ -1650,7 +2784,7 @@
               <a:defRPr/>
             </a:pPr>
             <a:r>
-              <a:rPr lang="en-US" smtClean="0"/>
+              <a:rPr lang="en-US"/>
               <a:t>Linear Regression</a:t>
             </a:r>
             <a:endParaRPr lang="en-US" dirty="0"/>
@@ -1712,50 +2846,34 @@
           <a:lstStyle/>
           <a:p>
             <a:r>
-              <a:rPr lang="en-US" dirty="0" smtClean="0"/>
+              <a:rPr lang="en-US" dirty="0"/>
               <a:t>Here we present another</a:t>
             </a:r>
             <a:r>
-              <a:rPr lang="en-US" baseline="0" dirty="0" smtClean="0"/>
+              <a:rPr lang="en-US" baseline="0" dirty="0"/>
               <a:t> example: </a:t>
             </a:r>
           </a:p>
           <a:p>
             <a:r>
-              <a:rPr lang="en-US" baseline="0" dirty="0" smtClean="0"/>
+              <a:rPr lang="en-US" baseline="0" dirty="0"/>
               <a:t>We are predicting income given age, years of education, gender and state.  There are 50 possible values for state and we will have to expand it to 49 indicator variables with 0 or 1 and the remaining level is the default level.</a:t>
             </a:r>
           </a:p>
           <a:p>
             <a:r>
-              <a:rPr lang="en-US" baseline="0" dirty="0" smtClean="0"/>
+              <a:rPr lang="en-US" baseline="0" dirty="0"/>
               <a:t>As Gender is a binary variable it is denoted as a single variable genderMale, which is 0 for females.</a:t>
             </a:r>
           </a:p>
           <a:p>
             <a:r>
-              <a:rPr lang="en-US" dirty="0" smtClean="0"/>
-              <a:t>Usually</a:t>
-            </a:r>
-            <a:r>
-              <a:rPr lang="en-US" dirty="0"/>
-              <a:t>, you want to solve for log income, but just discussing income </a:t>
-            </a:r>
-            <a:r>
-              <a:rPr lang="en-US" dirty="0" smtClean="0"/>
-              <a:t>makes</a:t>
-            </a:r>
-            <a:r>
-              <a:rPr lang="en-US" baseline="0" dirty="0" smtClean="0"/>
-              <a:t> </a:t>
+              <a:rPr lang="en-US" dirty="0"/>
+              <a:t>Usually, you want to solve for log income, but just discussing income makes</a:t>
             </a:r>
             <a:r>
               <a:rPr lang="en-US" baseline="0" dirty="0"/>
-              <a:t>the explanations easier</a:t>
-            </a:r>
-            <a:r>
-              <a:rPr lang="en-US" baseline="0" dirty="0" smtClean="0"/>
-              <a:t>. The implicit assumption with linear regression is that the variables are normally distributed. In reality “income” is not normally distributed. So it is a good practice to model for the log of the income.</a:t>
+              <a:t> the explanations easier. The implicit assumption with linear regression is that the variables are normally distributed. In reality “income” is not normally distributed. So it is a good practice to model for the log of the income.</a:t>
             </a:r>
             <a:endParaRPr lang="en-US" dirty="0"/>
           </a:p>
@@ -1809,7 +2927,7 @@
               <a:defRPr/>
             </a:pPr>
             <a:r>
-              <a:rPr lang="en-US" smtClean="0"/>
+              <a:rPr lang="en-US"/>
               <a:t>Linear Regression</a:t>
             </a:r>
             <a:endParaRPr lang="en-US" dirty="0"/>
@@ -1865,230 +2983,69 @@
         </p:nvSpPr>
         <p:spPr/>
         <p:txBody>
-          <a:bodyPr lIns="97020" tIns="48510" rIns="97020" bIns="48510">
-            <a:normAutofit fontScale="92500"/>
-          </a:bodyPr>
-          <a:lstStyle/>
-          <a:p>
-            <a:r>
-              <a:rPr lang="en-US" b="0" dirty="0" smtClean="0"/>
-              <a:t>The first coefficient, b</a:t>
-            </a:r>
-            <a:r>
-              <a:rPr lang="en-US" b="0" baseline="-25000" dirty="0" smtClean="0"/>
-              <a:t>0</a:t>
-            </a:r>
-            <a:r>
-              <a:rPr lang="en-US" b="0" dirty="0" smtClean="0"/>
-              <a:t>, represents</a:t>
-            </a:r>
-            <a:r>
-              <a:rPr lang="en-US" b="0" baseline="0" dirty="0" smtClean="0"/>
-              <a:t> the value of the outcome in the "reference situation" – the situation that is represented by all the continuous variables set to zero, and the categorical variables at their reference.  </a:t>
-            </a:r>
-          </a:p>
-          <a:p>
-            <a:r>
-              <a:rPr lang="en-US" b="0" baseline="0" dirty="0" smtClean="0"/>
-              <a:t>For the example on the previous slide, if the reference value of state is Alabama, and the reference value of gender is Female, then b</a:t>
-            </a:r>
-            <a:r>
-              <a:rPr lang="en-US" b="0" baseline="-25000" dirty="0" smtClean="0"/>
-              <a:t>0</a:t>
-            </a:r>
-            <a:r>
-              <a:rPr lang="en-US" b="0" baseline="0" dirty="0" smtClean="0"/>
-              <a:t> would represent the income of a hypothetical female from Alabama, who is zero years old, with zero years of education. Obviously, this situation doesn't always make sense, but it does give us a reference point from which the income varies, as we change the values of the different drivers.</a:t>
-            </a:r>
-            <a:endParaRPr lang="en-US" b="0" dirty="0" smtClean="0"/>
-          </a:p>
-          <a:p>
-            <a:r>
-              <a:rPr lang="en-US" dirty="0" smtClean="0"/>
-              <a:t>The coefficients </a:t>
-            </a:r>
-            <a:r>
-              <a:rPr lang="en-US" i="1" dirty="0" smtClean="0"/>
-              <a:t>b</a:t>
-            </a:r>
-            <a:r>
-              <a:rPr lang="en-US" i="1" baseline="-25000" dirty="0" smtClean="0"/>
-              <a:t>i </a:t>
-            </a:r>
-            <a:r>
-              <a:rPr lang="en-US" i="1" baseline="0" dirty="0" smtClean="0"/>
-              <a:t> </a:t>
-            </a:r>
-            <a:r>
-              <a:rPr lang="en-US" i="0" baseline="0" dirty="0" smtClean="0"/>
-              <a:t>measure the change in outcome variable as a function of unit change in the input variable considering</a:t>
-            </a:r>
-            <a:r>
-              <a:rPr lang="en-US" i="1" baseline="0" dirty="0" smtClean="0"/>
-              <a:t> </a:t>
-            </a:r>
-            <a:r>
-              <a:rPr lang="en-US" i="0" baseline="0" dirty="0" smtClean="0"/>
-              <a:t>all other things being equal.</a:t>
-            </a:r>
-          </a:p>
-          <a:p>
-            <a:r>
-              <a:rPr lang="en-US" i="0" baseline="0" dirty="0" smtClean="0"/>
-              <a:t>Consider our example in the previous slide. Let us say income in units of 10K and the coefficient </a:t>
-            </a:r>
-            <a:r>
-              <a:rPr lang="en-US" i="1" dirty="0" smtClean="0"/>
-              <a:t>b</a:t>
-            </a:r>
-            <a:r>
-              <a:rPr lang="en-US" i="1" baseline="-25000" dirty="0" smtClean="0"/>
-              <a:t>age</a:t>
-            </a:r>
-            <a:r>
-              <a:rPr lang="en-US" dirty="0" smtClean="0"/>
-              <a:t>= 2 for years in age. If the other variables such as gender, years of education, and state of residence remain the same, a person’s income increases 20K for every year older.</a:t>
-            </a:r>
-          </a:p>
-          <a:p>
-            <a:pPr defTabSz="970202">
-              <a:defRPr/>
-            </a:pPr>
-            <a:r>
-              <a:rPr lang="en-US" b="0" dirty="0" smtClean="0"/>
-              <a:t>If the coefficient</a:t>
-            </a:r>
-            <a:r>
-              <a:rPr lang="en-US" b="0" baseline="0" dirty="0" smtClean="0"/>
-              <a:t> for b</a:t>
-            </a:r>
-            <a:r>
-              <a:rPr lang="en-US" b="0" baseline="-25000" dirty="0" smtClean="0"/>
-              <a:t>stateNebraska</a:t>
-            </a:r>
-            <a:r>
-              <a:rPr lang="en-US" b="0" baseline="0" dirty="0" smtClean="0"/>
-              <a:t> is 2.3, then a 30 year old male with 16 years of education tends to make 2.3 times higher income in Nebraska, than in Alabama.</a:t>
-            </a:r>
-          </a:p>
-          <a:p>
-            <a:pPr defTabSz="970202">
-              <a:defRPr/>
-            </a:pPr>
-            <a:r>
-              <a:rPr lang="en-US" b="0" i="0" baseline="0" dirty="0" smtClean="0"/>
-              <a:t>In R (and in many other packages), the reference level of categorical variables is the level that comes first alphabetically. You can set the reference level explicitly, by using the relevel() command.</a:t>
-            </a:r>
-          </a:p>
-          <a:p>
-            <a:r>
-              <a:rPr lang="en-US" i="0" baseline="0" dirty="0" smtClean="0"/>
-              <a:t>In Linear regression we said earlier that the coefficients are explanatory and not just predictive. So we want to know if the variable really makes a difference. For example if we ask the question “does age impact income?” and we conclude the answer is no, then the coefficient for age must be zero. </a:t>
-            </a:r>
-          </a:p>
-          <a:p>
-            <a:r>
-              <a:rPr lang="en-US" i="0" baseline="0" dirty="0" smtClean="0"/>
-              <a:t>We use the measure of significance for this purpose. Standard packages report the significance of </a:t>
-            </a:r>
-            <a:r>
-              <a:rPr lang="en-US" i="1" dirty="0" smtClean="0"/>
-              <a:t>b</a:t>
-            </a:r>
-            <a:r>
-              <a:rPr lang="en-US" i="1" baseline="-25000" dirty="0" smtClean="0"/>
-              <a:t>i.</a:t>
-            </a:r>
-          </a:p>
-          <a:p>
-            <a:pPr marL="0" lvl="1" indent="0" defTabSz="970202">
-              <a:buSzTx/>
-              <a:buNone/>
-              <a:defRPr/>
-            </a:pPr>
-            <a:r>
-              <a:rPr lang="en-US" i="0" baseline="0" dirty="0" smtClean="0"/>
-              <a:t>The significance is the probability that  b</a:t>
-            </a:r>
-            <a:r>
-              <a:rPr lang="en-US" i="0" baseline="-25000" dirty="0" smtClean="0"/>
-              <a:t>i</a:t>
-            </a:r>
-            <a:r>
-              <a:rPr lang="en-US" i="0" baseline="0" dirty="0" smtClean="0"/>
-              <a:t> is zero. Or </a:t>
-            </a:r>
-            <a:r>
-              <a:rPr lang="en-US" i="1" dirty="0" smtClean="0"/>
-              <a:t>b</a:t>
-            </a:r>
-            <a:r>
-              <a:rPr lang="en-US" i="1" baseline="-25000" dirty="0" smtClean="0"/>
-              <a:t>i </a:t>
-            </a:r>
-            <a:r>
-              <a:rPr lang="en-US" dirty="0" smtClean="0"/>
-              <a:t>“ is significant" if P(</a:t>
-            </a:r>
-            <a:r>
-              <a:rPr lang="en-US" i="1" dirty="0" smtClean="0"/>
-              <a:t>b</a:t>
-            </a:r>
-            <a:r>
-              <a:rPr lang="en-US" i="1" baseline="-25000" dirty="0" smtClean="0"/>
-              <a:t>i</a:t>
-            </a:r>
-            <a:r>
-              <a:rPr lang="en-US" baseline="-25000" dirty="0" smtClean="0"/>
-              <a:t> </a:t>
-            </a:r>
-            <a:r>
-              <a:rPr lang="en-US" dirty="0" smtClean="0"/>
-              <a:t>= 0) is small. </a:t>
-            </a:r>
-          </a:p>
-          <a:p>
-            <a:endParaRPr lang="en-US" i="0" baseline="0" dirty="0" smtClean="0"/>
-          </a:p>
-        </p:txBody>
-      </p:sp>
-      <p:sp>
-        <p:nvSpPr>
-          <p:cNvPr id="6" name="Slide Number Placeholder 5"/>
-          <p:cNvSpPr>
-            <a:spLocks noGrp="1"/>
-          </p:cNvSpPr>
-          <p:nvPr>
-            <p:ph type="sldNum" sz="quarter" idx="10"/>
-          </p:nvPr>
-        </p:nvSpPr>
-        <p:spPr/>
-        <p:txBody>
           <a:bodyPr/>
           <a:lstStyle/>
           <a:p>
-            <a:pPr>
-              <a:defRPr/>
-            </a:pPr>
-            <a:fld id="{80249327-EC2F-4096-8D35-6B76097739FC}" type="slidenum">
+            <a:r>
+              <a:rPr lang="en-US" dirty="0"/>
+              <a:t>No need for the second variable because there are 2 categories so we need to n-1 = 2-1 = 1 features so we only need to Boolean </a:t>
+            </a:r>
+          </a:p>
+        </p:txBody>
+      </p:sp>
+      <p:sp>
+        <p:nvSpPr>
+          <p:cNvPr id="4" name="Header Placeholder 3"/>
+          <p:cNvSpPr>
+            <a:spLocks noGrp="1"/>
+          </p:cNvSpPr>
+          <p:nvPr>
+            <p:ph type="hdr" sz="quarter"/>
+          </p:nvPr>
+        </p:nvSpPr>
+        <p:spPr/>
+        <p:txBody>
+          <a:bodyPr/>
+          <a:lstStyle/>
+          <a:p>
+            <a:r>
+              <a:rPr lang="en-US"/>
+              <a:t>CMP461: Big Data Analytics</a:t>
+            </a:r>
+          </a:p>
+        </p:txBody>
+      </p:sp>
+      <p:sp>
+        <p:nvSpPr>
+          <p:cNvPr id="5" name="Date Placeholder 4"/>
+          <p:cNvSpPr>
+            <a:spLocks noGrp="1"/>
+          </p:cNvSpPr>
+          <p:nvPr>
+            <p:ph type="dt" idx="1"/>
+          </p:nvPr>
+        </p:nvSpPr>
+        <p:spPr/>
+        <p:txBody>
+          <a:bodyPr/>
+          <a:lstStyle/>
+          <a:p>
+            <a:fld id="{93E09D05-EC44-487D-A528-587D6898A5DB}" type="datetime1">
               <a:rPr lang="en-US" smtClean="0"/>
-              <a:pPr>
-                <a:defRPr/>
-              </a:pPr>
-              <a:t>16</a:t>
+              <a:t>4/5/2024</a:t>
             </a:fld>
-            <a:endParaRPr lang="en-US" dirty="0"/>
-          </a:p>
-        </p:txBody>
-      </p:sp>
-      <p:sp>
-        <p:nvSpPr>
-          <p:cNvPr id="7" name="Footer Placeholder 6"/>
-          <p:cNvSpPr>
-            <a:spLocks noGrp="1"/>
-          </p:cNvSpPr>
-          <p:nvPr>
-            <p:ph type="ftr" sz="quarter" idx="11"/>
+            <a:endParaRPr lang="en-US"/>
+          </a:p>
+        </p:txBody>
+      </p:sp>
+      <p:sp>
+        <p:nvSpPr>
+          <p:cNvPr id="6" name="Footer Placeholder 5"/>
+          <p:cNvSpPr>
+            <a:spLocks noGrp="1"/>
+          </p:cNvSpPr>
+          <p:nvPr>
+            <p:ph type="ftr" sz="quarter" idx="4"/>
           </p:nvPr>
         </p:nvSpPr>
         <p:spPr/>
@@ -2096,18 +3053,42 @@
           <a:bodyPr/>
           <a:lstStyle/>
           <a:p>
-            <a:pPr>
-              <a:defRPr/>
-            </a:pPr>
-            <a:r>
+            <a:r>
+              <a:rPr lang="en-US"/>
+              <a:t>Linear Regression</a:t>
+            </a:r>
+          </a:p>
+        </p:txBody>
+      </p:sp>
+      <p:sp>
+        <p:nvSpPr>
+          <p:cNvPr id="7" name="Slide Number Placeholder 6"/>
+          <p:cNvSpPr>
+            <a:spLocks noGrp="1"/>
+          </p:cNvSpPr>
+          <p:nvPr>
+            <p:ph type="sldNum" sz="quarter" idx="5"/>
+          </p:nvPr>
+        </p:nvSpPr>
+        <p:spPr/>
+        <p:txBody>
+          <a:bodyPr/>
+          <a:lstStyle/>
+          <a:p>
+            <a:fld id="{08D95B7C-6CF9-43D7-BE59-00ACFCE4D165}" type="slidenum">
               <a:rPr lang="en-US" smtClean="0"/>
-              <a:t>Linear Regression</a:t>
-            </a:r>
-            <a:endParaRPr lang="en-US" dirty="0"/>
+              <a:t>14</a:t>
+            </a:fld>
+            <a:endParaRPr lang="en-US"/>
           </a:p>
         </p:txBody>
       </p:sp>
     </p:spTree>
+    <p:extLst>
+      <p:ext uri="{BB962C8B-B14F-4D97-AF65-F5344CB8AC3E}">
+        <p14:creationId xmlns:p14="http://schemas.microsoft.com/office/powerpoint/2010/main" val="1386435854"/>
+      </p:ext>
+    </p:extLst>
   </p:cSld>
   <p:clrMapOvr>
     <a:masterClrMapping/>
@@ -2156,262 +3137,66 @@
         </p:nvSpPr>
         <p:spPr/>
         <p:txBody>
-          <a:bodyPr lIns="97020" tIns="48510" rIns="97020" bIns="48510">
-            <a:normAutofit lnSpcReduction="10000"/>
-          </a:bodyPr>
-          <a:lstStyle/>
-          <a:p>
-            <a:r>
-              <a:rPr lang="en-US" baseline="0" dirty="0"/>
-              <a:t>Creating a </a:t>
-            </a:r>
-            <a:r>
-              <a:rPr lang="en-US" baseline="0" dirty="0" smtClean="0"/>
-              <a:t> hold-out data set (we discussed this in Apriori diagnostics earlier in lesson 2 of this module) </a:t>
-            </a:r>
-            <a:r>
-              <a:rPr lang="en-US" baseline="0" dirty="0"/>
-              <a:t>before you fit the model, and using that to estimate prediction error is by far the easiest thing to do</a:t>
-            </a:r>
-            <a:r>
-              <a:rPr lang="en-US" baseline="0" dirty="0" smtClean="0"/>
-              <a:t>.</a:t>
-            </a:r>
-          </a:p>
-          <a:p>
-            <a:r>
-              <a:rPr lang="en-US" baseline="0" dirty="0" smtClean="0"/>
-              <a:t>There are two kinds of errors in predictive models One is the training error and the other is the prediction error.  sets is the easiest way to estimate the prediction errors.</a:t>
-            </a:r>
-          </a:p>
-          <a:p>
-            <a:r>
-              <a:rPr lang="en-US" baseline="0" dirty="0" smtClean="0"/>
-              <a:t>N-fold </a:t>
-            </a:r>
-            <a:r>
-              <a:rPr lang="en-US" baseline="0" dirty="0"/>
-              <a:t>cross validation – it tells you if your set of variables is </a:t>
-            </a:r>
-            <a:r>
-              <a:rPr lang="en-US" baseline="0" dirty="0" smtClean="0"/>
-              <a:t>reasonable. This method is used when </a:t>
-            </a:r>
-            <a:r>
-              <a:rPr lang="en-US" baseline="0" dirty="0"/>
-              <a:t>you don't have enough data to create a </a:t>
-            </a:r>
-            <a:r>
-              <a:rPr lang="en-US" baseline="0" dirty="0" smtClean="0"/>
-              <a:t> </a:t>
-            </a:r>
-            <a:r>
-              <a:rPr lang="en-US" baseline="0" dirty="0"/>
-              <a:t>(test set) </a:t>
-            </a:r>
-            <a:r>
-              <a:rPr lang="en-US" baseline="0" dirty="0" smtClean="0"/>
-              <a:t>data. </a:t>
-            </a:r>
-          </a:p>
-          <a:p>
-            <a:pPr defTabSz="970202">
-              <a:defRPr/>
-            </a:pPr>
-            <a:r>
-              <a:rPr lang="en-US" dirty="0" smtClean="0"/>
-              <a:t>Cross Validation is done by Splitting</a:t>
-            </a:r>
-            <a:r>
-              <a:rPr lang="en-US" baseline="0" dirty="0" smtClean="0"/>
-              <a:t> the </a:t>
-            </a:r>
-            <a:r>
-              <a:rPr lang="en-US" dirty="0" smtClean="0"/>
-              <a:t>dataset into, say, N</a:t>
-            </a:r>
-            <a:r>
-              <a:rPr lang="en-US" baseline="0" dirty="0" smtClean="0"/>
-              <a:t> </a:t>
-            </a:r>
-            <a:r>
-              <a:rPr lang="en-US" dirty="0" smtClean="0"/>
-              <a:t>non-overlapping subsets (fold) , Fit a model using N-1 folds and predict its performance using the fold that was left out. This can be done for all possible combination of folds (first leave 1st fold out, then 2nd, .. , then Nth and train with the remaining folds). After completing</a:t>
-            </a:r>
-            <a:r>
-              <a:rPr lang="en-US" baseline="0" dirty="0" smtClean="0"/>
-              <a:t> the fit on all possible folds</a:t>
-            </a:r>
-            <a:r>
-              <a:rPr lang="en-US" dirty="0" smtClean="0"/>
-              <a:t> you estimate the mean performance of all folds (maybe also the variance/standard deviation of the performance).</a:t>
-            </a:r>
-          </a:p>
-          <a:p>
-            <a:pPr defTabSz="970202">
-              <a:defRPr/>
-            </a:pPr>
-            <a:r>
-              <a:rPr lang="en-US" baseline="0" dirty="0" smtClean="0"/>
-              <a:t>R</a:t>
-            </a:r>
-            <a:r>
-              <a:rPr lang="en-US" baseline="30000" dirty="0" smtClean="0"/>
-              <a:t>2</a:t>
-            </a:r>
-            <a:r>
-              <a:rPr lang="en-US" baseline="0" dirty="0" smtClean="0"/>
-              <a:t>  (goodness of fit metric) is </a:t>
-            </a:r>
-            <a:r>
-              <a:rPr lang="en-US" baseline="0" dirty="0"/>
-              <a:t>reported by all standard </a:t>
-            </a:r>
-            <a:r>
-              <a:rPr lang="en-US" baseline="0" dirty="0" smtClean="0"/>
-              <a:t>packages. It is the </a:t>
-            </a:r>
-            <a:r>
-              <a:rPr lang="en-US" dirty="0" smtClean="0"/>
-              <a:t> fraction of the variance in the output variable that the model can explain.</a:t>
-            </a:r>
-          </a:p>
-          <a:p>
-            <a:pPr defTabSz="970202">
-              <a:defRPr/>
-            </a:pPr>
-            <a:r>
-              <a:rPr lang="en-US" baseline="0" dirty="0" smtClean="0"/>
-              <a:t> The definition of R</a:t>
-            </a:r>
-            <a:r>
-              <a:rPr lang="en-US" baseline="30000" dirty="0" smtClean="0"/>
-              <a:t>2</a:t>
-            </a:r>
-            <a:r>
-              <a:rPr lang="en-US" baseline="0" dirty="0" smtClean="0"/>
-              <a:t> is  1 – SSerr/SStot  where </a:t>
-            </a:r>
-          </a:p>
-          <a:p>
-            <a:pPr defTabSz="970202">
-              <a:defRPr/>
-            </a:pPr>
-            <a:r>
-              <a:rPr lang="en-US" baseline="0" dirty="0" smtClean="0"/>
-              <a:t> SSerr = Sum[(y-y</a:t>
-            </a:r>
-            <a:r>
-              <a:rPr lang="en-US" baseline="-25000" dirty="0" smtClean="0"/>
-              <a:t>pred</a:t>
-            </a:r>
-            <a:r>
-              <a:rPr lang="en-US" baseline="0" dirty="0" smtClean="0"/>
-              <a:t>)</a:t>
-            </a:r>
-            <a:r>
-              <a:rPr lang="en-US" baseline="30000" dirty="0" smtClean="0"/>
-              <a:t>2</a:t>
-            </a:r>
-            <a:r>
-              <a:rPr lang="en-US" baseline="0" dirty="0" smtClean="0"/>
-              <a:t>] and </a:t>
-            </a:r>
-          </a:p>
-          <a:p>
-            <a:pPr defTabSz="970202">
-              <a:defRPr/>
-            </a:pPr>
-            <a:r>
-              <a:rPr lang="en-US" baseline="0" dirty="0" smtClean="0"/>
-              <a:t> SStot = Sum[(y-y</a:t>
-            </a:r>
-            <a:r>
-              <a:rPr lang="en-US" baseline="-25000" dirty="0" smtClean="0"/>
-              <a:t>mean</a:t>
-            </a:r>
-            <a:r>
-              <a:rPr lang="en-US" baseline="0" dirty="0" smtClean="0"/>
-              <a:t>)</a:t>
-            </a:r>
-            <a:r>
-              <a:rPr lang="en-US" baseline="30000" dirty="0" smtClean="0"/>
-              <a:t>2</a:t>
-            </a:r>
-            <a:r>
-              <a:rPr lang="en-US" baseline="0" dirty="0" smtClean="0"/>
-              <a:t>]. </a:t>
-            </a:r>
-          </a:p>
-          <a:p>
-            <a:pPr defTabSz="970202">
-              <a:defRPr/>
-            </a:pPr>
-            <a:r>
-              <a:rPr lang="en-US" baseline="0" dirty="0" smtClean="0"/>
-              <a:t>For the output of a correlated model, like regression, this definition will be the square of the correlation. For a good fit we want R</a:t>
-            </a:r>
-            <a:r>
-              <a:rPr lang="en-US" baseline="30000" dirty="0" smtClean="0"/>
-              <a:t>2</a:t>
-            </a:r>
-            <a:r>
-              <a:rPr lang="en-US" baseline="0" dirty="0" smtClean="0"/>
-              <a:t>  as close to 1 as possible.</a:t>
-            </a:r>
-            <a:endParaRPr lang="en-US" baseline="0" dirty="0"/>
-          </a:p>
-          <a:p>
-            <a:pPr defTabSz="970202">
-              <a:defRPr/>
-            </a:pPr>
-            <a:r>
-              <a:rPr lang="en-US" baseline="0" dirty="0" smtClean="0"/>
-              <a:t>Reference for n-fold cross validation is "Ensemble Methods in Data Mining", Seni and Elder. Nice succinct description.</a:t>
-            </a:r>
-          </a:p>
-          <a:p>
-            <a:endParaRPr lang="en-US" baseline="0" dirty="0"/>
-          </a:p>
-        </p:txBody>
-      </p:sp>
-      <p:sp>
-        <p:nvSpPr>
-          <p:cNvPr id="6" name="Slide Number Placeholder 5"/>
-          <p:cNvSpPr>
-            <a:spLocks noGrp="1"/>
-          </p:cNvSpPr>
-          <p:nvPr>
-            <p:ph type="sldNum" sz="quarter" idx="10"/>
-          </p:nvPr>
-        </p:nvSpPr>
-        <p:spPr/>
-        <p:txBody>
           <a:bodyPr/>
           <a:lstStyle/>
           <a:p>
-            <a:pPr>
-              <a:defRPr/>
-            </a:pPr>
-            <a:fld id="{80249327-EC2F-4096-8D35-6B76097739FC}" type="slidenum">
+            <a:endParaRPr lang="en-US" dirty="0"/>
+          </a:p>
+        </p:txBody>
+      </p:sp>
+      <p:sp>
+        <p:nvSpPr>
+          <p:cNvPr id="4" name="Header Placeholder 3"/>
+          <p:cNvSpPr>
+            <a:spLocks noGrp="1"/>
+          </p:cNvSpPr>
+          <p:nvPr>
+            <p:ph type="hdr" sz="quarter"/>
+          </p:nvPr>
+        </p:nvSpPr>
+        <p:spPr/>
+        <p:txBody>
+          <a:bodyPr/>
+          <a:lstStyle/>
+          <a:p>
+            <a:r>
+              <a:rPr lang="en-US"/>
+              <a:t>CMP461: Big Data Analytics</a:t>
+            </a:r>
+          </a:p>
+        </p:txBody>
+      </p:sp>
+      <p:sp>
+        <p:nvSpPr>
+          <p:cNvPr id="5" name="Date Placeholder 4"/>
+          <p:cNvSpPr>
+            <a:spLocks noGrp="1"/>
+          </p:cNvSpPr>
+          <p:nvPr>
+            <p:ph type="dt" idx="1"/>
+          </p:nvPr>
+        </p:nvSpPr>
+        <p:spPr/>
+        <p:txBody>
+          <a:bodyPr/>
+          <a:lstStyle/>
+          <a:p>
+            <a:fld id="{93E09D05-EC44-487D-A528-587D6898A5DB}" type="datetime1">
               <a:rPr lang="en-US" smtClean="0"/>
-              <a:pPr>
-                <a:defRPr/>
-              </a:pPr>
-              <a:t>35</a:t>
+              <a:t>4/5/2024</a:t>
             </a:fld>
-            <a:endParaRPr lang="en-US" dirty="0"/>
-          </a:p>
-        </p:txBody>
-      </p:sp>
-      <p:sp>
-        <p:nvSpPr>
-          <p:cNvPr id="7" name="Footer Placeholder 6"/>
-          <p:cNvSpPr>
-            <a:spLocks noGrp="1"/>
-          </p:cNvSpPr>
-          <p:nvPr>
-            <p:ph type="ftr" sz="quarter" idx="11"/>
+            <a:endParaRPr lang="en-US"/>
+          </a:p>
+        </p:txBody>
+      </p:sp>
+      <p:sp>
+        <p:nvSpPr>
+          <p:cNvPr id="6" name="Footer Placeholder 5"/>
+          <p:cNvSpPr>
+            <a:spLocks noGrp="1"/>
+          </p:cNvSpPr>
+          <p:nvPr>
+            <p:ph type="ftr" sz="quarter" idx="4"/>
           </p:nvPr>
         </p:nvSpPr>
         <p:spPr/>
@@ -2419,18 +3204,42 @@
           <a:bodyPr/>
           <a:lstStyle/>
           <a:p>
-            <a:pPr>
-              <a:defRPr/>
-            </a:pPr>
-            <a:r>
+            <a:r>
+              <a:rPr lang="en-US"/>
+              <a:t>Linear Regression</a:t>
+            </a:r>
+          </a:p>
+        </p:txBody>
+      </p:sp>
+      <p:sp>
+        <p:nvSpPr>
+          <p:cNvPr id="7" name="Slide Number Placeholder 6"/>
+          <p:cNvSpPr>
+            <a:spLocks noGrp="1"/>
+          </p:cNvSpPr>
+          <p:nvPr>
+            <p:ph type="sldNum" sz="quarter" idx="5"/>
+          </p:nvPr>
+        </p:nvSpPr>
+        <p:spPr/>
+        <p:txBody>
+          <a:bodyPr/>
+          <a:lstStyle/>
+          <a:p>
+            <a:fld id="{08D95B7C-6CF9-43D7-BE59-00ACFCE4D165}" type="slidenum">
               <a:rPr lang="en-US" smtClean="0"/>
-              <a:t>Linear Regression</a:t>
-            </a:r>
-            <a:endParaRPr lang="en-US" dirty="0"/>
+              <a:t>15</a:t>
+            </a:fld>
+            <a:endParaRPr lang="en-US"/>
           </a:p>
         </p:txBody>
       </p:sp>
     </p:spTree>
+    <p:extLst>
+      <p:ext uri="{BB962C8B-B14F-4D97-AF65-F5344CB8AC3E}">
+        <p14:creationId xmlns:p14="http://schemas.microsoft.com/office/powerpoint/2010/main" val="3896117312"/>
+      </p:ext>
+    </p:extLst>
   </p:cSld>
   <p:clrMapOvr>
     <a:masterClrMapping/>
@@ -2480,42 +3289,189 @@
         <p:spPr/>
         <p:txBody>
           <a:bodyPr lIns="97020" tIns="48510" rIns="97020" bIns="48510">
-            <a:normAutofit/>
+            <a:normAutofit fontScale="92500"/>
           </a:bodyPr>
           <a:lstStyle/>
           <a:p>
             <a:r>
-              <a:rPr lang="en-US" dirty="0" smtClean="0"/>
-              <a:t>Once we determine the fit is good we need to perform the sanity checks. Linear regression is an explanatory model and the coefficients provide the required details.</a:t>
-            </a:r>
-          </a:p>
-          <a:p>
-            <a:r>
-              <a:rPr lang="en-US" dirty="0" smtClean="0"/>
-              <a:t>First check on</a:t>
-            </a:r>
-            <a:r>
-              <a:rPr lang="en-US" baseline="0" dirty="0" smtClean="0"/>
-              <a:t> the sign of the coefficients. Do the signs make sense? For example should the income increase with age or years of education? The coefficients should be positive. If not there might be something wrong. It is often an indicator that the variables are correlated to each other. Regression works best if all the drivers are independent. This does not in fact affect the predictive power but the explanatory capability is compromised here.</a:t>
-            </a:r>
-          </a:p>
-          <a:p>
-            <a:r>
-              <a:rPr lang="en-US" baseline="0" dirty="0" smtClean="0"/>
-              <a:t>We also need to check if the magnitude of the coefficients make sense? They sometimes can become excessively large and we prefer them not to be very large. This is also an indication of strongly correlated inputs. In this case consider eliminating some variables or use other regularized regression techniques such as Ridge and Lasso (Out of scope for this course). These techniques impose a penalty function on large coefficients and keep them in a desirable range.</a:t>
-            </a:r>
-          </a:p>
-          <a:p>
-            <a:r>
-              <a:rPr lang="en-US" baseline="0" dirty="0" smtClean="0"/>
-              <a:t>Sometimes you may get infinite magnitude coefficients (R package for OLS will report an error on this)  which could indicate that there is a variable that strongly predicts a certain subset of the output and does not predict well on the rest. For example there is a range of age for which the output income is perfectly predicted. In such conditions plot the output vs. the input and determine the segment at which the prediction goes wrong. Then segment the data before fitting the model.</a:t>
-            </a:r>
-          </a:p>
-          <a:p>
-            <a:endParaRPr lang="en-US" baseline="0" dirty="0" smtClean="0"/>
-          </a:p>
-          <a:p>
-            <a:endParaRPr lang="en-US" dirty="0"/>
+              <a:rPr lang="en-US" b="0" dirty="0"/>
+              <a:t>The first coefficient, b</a:t>
+            </a:r>
+            <a:r>
+              <a:rPr lang="en-US" b="0" baseline="-25000" dirty="0"/>
+              <a:t>0</a:t>
+            </a:r>
+            <a:r>
+              <a:rPr lang="en-US" b="0" dirty="0"/>
+              <a:t>, represents</a:t>
+            </a:r>
+            <a:r>
+              <a:rPr lang="en-US" b="0" baseline="0" dirty="0"/>
+              <a:t> the value of the outcome in the "reference situation" – the situation that is represented by all the continuous variables set to zero, and the categorical variables at their reference.  </a:t>
+            </a:r>
+          </a:p>
+          <a:p>
+            <a:r>
+              <a:rPr lang="en-US" b="0" baseline="0" dirty="0"/>
+              <a:t>For the example on the previous slide, if the reference value of state is Alabama, and the reference value of gender is Female, then b</a:t>
+            </a:r>
+            <a:r>
+              <a:rPr lang="en-US" b="0" baseline="-25000" dirty="0"/>
+              <a:t>0</a:t>
+            </a:r>
+            <a:r>
+              <a:rPr lang="en-US" b="0" baseline="0" dirty="0"/>
+              <a:t> would represent the income of a hypothetical female from Alabama, who is zero years old, with zero years of education. Obviously, this situation doesn't always make sense, but it does give us a reference point from which the income varies, as we change the values of the different drivers.</a:t>
+            </a:r>
+            <a:endParaRPr lang="en-US" b="0" dirty="0"/>
+          </a:p>
+          <a:p>
+            <a:r>
+              <a:rPr lang="en-US" dirty="0"/>
+              <a:t>The coefficients </a:t>
+            </a:r>
+            <a:r>
+              <a:rPr lang="en-US" i="1" dirty="0"/>
+              <a:t>b</a:t>
+            </a:r>
+            <a:r>
+              <a:rPr lang="en-US" i="1" baseline="-25000" dirty="0"/>
+              <a:t>i </a:t>
+            </a:r>
+            <a:r>
+              <a:rPr lang="en-US" i="1" baseline="0" dirty="0"/>
+              <a:t> </a:t>
+            </a:r>
+            <a:r>
+              <a:rPr lang="en-US" i="0" baseline="0" dirty="0"/>
+              <a:t>measure the change in outcome variable as a function of unit change in the input variable considering</a:t>
+            </a:r>
+            <a:r>
+              <a:rPr lang="en-US" i="1" baseline="0" dirty="0"/>
+              <a:t> </a:t>
+            </a:r>
+            <a:r>
+              <a:rPr lang="en-US" i="0" baseline="0" dirty="0"/>
+              <a:t>all other things being equal.</a:t>
+            </a:r>
+          </a:p>
+          <a:p>
+            <a:r>
+              <a:rPr lang="en-US" i="0" baseline="0" dirty="0"/>
+              <a:t>Consider our example in the previous slide. Let us say income in units of 10K and the coefficient </a:t>
+            </a:r>
+            <a:r>
+              <a:rPr lang="en-US" i="1" dirty="0"/>
+              <a:t>b</a:t>
+            </a:r>
+            <a:r>
+              <a:rPr lang="en-US" i="1" baseline="-25000" dirty="0"/>
+              <a:t>age</a:t>
+            </a:r>
+            <a:r>
+              <a:rPr lang="en-US" dirty="0"/>
+              <a:t>= 2 for years in age. If the other variables such as gender, years of education, and state of residence remain the same, a person’s income increases 20K for every year older.</a:t>
+            </a:r>
+          </a:p>
+          <a:p>
+            <a:pPr defTabSz="970202">
+              <a:defRPr/>
+            </a:pPr>
+            <a:r>
+              <a:rPr lang="en-US" b="0" dirty="0"/>
+              <a:t>If the coefficient</a:t>
+            </a:r>
+            <a:r>
+              <a:rPr lang="en-US" b="0" baseline="0" dirty="0"/>
+              <a:t> for b</a:t>
+            </a:r>
+            <a:r>
+              <a:rPr lang="en-US" b="0" baseline="-25000" dirty="0"/>
+              <a:t>stateNebraska</a:t>
+            </a:r>
+            <a:r>
+              <a:rPr lang="en-US" b="0" baseline="0" dirty="0"/>
+              <a:t> is 2.3, then a 30 year old male with 16 years of education tends to make 2.3 times higher income in Nebraska, than in Alabama.</a:t>
+            </a:r>
+          </a:p>
+          <a:p>
+            <a:pPr defTabSz="970202">
+              <a:defRPr/>
+            </a:pPr>
+            <a:r>
+              <a:rPr lang="en-US" b="0" i="0" baseline="0" dirty="0"/>
+              <a:t>In R (and in many other packages), the reference level of categorical variables is the level that comes first alphabetically. You can set the reference level explicitly, by using the relevel() command.</a:t>
+            </a:r>
+          </a:p>
+          <a:p>
+            <a:r>
+              <a:rPr lang="en-US" i="0" baseline="0" dirty="0"/>
+              <a:t>In Linear regression we said earlier that the coefficients are explanatory and not just predictive. So we want to know if the variable really makes a difference. For example if we ask the question “does age impact income?” and we conclude the answer is no, then the coefficient for age must be zero. </a:t>
+            </a:r>
+          </a:p>
+          <a:p>
+            <a:r>
+              <a:rPr lang="en-US" i="0" baseline="0" dirty="0"/>
+              <a:t>We use the measure of significance for this purpose. Standard packages report the significance of </a:t>
+            </a:r>
+            <a:r>
+              <a:rPr lang="en-US" i="1" dirty="0"/>
+              <a:t>b</a:t>
+            </a:r>
+            <a:r>
+              <a:rPr lang="en-US" i="1" baseline="-25000" dirty="0"/>
+              <a:t>i.</a:t>
+            </a:r>
+          </a:p>
+          <a:p>
+            <a:pPr marL="0" lvl="1" indent="0" defTabSz="970202">
+              <a:buSzTx/>
+              <a:buNone/>
+              <a:defRPr/>
+            </a:pPr>
+            <a:r>
+              <a:rPr lang="en-US" i="0" baseline="0" dirty="0"/>
+              <a:t>The significance is the probability that  b</a:t>
+            </a:r>
+            <a:r>
+              <a:rPr lang="en-US" i="0" baseline="-25000" dirty="0"/>
+              <a:t>i</a:t>
+            </a:r>
+            <a:r>
+              <a:rPr lang="en-US" i="0" baseline="0" dirty="0"/>
+              <a:t> is zero. Or </a:t>
+            </a:r>
+            <a:r>
+              <a:rPr lang="en-US" i="1" dirty="0"/>
+              <a:t>b</a:t>
+            </a:r>
+            <a:r>
+              <a:rPr lang="en-US" i="1" baseline="-25000" dirty="0"/>
+              <a:t>i </a:t>
+            </a:r>
+            <a:r>
+              <a:rPr lang="en-US" dirty="0"/>
+              <a:t>“ is significant" if P(</a:t>
+            </a:r>
+            <a:r>
+              <a:rPr lang="en-US" i="1" dirty="0"/>
+              <a:t>b</a:t>
+            </a:r>
+            <a:r>
+              <a:rPr lang="en-US" i="1" baseline="-25000" dirty="0"/>
+              <a:t>i</a:t>
+            </a:r>
+            <a:r>
+              <a:rPr lang="en-US" baseline="-25000" dirty="0"/>
+              <a:t> </a:t>
+            </a:r>
+            <a:r>
+              <a:rPr lang="en-US" dirty="0"/>
+              <a:t>= 0) is small. </a:t>
+            </a:r>
+          </a:p>
+          <a:p>
+            <a:endParaRPr lang="en-US" i="0" baseline="0" dirty="0"/>
           </a:p>
         </p:txBody>
       </p:sp>
@@ -2542,7 +3498,7 @@
               <a:pPr>
                 <a:defRPr/>
               </a:pPr>
-              <a:t>36</a:t>
+              <a:t>16</a:t>
             </a:fld>
             <a:endParaRPr lang="en-US" dirty="0"/>
           </a:p>
@@ -2567,7 +3523,7 @@
               <a:defRPr/>
             </a:pPr>
             <a:r>
-              <a:rPr lang="en-US" smtClean="0"/>
+              <a:rPr lang="en-US"/>
               <a:t>Linear Regression</a:t>
             </a:r>
             <a:endParaRPr lang="en-US" dirty="0"/>
@@ -2623,101 +3579,85 @@
         </p:nvSpPr>
         <p:spPr/>
         <p:txBody>
-          <a:bodyPr lIns="97020" tIns="48510" rIns="97020" bIns="48510">
-            <a:normAutofit/>
-          </a:bodyPr>
-          <a:lstStyle/>
-          <a:p>
-            <a:r>
-              <a:rPr lang="en-US" dirty="0"/>
-              <a:t>Even if everything</a:t>
-            </a:r>
-            <a:r>
-              <a:rPr lang="en-US" baseline="0" dirty="0"/>
-              <a:t> before </a:t>
-            </a:r>
-            <a:r>
-              <a:rPr lang="en-US" baseline="0" dirty="0" smtClean="0"/>
-              <a:t>looks </a:t>
-            </a:r>
-            <a:r>
-              <a:rPr lang="en-US" baseline="0" dirty="0"/>
-              <a:t>fairly reasonable, it's still a good idea to plot </a:t>
-            </a:r>
-            <a:r>
-              <a:rPr lang="en-US" baseline="0" dirty="0" smtClean="0"/>
-              <a:t>the prediction vs. true outcome. R base package comes with standard graphs but developing plots as the one shown here (generated with ggplot2) is more intuitive for stakeholders to understand. </a:t>
-            </a:r>
-          </a:p>
-          <a:p>
-            <a:r>
-              <a:rPr lang="en-US" baseline="0" dirty="0" smtClean="0"/>
-              <a:t>What you have to look for is that the model does not systematically over predict or under predict in certain ranges. We want the variance to be Consistent (the cloud around the line to be symmetrical). These plots also identify the obvious outliers in the data.</a:t>
-            </a:r>
-          </a:p>
-          <a:p>
-            <a:r>
-              <a:rPr lang="en-US" baseline="0" dirty="0" smtClean="0"/>
-              <a:t>The two graphs show examples of a model in which we over predict for low true values and under predict at higher values. (Graph on the top of the slide).</a:t>
-            </a:r>
-          </a:p>
-          <a:p>
-            <a:r>
-              <a:rPr lang="en-US" baseline="0" dirty="0" smtClean="0"/>
-              <a:t>The graph at the bottom shows an improvement of the model (selecting the correct range, eliminating correlated variables etc). Even in this plot we still do not see a consistent variance but the model fit seems to be better here.</a:t>
-            </a:r>
-          </a:p>
-          <a:p>
-            <a:endParaRPr lang="en-US" baseline="0" dirty="0" smtClean="0"/>
-          </a:p>
-          <a:p>
-            <a:endParaRPr lang="en-US" baseline="0" dirty="0" smtClean="0"/>
-          </a:p>
-          <a:p>
-            <a:endParaRPr lang="en-US" baseline="0" dirty="0" smtClean="0"/>
-          </a:p>
-          <a:p>
-            <a:endParaRPr lang="en-US" dirty="0"/>
-          </a:p>
-        </p:txBody>
-      </p:sp>
-      <p:sp>
-        <p:nvSpPr>
-          <p:cNvPr id="6" name="Slide Number Placeholder 5"/>
-          <p:cNvSpPr>
-            <a:spLocks noGrp="1"/>
-          </p:cNvSpPr>
-          <p:nvPr>
-            <p:ph type="sldNum" sz="quarter" idx="10"/>
-          </p:nvPr>
-        </p:nvSpPr>
-        <p:spPr/>
-        <p:txBody>
           <a:bodyPr/>
           <a:lstStyle/>
           <a:p>
-            <a:pPr>
-              <a:defRPr/>
-            </a:pPr>
-            <a:fld id="{80249327-EC2F-4096-8D35-6B76097739FC}" type="slidenum">
+            <a:r>
+              <a:rPr lang="en-US" dirty="0"/>
+              <a:t>De </a:t>
+            </a:r>
+            <a:r>
+              <a:rPr lang="en-US" dirty="0" err="1"/>
+              <a:t>kam</a:t>
+            </a:r>
+            <a:r>
+              <a:rPr lang="en-US" dirty="0"/>
+              <a:t> tare2a a3ml </a:t>
+            </a:r>
+            <a:r>
+              <a:rPr lang="en-US" dirty="0" err="1"/>
+              <a:t>beha</a:t>
+            </a:r>
+            <a:r>
+              <a:rPr lang="en-US" dirty="0"/>
+              <a:t> al model</a:t>
+            </a:r>
+          </a:p>
+        </p:txBody>
+      </p:sp>
+      <p:sp>
+        <p:nvSpPr>
+          <p:cNvPr id="4" name="Header Placeholder 3"/>
+          <p:cNvSpPr>
+            <a:spLocks noGrp="1"/>
+          </p:cNvSpPr>
+          <p:nvPr>
+            <p:ph type="hdr" sz="quarter"/>
+          </p:nvPr>
+        </p:nvSpPr>
+        <p:spPr/>
+        <p:txBody>
+          <a:bodyPr/>
+          <a:lstStyle/>
+          <a:p>
+            <a:r>
+              <a:rPr lang="en-US"/>
+              <a:t>CMP461: Big Data Analytics</a:t>
+            </a:r>
+          </a:p>
+        </p:txBody>
+      </p:sp>
+      <p:sp>
+        <p:nvSpPr>
+          <p:cNvPr id="5" name="Date Placeholder 4"/>
+          <p:cNvSpPr>
+            <a:spLocks noGrp="1"/>
+          </p:cNvSpPr>
+          <p:nvPr>
+            <p:ph type="dt" idx="1"/>
+          </p:nvPr>
+        </p:nvSpPr>
+        <p:spPr/>
+        <p:txBody>
+          <a:bodyPr/>
+          <a:lstStyle/>
+          <a:p>
+            <a:fld id="{93E09D05-EC44-487D-A528-587D6898A5DB}" type="datetime1">
               <a:rPr lang="en-US" smtClean="0"/>
-              <a:pPr>
-                <a:defRPr/>
-              </a:pPr>
-              <a:t>37</a:t>
+              <a:t>4/5/2024</a:t>
             </a:fld>
-            <a:endParaRPr lang="en-US" dirty="0"/>
-          </a:p>
-        </p:txBody>
-      </p:sp>
-      <p:sp>
-        <p:nvSpPr>
-          <p:cNvPr id="7" name="Footer Placeholder 6"/>
-          <p:cNvSpPr>
-            <a:spLocks noGrp="1"/>
-          </p:cNvSpPr>
-          <p:nvPr>
-            <p:ph type="ftr" sz="quarter" idx="11"/>
+            <a:endParaRPr lang="en-US"/>
+          </a:p>
+        </p:txBody>
+      </p:sp>
+      <p:sp>
+        <p:nvSpPr>
+          <p:cNvPr id="6" name="Footer Placeholder 5"/>
+          <p:cNvSpPr>
+            <a:spLocks noGrp="1"/>
+          </p:cNvSpPr>
+          <p:nvPr>
+            <p:ph type="ftr" sz="quarter" idx="4"/>
           </p:nvPr>
         </p:nvSpPr>
         <p:spPr/>
@@ -2725,18 +3665,42 @@
           <a:bodyPr/>
           <a:lstStyle/>
           <a:p>
-            <a:pPr>
-              <a:defRPr/>
-            </a:pPr>
-            <a:r>
+            <a:r>
+              <a:rPr lang="en-US"/>
+              <a:t>Linear Regression</a:t>
+            </a:r>
+          </a:p>
+        </p:txBody>
+      </p:sp>
+      <p:sp>
+        <p:nvSpPr>
+          <p:cNvPr id="7" name="Slide Number Placeholder 6"/>
+          <p:cNvSpPr>
+            <a:spLocks noGrp="1"/>
+          </p:cNvSpPr>
+          <p:nvPr>
+            <p:ph type="sldNum" sz="quarter" idx="5"/>
+          </p:nvPr>
+        </p:nvSpPr>
+        <p:spPr/>
+        <p:txBody>
+          <a:bodyPr/>
+          <a:lstStyle/>
+          <a:p>
+            <a:fld id="{08D95B7C-6CF9-43D7-BE59-00ACFCE4D165}" type="slidenum">
               <a:rPr lang="en-US" smtClean="0"/>
-              <a:t>Linear Regression</a:t>
-            </a:r>
-            <a:endParaRPr lang="en-US" dirty="0"/>
+              <a:t>18</a:t>
+            </a:fld>
+            <a:endParaRPr lang="en-US"/>
           </a:p>
         </p:txBody>
       </p:sp>
     </p:spTree>
+    <p:extLst>
+      <p:ext uri="{BB962C8B-B14F-4D97-AF65-F5344CB8AC3E}">
+        <p14:creationId xmlns:p14="http://schemas.microsoft.com/office/powerpoint/2010/main" val="2119725048"/>
+      </p:ext>
+    </p:extLst>
   </p:cSld>
   <p:clrMapOvr>
     <a:masterClrMapping/>
@@ -2782,10 +3746,9 @@
           <a:lstStyle/>
           <a:p>
             <a:r>
-              <a:rPr lang="en-US" smtClean="0"/>
+              <a:rPr lang="en-US"/>
               <a:t>Click to edit Master title style</a:t>
             </a:r>
-            <a:endParaRPr lang="en-US"/>
           </a:p>
         </p:txBody>
       </p:sp>
@@ -2901,10 +3864,9 @@
           </a:lstStyle>
           <a:p>
             <a:r>
-              <a:rPr lang="en-US" smtClean="0"/>
+              <a:rPr lang="en-US"/>
               <a:t>Click to edit Master subtitle style</a:t>
             </a:r>
-            <a:endParaRPr lang="en-US"/>
           </a:p>
         </p:txBody>
       </p:sp>
@@ -2925,7 +3887,7 @@
           <a:p>
             <a:fld id="{BD2B21F4-8356-453D-93D4-FB6119AC13C2}" type="datetime1">
               <a:rPr lang="en-US" smtClean="0"/>
-              <a:t>3/13/2017</a:t>
+              <a:t>4/5/2024</a:t>
             </a:fld>
             <a:endParaRPr lang="en-US"/>
           </a:p>
@@ -2947,10 +3909,9 @@
           <a:lstStyle/>
           <a:p>
             <a:r>
-              <a:rPr lang="en-US" smtClean="0"/>
+              <a:rPr lang="en-US"/>
               <a:t>Time Series Analysis</a:t>
             </a:r>
-            <a:endParaRPr lang="en-US"/>
           </a:p>
         </p:txBody>
       </p:sp>
@@ -3023,10 +3984,9 @@
           <a:lstStyle/>
           <a:p>
             <a:r>
-              <a:rPr lang="en-US" smtClean="0"/>
+              <a:rPr lang="en-US"/>
               <a:t>Click to edit Master title style</a:t>
             </a:r>
-            <a:endParaRPr lang="en-US"/>
           </a:p>
         </p:txBody>
       </p:sp>
@@ -3047,38 +4007,37 @@
           <a:p>
             <a:pPr lvl="0"/>
             <a:r>
-              <a:rPr lang="en-US" smtClean="0"/>
+              <a:rPr lang="en-US"/>
               <a:t>Click to edit Master text styles</a:t>
             </a:r>
           </a:p>
           <a:p>
             <a:pPr lvl="1"/>
             <a:r>
-              <a:rPr lang="en-US" smtClean="0"/>
+              <a:rPr lang="en-US"/>
               <a:t>Second level</a:t>
             </a:r>
           </a:p>
           <a:p>
             <a:pPr lvl="2"/>
             <a:r>
-              <a:rPr lang="en-US" smtClean="0"/>
+              <a:rPr lang="en-US"/>
               <a:t>Third level</a:t>
             </a:r>
           </a:p>
           <a:p>
             <a:pPr lvl="3"/>
             <a:r>
-              <a:rPr lang="en-US" smtClean="0"/>
+              <a:rPr lang="en-US"/>
               <a:t>Fourth level</a:t>
             </a:r>
           </a:p>
           <a:p>
             <a:pPr lvl="4"/>
             <a:r>
-              <a:rPr lang="en-US" smtClean="0"/>
+              <a:rPr lang="en-US"/>
               <a:t>Fifth level</a:t>
             </a:r>
-            <a:endParaRPr lang="en-US"/>
           </a:p>
         </p:txBody>
       </p:sp>
@@ -3099,7 +4058,7 @@
           <a:p>
             <a:fld id="{2163686E-AECE-4ABF-9583-4CD59B10D83D}" type="datetime1">
               <a:rPr lang="en-US" smtClean="0"/>
-              <a:t>3/13/2017</a:t>
+              <a:t>4/5/2024</a:t>
             </a:fld>
             <a:endParaRPr lang="en-US"/>
           </a:p>
@@ -3121,10 +4080,9 @@
           <a:lstStyle/>
           <a:p>
             <a:r>
-              <a:rPr lang="en-US" smtClean="0"/>
+              <a:rPr lang="en-US"/>
               <a:t>Time Series Analysis</a:t>
             </a:r>
-            <a:endParaRPr lang="en-US"/>
           </a:p>
         </p:txBody>
       </p:sp>
@@ -3202,10 +4160,9 @@
           <a:lstStyle/>
           <a:p>
             <a:r>
-              <a:rPr lang="en-US" smtClean="0"/>
+              <a:rPr lang="en-US"/>
               <a:t>Click to edit Master title style</a:t>
             </a:r>
-            <a:endParaRPr lang="en-US"/>
           </a:p>
         </p:txBody>
       </p:sp>
@@ -3231,38 +4188,37 @@
           <a:p>
             <a:pPr lvl="0"/>
             <a:r>
-              <a:rPr lang="en-US" smtClean="0"/>
+              <a:rPr lang="en-US"/>
               <a:t>Click to edit Master text styles</a:t>
             </a:r>
           </a:p>
           <a:p>
             <a:pPr lvl="1"/>
             <a:r>
-              <a:rPr lang="en-US" smtClean="0"/>
+              <a:rPr lang="en-US"/>
               <a:t>Second level</a:t>
             </a:r>
           </a:p>
           <a:p>
             <a:pPr lvl="2"/>
             <a:r>
-              <a:rPr lang="en-US" smtClean="0"/>
+              <a:rPr lang="en-US"/>
               <a:t>Third level</a:t>
             </a:r>
           </a:p>
           <a:p>
             <a:pPr lvl="3"/>
             <a:r>
-              <a:rPr lang="en-US" smtClean="0"/>
+              <a:rPr lang="en-US"/>
               <a:t>Fourth level</a:t>
             </a:r>
           </a:p>
           <a:p>
             <a:pPr lvl="4"/>
             <a:r>
-              <a:rPr lang="en-US" smtClean="0"/>
+              <a:rPr lang="en-US"/>
               <a:t>Fifth level</a:t>
             </a:r>
-            <a:endParaRPr lang="en-US"/>
           </a:p>
         </p:txBody>
       </p:sp>
@@ -3283,7 +4239,7 @@
           <a:p>
             <a:fld id="{D3EAA641-123B-41D5-AD6F-5BE16BD47FAD}" type="datetime1">
               <a:rPr lang="en-US" smtClean="0"/>
-              <a:t>3/13/2017</a:t>
+              <a:t>4/5/2024</a:t>
             </a:fld>
             <a:endParaRPr lang="en-US"/>
           </a:p>
@@ -3305,10 +4261,9 @@
           <a:lstStyle/>
           <a:p>
             <a:r>
-              <a:rPr lang="en-US" smtClean="0"/>
+              <a:rPr lang="en-US"/>
               <a:t>Time Series Analysis</a:t>
             </a:r>
-            <a:endParaRPr lang="en-US"/>
           </a:p>
         </p:txBody>
       </p:sp>
@@ -3394,10 +4349,9 @@
           <a:p>
             <a:pPr lvl="0"/>
             <a:r>
-              <a:rPr lang="en-US" noProof="0" dirty="0" smtClean="0"/>
+              <a:rPr lang="en-US" noProof="0" dirty="0"/>
               <a:t>Click icon to add picture</a:t>
             </a:r>
-            <a:endParaRPr lang="en-US" noProof="0" dirty="0"/>
           </a:p>
         </p:txBody>
       </p:sp>
@@ -3451,35 +4405,35 @@
           <a:p>
             <a:pPr lvl="0"/>
             <a:r>
-              <a:rPr lang="en-US" smtClean="0"/>
+              <a:rPr lang="en-US"/>
               <a:t>Click to edit Master text styles</a:t>
             </a:r>
           </a:p>
           <a:p>
             <a:pPr lvl="1"/>
             <a:r>
-              <a:rPr lang="en-US" smtClean="0"/>
+              <a:rPr lang="en-US"/>
               <a:t>Second level</a:t>
             </a:r>
           </a:p>
           <a:p>
             <a:pPr lvl="2"/>
             <a:r>
-              <a:rPr lang="en-US" smtClean="0"/>
+              <a:rPr lang="en-US"/>
               <a:t>Third level</a:t>
             </a:r>
           </a:p>
           <a:p>
             <a:pPr lvl="3"/>
             <a:r>
-              <a:rPr lang="en-US" smtClean="0"/>
+              <a:rPr lang="en-US"/>
               <a:t>Fourth level</a:t>
             </a:r>
           </a:p>
           <a:p>
             <a:pPr lvl="4"/>
             <a:r>
-              <a:rPr lang="en-US" smtClean="0"/>
+              <a:rPr lang="en-US"/>
               <a:t>Fifth level</a:t>
             </a:r>
             <a:endParaRPr lang="en-US" dirty="0"/>
@@ -3515,7 +4469,7 @@
           </a:lstStyle>
           <a:p>
             <a:r>
-              <a:rPr lang="en-US" smtClean="0"/>
+              <a:rPr lang="en-US"/>
               <a:t>Click to edit Master title style</a:t>
             </a:r>
             <a:endParaRPr lang="en-US" dirty="0"/>
@@ -3550,10 +4504,9 @@
               <a:defRPr/>
             </a:pPr>
             <a:r>
-              <a:rPr lang="en-US" dirty="0" smtClean="0"/>
+              <a:rPr lang="en-US" dirty="0"/>
               <a:t>Module 4: Analytics Theory/Methods</a:t>
             </a:r>
-            <a:endParaRPr lang="en-US" dirty="0"/>
           </a:p>
         </p:txBody>
       </p:sp>
@@ -3649,10 +4602,9 @@
           <a:p>
             <a:pPr lvl="0"/>
             <a:r>
-              <a:rPr lang="en-US" noProof="0" smtClean="0"/>
+              <a:rPr lang="en-US" noProof="0"/>
               <a:t>Click icon to add table</a:t>
             </a:r>
-            <a:endParaRPr lang="en-US" noProof="0"/>
           </a:p>
         </p:txBody>
       </p:sp>
@@ -3685,7 +4637,7 @@
           </a:lstStyle>
           <a:p>
             <a:r>
-              <a:rPr lang="en-US" smtClean="0"/>
+              <a:rPr lang="en-US"/>
               <a:t>Click to edit Master title style</a:t>
             </a:r>
             <a:endParaRPr lang="en-US" dirty="0"/>
@@ -3720,10 +4672,9 @@
               <a:defRPr/>
             </a:pPr>
             <a:r>
-              <a:rPr lang="en-US" dirty="0" smtClean="0"/>
+              <a:rPr lang="en-US" dirty="0"/>
               <a:t>Module #: Module Name</a:t>
             </a:r>
-            <a:endParaRPr lang="en-US" dirty="0"/>
           </a:p>
         </p:txBody>
       </p:sp>
@@ -3806,10 +4757,9 @@
           <a:lstStyle/>
           <a:p>
             <a:r>
-              <a:rPr lang="en-US" smtClean="0"/>
+              <a:rPr lang="en-US"/>
               <a:t>Click to edit Master title style</a:t>
             </a:r>
-            <a:endParaRPr lang="en-US"/>
           </a:p>
         </p:txBody>
       </p:sp>
@@ -3830,38 +4780,37 @@
           <a:p>
             <a:pPr lvl="0"/>
             <a:r>
-              <a:rPr lang="en-US" smtClean="0"/>
+              <a:rPr lang="en-US"/>
               <a:t>Click to edit Master text styles</a:t>
             </a:r>
           </a:p>
           <a:p>
             <a:pPr lvl="1"/>
             <a:r>
-              <a:rPr lang="en-US" smtClean="0"/>
+              <a:rPr lang="en-US"/>
               <a:t>Second level</a:t>
             </a:r>
           </a:p>
           <a:p>
             <a:pPr lvl="2"/>
             <a:r>
-              <a:rPr lang="en-US" smtClean="0"/>
+              <a:rPr lang="en-US"/>
               <a:t>Third level</a:t>
             </a:r>
           </a:p>
           <a:p>
             <a:pPr lvl="3"/>
             <a:r>
-              <a:rPr lang="en-US" smtClean="0"/>
+              <a:rPr lang="en-US"/>
               <a:t>Fourth level</a:t>
             </a:r>
           </a:p>
           <a:p>
             <a:pPr lvl="4"/>
             <a:r>
-              <a:rPr lang="en-US" smtClean="0"/>
+              <a:rPr lang="en-US"/>
               <a:t>Fifth level</a:t>
             </a:r>
-            <a:endParaRPr lang="en-US"/>
           </a:p>
         </p:txBody>
       </p:sp>
@@ -3882,7 +4831,7 @@
           <a:p>
             <a:fld id="{B873234D-A1DE-48BD-AC0F-201DE61CF21E}" type="datetime1">
               <a:rPr lang="en-US" smtClean="0"/>
-              <a:t>3/13/2017</a:t>
+              <a:t>4/5/2024</a:t>
             </a:fld>
             <a:endParaRPr lang="en-US"/>
           </a:p>
@@ -3904,10 +4853,9 @@
           <a:lstStyle/>
           <a:p>
             <a:r>
-              <a:rPr lang="en-US" dirty="0" smtClean="0"/>
+              <a:rPr lang="en-US" dirty="0"/>
               <a:t>Time Series Analysis</a:t>
             </a:r>
-            <a:endParaRPr lang="en-US" dirty="0"/>
           </a:p>
         </p:txBody>
       </p:sp>
@@ -3944,13 +4892,6 @@
   <p:clrMapOvr>
     <a:masterClrMapping/>
   </p:clrMapOvr>
-  <p:timing>
-    <p:tnLst>
-      <p:par>
-        <p:cTn id="1" dur="indefinite" restart="never" nodeType="tmRoot"/>
-      </p:par>
-    </p:tnLst>
-  </p:timing>
 </p:sldLayout>
 </file>
 
@@ -3996,10 +4937,9 @@
           </a:lstStyle>
           <a:p>
             <a:r>
-              <a:rPr lang="en-US" smtClean="0"/>
+              <a:rPr lang="en-US"/>
               <a:t>Click to edit Master title style</a:t>
             </a:r>
-            <a:endParaRPr lang="en-US"/>
           </a:p>
         </p:txBody>
       </p:sp>
@@ -4116,7 +5056,7 @@
           <a:p>
             <a:pPr lvl="0"/>
             <a:r>
-              <a:rPr lang="en-US" smtClean="0"/>
+              <a:rPr lang="en-US"/>
               <a:t>Click to edit Master text styles</a:t>
             </a:r>
           </a:p>
@@ -4139,7 +5079,7 @@
           <a:p>
             <a:fld id="{C8D7601E-9C28-4262-AC42-07376CB7F27E}" type="datetime1">
               <a:rPr lang="en-US" smtClean="0"/>
-              <a:t>3/13/2017</a:t>
+              <a:t>4/5/2024</a:t>
             </a:fld>
             <a:endParaRPr lang="en-US"/>
           </a:p>
@@ -4161,10 +5101,9 @@
           <a:lstStyle/>
           <a:p>
             <a:r>
-              <a:rPr lang="en-US" smtClean="0"/>
+              <a:rPr lang="en-US"/>
               <a:t>Time Series Analysis</a:t>
             </a:r>
-            <a:endParaRPr lang="en-US"/>
           </a:p>
         </p:txBody>
       </p:sp>
@@ -4237,10 +5176,9 @@
           <a:lstStyle/>
           <a:p>
             <a:r>
-              <a:rPr lang="en-US" smtClean="0"/>
+              <a:rPr lang="en-US"/>
               <a:t>Click to edit Master title style</a:t>
             </a:r>
-            <a:endParaRPr lang="en-US"/>
           </a:p>
         </p:txBody>
       </p:sp>
@@ -4294,38 +5232,37 @@
           <a:p>
             <a:pPr lvl="0"/>
             <a:r>
-              <a:rPr lang="en-US" smtClean="0"/>
+              <a:rPr lang="en-US"/>
               <a:t>Click to edit Master text styles</a:t>
             </a:r>
           </a:p>
           <a:p>
             <a:pPr lvl="1"/>
             <a:r>
-              <a:rPr lang="en-US" smtClean="0"/>
+              <a:rPr lang="en-US"/>
               <a:t>Second level</a:t>
             </a:r>
           </a:p>
           <a:p>
             <a:pPr lvl="2"/>
             <a:r>
-              <a:rPr lang="en-US" smtClean="0"/>
+              <a:rPr lang="en-US"/>
               <a:t>Third level</a:t>
             </a:r>
           </a:p>
           <a:p>
             <a:pPr lvl="3"/>
             <a:r>
-              <a:rPr lang="en-US" smtClean="0"/>
+              <a:rPr lang="en-US"/>
               <a:t>Fourth level</a:t>
             </a:r>
           </a:p>
           <a:p>
             <a:pPr lvl="4"/>
             <a:r>
-              <a:rPr lang="en-US" smtClean="0"/>
+              <a:rPr lang="en-US"/>
               <a:t>Fifth level</a:t>
             </a:r>
-            <a:endParaRPr lang="en-US"/>
           </a:p>
         </p:txBody>
       </p:sp>
@@ -4379,38 +5316,37 @@
           <a:p>
             <a:pPr lvl="0"/>
             <a:r>
-              <a:rPr lang="en-US" smtClean="0"/>
+              <a:rPr lang="en-US"/>
               <a:t>Click to edit Master text styles</a:t>
             </a:r>
           </a:p>
           <a:p>
             <a:pPr lvl="1"/>
             <a:r>
-              <a:rPr lang="en-US" smtClean="0"/>
+              <a:rPr lang="en-US"/>
               <a:t>Second level</a:t>
             </a:r>
           </a:p>
           <a:p>
             <a:pPr lvl="2"/>
             <a:r>
-              <a:rPr lang="en-US" smtClean="0"/>
+              <a:rPr lang="en-US"/>
               <a:t>Third level</a:t>
             </a:r>
           </a:p>
           <a:p>
             <a:pPr lvl="3"/>
             <a:r>
-              <a:rPr lang="en-US" smtClean="0"/>
+              <a:rPr lang="en-US"/>
               <a:t>Fourth level</a:t>
             </a:r>
           </a:p>
           <a:p>
             <a:pPr lvl="4"/>
             <a:r>
-              <a:rPr lang="en-US" smtClean="0"/>
+              <a:rPr lang="en-US"/>
               <a:t>Fifth level</a:t>
             </a:r>
-            <a:endParaRPr lang="en-US"/>
           </a:p>
         </p:txBody>
       </p:sp>
@@ -4431,7 +5367,7 @@
           <a:p>
             <a:fld id="{7DA15231-42B6-48F9-9594-987E6CD08259}" type="datetime1">
               <a:rPr lang="en-US" smtClean="0"/>
-              <a:t>3/13/2017</a:t>
+              <a:t>4/5/2024</a:t>
             </a:fld>
             <a:endParaRPr lang="en-US"/>
           </a:p>
@@ -4453,10 +5389,9 @@
           <a:lstStyle/>
           <a:p>
             <a:r>
-              <a:rPr lang="en-US" smtClean="0"/>
+              <a:rPr lang="en-US"/>
               <a:t>Time Series Analysis</a:t>
             </a:r>
-            <a:endParaRPr lang="en-US"/>
           </a:p>
         </p:txBody>
       </p:sp>
@@ -4533,10 +5468,9 @@
           </a:lstStyle>
           <a:p>
             <a:r>
-              <a:rPr lang="en-US" smtClean="0"/>
+              <a:rPr lang="en-US"/>
               <a:t>Click to edit Master title style</a:t>
             </a:r>
-            <a:endParaRPr lang="en-US"/>
           </a:p>
         </p:txBody>
       </p:sp>
@@ -4599,7 +5533,7 @@
           <a:p>
             <a:pPr lvl="0"/>
             <a:r>
-              <a:rPr lang="en-US" smtClean="0"/>
+              <a:rPr lang="en-US"/>
               <a:t>Click to edit Master text styles</a:t>
             </a:r>
           </a:p>
@@ -4655,38 +5589,37 @@
           <a:p>
             <a:pPr lvl="0"/>
             <a:r>
-              <a:rPr lang="en-US" smtClean="0"/>
+              <a:rPr lang="en-US"/>
               <a:t>Click to edit Master text styles</a:t>
             </a:r>
           </a:p>
           <a:p>
             <a:pPr lvl="1"/>
             <a:r>
-              <a:rPr lang="en-US" smtClean="0"/>
+              <a:rPr lang="en-US"/>
               <a:t>Second level</a:t>
             </a:r>
           </a:p>
           <a:p>
             <a:pPr lvl="2"/>
             <a:r>
-              <a:rPr lang="en-US" smtClean="0"/>
+              <a:rPr lang="en-US"/>
               <a:t>Third level</a:t>
             </a:r>
           </a:p>
           <a:p>
             <a:pPr lvl="3"/>
             <a:r>
-              <a:rPr lang="en-US" smtClean="0"/>
+              <a:rPr lang="en-US"/>
               <a:t>Fourth level</a:t>
             </a:r>
           </a:p>
           <a:p>
             <a:pPr lvl="4"/>
             <a:r>
-              <a:rPr lang="en-US" smtClean="0"/>
+              <a:rPr lang="en-US"/>
               <a:t>Fifth level</a:t>
             </a:r>
-            <a:endParaRPr lang="en-US"/>
           </a:p>
         </p:txBody>
       </p:sp>
@@ -4749,7 +5682,7 @@
           <a:p>
             <a:pPr lvl="0"/>
             <a:r>
-              <a:rPr lang="en-US" smtClean="0"/>
+              <a:rPr lang="en-US"/>
               <a:t>Click to edit Master text styles</a:t>
             </a:r>
           </a:p>
@@ -4805,38 +5738,37 @@
           <a:p>
             <a:pPr lvl="0"/>
             <a:r>
-              <a:rPr lang="en-US" smtClean="0"/>
+              <a:rPr lang="en-US"/>
               <a:t>Click to edit Master text styles</a:t>
             </a:r>
           </a:p>
           <a:p>
             <a:pPr lvl="1"/>
             <a:r>
-              <a:rPr lang="en-US" smtClean="0"/>
+              <a:rPr lang="en-US"/>
               <a:t>Second level</a:t>
             </a:r>
           </a:p>
           <a:p>
             <a:pPr lvl="2"/>
             <a:r>
-              <a:rPr lang="en-US" smtClean="0"/>
+              <a:rPr lang="en-US"/>
               <a:t>Third level</a:t>
             </a:r>
           </a:p>
           <a:p>
             <a:pPr lvl="3"/>
             <a:r>
-              <a:rPr lang="en-US" smtClean="0"/>
+              <a:rPr lang="en-US"/>
               <a:t>Fourth level</a:t>
             </a:r>
           </a:p>
           <a:p>
             <a:pPr lvl="4"/>
             <a:r>
-              <a:rPr lang="en-US" smtClean="0"/>
+              <a:rPr lang="en-US"/>
               <a:t>Fifth level</a:t>
             </a:r>
-            <a:endParaRPr lang="en-US"/>
           </a:p>
         </p:txBody>
       </p:sp>
@@ -4857,7 +5789,7 @@
           <a:p>
             <a:fld id="{711C91F2-84D0-4250-8441-371EA56C92FE}" type="datetime1">
               <a:rPr lang="en-US" smtClean="0"/>
-              <a:t>3/13/2017</a:t>
+              <a:t>4/5/2024</a:t>
             </a:fld>
             <a:endParaRPr lang="en-US"/>
           </a:p>
@@ -4879,10 +5811,9 @@
           <a:lstStyle/>
           <a:p>
             <a:r>
-              <a:rPr lang="en-US" smtClean="0"/>
+              <a:rPr lang="en-US"/>
               <a:t>Time Series Analysis</a:t>
             </a:r>
-            <a:endParaRPr lang="en-US"/>
           </a:p>
         </p:txBody>
       </p:sp>
@@ -4955,10 +5886,9 @@
           <a:lstStyle/>
           <a:p>
             <a:r>
-              <a:rPr lang="en-US" smtClean="0"/>
+              <a:rPr lang="en-US"/>
               <a:t>Click to edit Master title style</a:t>
             </a:r>
-            <a:endParaRPr lang="en-US"/>
           </a:p>
         </p:txBody>
       </p:sp>
@@ -4979,7 +5909,7 @@
           <a:p>
             <a:fld id="{B72E5570-A714-4C20-8551-7E8D94A49CCE}" type="datetime1">
               <a:rPr lang="en-US" smtClean="0"/>
-              <a:t>3/13/2017</a:t>
+              <a:t>4/5/2024</a:t>
             </a:fld>
             <a:endParaRPr lang="en-US"/>
           </a:p>
@@ -5001,10 +5931,9 @@
           <a:lstStyle/>
           <a:p>
             <a:r>
-              <a:rPr lang="en-US" smtClean="0"/>
+              <a:rPr lang="en-US"/>
               <a:t>Time Series Analysis</a:t>
             </a:r>
-            <a:endParaRPr lang="en-US"/>
           </a:p>
         </p:txBody>
       </p:sp>
@@ -5078,7 +6007,7 @@
           <a:p>
             <a:fld id="{929616CF-E2B4-4374-9EC7-0CF9AD2A71CF}" type="datetime1">
               <a:rPr lang="en-US" smtClean="0"/>
-              <a:t>3/13/2017</a:t>
+              <a:t>4/5/2024</a:t>
             </a:fld>
             <a:endParaRPr lang="en-US"/>
           </a:p>
@@ -5100,10 +6029,9 @@
           <a:lstStyle/>
           <a:p>
             <a:r>
-              <a:rPr lang="en-US" smtClean="0"/>
+              <a:rPr lang="en-US"/>
               <a:t>Time Series Analysis</a:t>
             </a:r>
-            <a:endParaRPr lang="en-US"/>
           </a:p>
         </p:txBody>
       </p:sp>
@@ -5185,10 +6113,9 @@
           </a:lstStyle>
           <a:p>
             <a:r>
-              <a:rPr lang="en-US" smtClean="0"/>
+              <a:rPr lang="en-US"/>
               <a:t>Click to edit Master title style</a:t>
             </a:r>
-            <a:endParaRPr lang="en-US"/>
           </a:p>
         </p:txBody>
       </p:sp>
@@ -5242,38 +6169,37 @@
           <a:p>
             <a:pPr lvl="0"/>
             <a:r>
-              <a:rPr lang="en-US" smtClean="0"/>
+              <a:rPr lang="en-US"/>
               <a:t>Click to edit Master text styles</a:t>
             </a:r>
           </a:p>
           <a:p>
             <a:pPr lvl="1"/>
             <a:r>
-              <a:rPr lang="en-US" smtClean="0"/>
+              <a:rPr lang="en-US"/>
               <a:t>Second level</a:t>
             </a:r>
           </a:p>
           <a:p>
             <a:pPr lvl="2"/>
             <a:r>
-              <a:rPr lang="en-US" smtClean="0"/>
+              <a:rPr lang="en-US"/>
               <a:t>Third level</a:t>
             </a:r>
           </a:p>
           <a:p>
             <a:pPr lvl="3"/>
             <a:r>
-              <a:rPr lang="en-US" smtClean="0"/>
+              <a:rPr lang="en-US"/>
               <a:t>Fourth level</a:t>
             </a:r>
           </a:p>
           <a:p>
             <a:pPr lvl="4"/>
             <a:r>
-              <a:rPr lang="en-US" smtClean="0"/>
+              <a:rPr lang="en-US"/>
               <a:t>Fifth level</a:t>
             </a:r>
-            <a:endParaRPr lang="en-US"/>
           </a:p>
         </p:txBody>
       </p:sp>
@@ -5336,7 +6262,7 @@
           <a:p>
             <a:pPr lvl="0"/>
             <a:r>
-              <a:rPr lang="en-US" smtClean="0"/>
+              <a:rPr lang="en-US"/>
               <a:t>Click to edit Master text styles</a:t>
             </a:r>
           </a:p>
@@ -5359,7 +6285,7 @@
           <a:p>
             <a:fld id="{029FACA9-626F-494B-BD8E-652540034750}" type="datetime1">
               <a:rPr lang="en-US" smtClean="0"/>
-              <a:t>3/13/2017</a:t>
+              <a:t>4/5/2024</a:t>
             </a:fld>
             <a:endParaRPr lang="en-US"/>
           </a:p>
@@ -5381,10 +6307,9 @@
           <a:lstStyle/>
           <a:p>
             <a:r>
-              <a:rPr lang="en-US" smtClean="0"/>
+              <a:rPr lang="en-US"/>
               <a:t>Time Series Analysis</a:t>
             </a:r>
-            <a:endParaRPr lang="en-US"/>
           </a:p>
         </p:txBody>
       </p:sp>
@@ -5466,10 +6391,9 @@
           </a:lstStyle>
           <a:p>
             <a:r>
-              <a:rPr lang="en-US" smtClean="0"/>
+              <a:rPr lang="en-US"/>
               <a:t>Click to edit Master title style</a:t>
             </a:r>
-            <a:endParaRPr lang="en-US"/>
           </a:p>
         </p:txBody>
       </p:sp>
@@ -5593,7 +6517,7 @@
           <a:p>
             <a:pPr lvl="0"/>
             <a:r>
-              <a:rPr lang="en-US" smtClean="0"/>
+              <a:rPr lang="en-US"/>
               <a:t>Click to edit Master text styles</a:t>
             </a:r>
           </a:p>
@@ -5616,7 +6540,7 @@
           <a:p>
             <a:fld id="{0D6E6366-F532-4A1A-A36E-7C500FC2DDD7}" type="datetime1">
               <a:rPr lang="en-US" smtClean="0"/>
-              <a:t>3/13/2017</a:t>
+              <a:t>4/5/2024</a:t>
             </a:fld>
             <a:endParaRPr lang="en-US"/>
           </a:p>
@@ -5638,10 +6562,9 @@
           <a:lstStyle/>
           <a:p>
             <a:r>
-              <a:rPr lang="en-US" smtClean="0"/>
+              <a:rPr lang="en-US"/>
               <a:t>Time Series Analysis</a:t>
             </a:r>
-            <a:endParaRPr lang="en-US"/>
           </a:p>
         </p:txBody>
       </p:sp>
@@ -5729,10 +6652,9 @@
           <a:lstStyle/>
           <a:p>
             <a:r>
-              <a:rPr lang="en-US" dirty="0" smtClean="0"/>
+              <a:rPr lang="en-US" dirty="0"/>
               <a:t>Click to edit Master title style</a:t>
             </a:r>
-            <a:endParaRPr lang="en-US" dirty="0"/>
           </a:p>
         </p:txBody>
       </p:sp>
@@ -5763,38 +6685,37 @@
           <a:p>
             <a:pPr lvl="0"/>
             <a:r>
-              <a:rPr lang="en-US" dirty="0" smtClean="0"/>
+              <a:rPr lang="en-US" dirty="0"/>
               <a:t>Click to edit Master text styles</a:t>
             </a:r>
           </a:p>
           <a:p>
             <a:pPr lvl="1"/>
             <a:r>
-              <a:rPr lang="en-US" dirty="0" smtClean="0"/>
+              <a:rPr lang="en-US" dirty="0"/>
               <a:t>Second level</a:t>
             </a:r>
           </a:p>
           <a:p>
             <a:pPr lvl="2"/>
             <a:r>
-              <a:rPr lang="en-US" dirty="0" smtClean="0"/>
+              <a:rPr lang="en-US" dirty="0"/>
               <a:t>Third level</a:t>
             </a:r>
           </a:p>
           <a:p>
             <a:pPr lvl="3"/>
             <a:r>
-              <a:rPr lang="en-US" dirty="0" smtClean="0"/>
+              <a:rPr lang="en-US" dirty="0"/>
               <a:t>Fourth level</a:t>
             </a:r>
           </a:p>
           <a:p>
             <a:pPr lvl="4"/>
             <a:r>
-              <a:rPr lang="en-US" dirty="0" smtClean="0"/>
+              <a:rPr lang="en-US" dirty="0"/>
               <a:t>Fifth level</a:t>
             </a:r>
-            <a:endParaRPr lang="en-US" dirty="0"/>
           </a:p>
         </p:txBody>
       </p:sp>
@@ -5833,7 +6754,7 @@
           <a:p>
             <a:fld id="{A22F4270-BAFC-43D1-B46E-5407610DBDBF}" type="datetime1">
               <a:rPr lang="en-US" smtClean="0"/>
-              <a:t>3/13/2017</a:t>
+              <a:t>4/5/2024</a:t>
             </a:fld>
             <a:endParaRPr lang="en-US"/>
           </a:p>
@@ -5873,10 +6794,9 @@
           </a:lstStyle>
           <a:p>
             <a:r>
-              <a:rPr lang="en-US" dirty="0" smtClean="0"/>
+              <a:rPr lang="en-US" dirty="0"/>
               <a:t>Time Series Analysis</a:t>
             </a:r>
-            <a:endParaRPr lang="en-US" dirty="0"/>
           </a:p>
         </p:txBody>
       </p:sp>
@@ -5944,13 +6864,6 @@
     <p:sldLayoutId id="2147483661" r:id="rId12"/>
     <p:sldLayoutId id="2147483663" r:id="rId13"/>
   </p:sldLayoutIdLst>
-  <p:timing>
-    <p:tnLst>
-      <p:par>
-        <p:cTn id="1" dur="indefinite" restart="never" nodeType="tmRoot"/>
-      </p:par>
-    </p:tnLst>
-  </p:timing>
   <p:hf hdr="0" ftr="0" dt="0"/>
   <p:txStyles>
     <p:titleStyle>
@@ -6238,10 +7151,9 @@
           <a:lstStyle/>
           <a:p>
             <a:r>
-              <a:rPr lang="en-US" dirty="0" smtClean="0"/>
+              <a:rPr lang="en-US" dirty="0"/>
               <a:t>Linear Regression</a:t>
             </a:r>
-            <a:endParaRPr lang="en-US" dirty="0"/>
           </a:p>
         </p:txBody>
       </p:sp>
@@ -6261,10 +7173,9 @@
           <a:lstStyle/>
           <a:p>
             <a:r>
-              <a:rPr lang="en-US" dirty="0" smtClean="0"/>
+              <a:rPr lang="en-US" dirty="0"/>
               <a:t>Elsayed Hemayed</a:t>
             </a:r>
-            <a:endParaRPr lang="en-US" dirty="0"/>
           </a:p>
         </p:txBody>
       </p:sp>
@@ -6291,11 +7202,11 @@
           <a:lstStyle/>
           <a:p>
             <a:r>
-              <a:rPr lang="en-US" sz="1400" dirty="0" smtClean="0"/>
+              <a:rPr lang="en-US" sz="1400" dirty="0"/>
               <a:t>The original slides are from EMC Data Analytics Course and from </a:t>
             </a:r>
             <a:r>
-              <a:rPr lang="en-US" sz="1400" dirty="0" err="1" smtClean="0"/>
+              <a:rPr lang="en-US" sz="1400" dirty="0" err="1"/>
               <a:t>Udmey</a:t>
             </a:r>
             <a:r>
@@ -6323,13 +7234,6 @@
   <p:clrMapOvr>
     <a:masterClrMapping/>
   </p:clrMapOvr>
-  <p:timing>
-    <p:tnLst>
-      <p:par>
-        <p:cTn id="1" dur="indefinite" restart="never" nodeType="tmRoot"/>
-      </p:par>
-    </p:tnLst>
-  </p:timing>
 </p:sld>
 </file>
 
@@ -6366,10 +7270,9 @@
           <a:lstStyle/>
           <a:p>
             <a:r>
-              <a:rPr lang="en-US" dirty="0" smtClean="0"/>
+              <a:rPr lang="en-US" dirty="0"/>
               <a:t>Representing Categorical Variable</a:t>
             </a:r>
-            <a:endParaRPr lang="en-US" dirty="0"/>
           </a:p>
         </p:txBody>
       </p:sp>
@@ -6401,13 +7304,8 @@
             </a:r>
             <a:r>
               <a:rPr lang="en-US" dirty="0"/>
-              <a:t> is a categorical variable: 50 possible </a:t>
-            </a:r>
-            <a:r>
-              <a:rPr lang="en-US" dirty="0" smtClean="0"/>
-              <a:t>values.</a:t>
-            </a:r>
-            <a:endParaRPr lang="en-US" dirty="0"/>
+              <a:t> is a categorical variable: 50 possible values.</a:t>
+            </a:r>
           </a:p>
           <a:p>
             <a:r>
@@ -6419,33 +7317,15 @@
             <a:pPr lvl="1"/>
             <a:r>
               <a:rPr lang="en-US" dirty="0"/>
-              <a:t>T</a:t>
-            </a:r>
-            <a:r>
-              <a:rPr lang="en-US" dirty="0" smtClean="0"/>
-              <a:t>he </a:t>
-            </a:r>
-            <a:r>
-              <a:rPr lang="en-US" dirty="0"/>
-              <a:t>remaining level is the "default </a:t>
-            </a:r>
-            <a:r>
-              <a:rPr lang="en-US" dirty="0" smtClean="0"/>
-              <a:t>level“</a:t>
-            </a:r>
-            <a:endParaRPr lang="en-US" dirty="0"/>
+              <a:t>The remaining level is the "default level“</a:t>
+            </a:r>
           </a:p>
           <a:p>
             <a:pPr lvl="1"/>
             <a:r>
               <a:rPr lang="en-US" dirty="0"/>
-              <a:t>This is done automatically by standard </a:t>
-            </a:r>
-            <a:r>
-              <a:rPr lang="en-US" dirty="0" smtClean="0"/>
-              <a:t>packages</a:t>
-            </a:r>
-            <a:endParaRPr lang="en-US" dirty="0"/>
+              <a:t>This is done automatically by standard packages</a:t>
+            </a:r>
           </a:p>
           <a:p>
             <a:r>
@@ -6469,13 +7349,8 @@
             </a:r>
             <a:r>
               <a:rPr lang="en-US" dirty="0"/>
-              <a:t>, which is 0 for </a:t>
-            </a:r>
-            <a:r>
-              <a:rPr lang="en-US" dirty="0" smtClean="0"/>
-              <a:t>females</a:t>
-            </a:r>
-            <a:endParaRPr lang="en-US" dirty="0"/>
+              <a:t>, which is 0 for females</a:t>
+            </a:r>
           </a:p>
         </p:txBody>
       </p:sp>
@@ -6513,13 +7388,6 @@
   <p:clrMapOvr>
     <a:masterClrMapping/>
   </p:clrMapOvr>
-  <p:timing>
-    <p:tnLst>
-      <p:par>
-        <p:cTn id="1" dur="indefinite" restart="never" nodeType="tmRoot"/>
-      </p:par>
-    </p:tnLst>
-  </p:timing>
 </p:sld>
 </file>
 
@@ -6556,10 +7424,9 @@
           <a:lstStyle/>
           <a:p>
             <a:r>
-              <a:rPr lang="en-US" dirty="0" smtClean="0"/>
+              <a:rPr lang="en-US" dirty="0"/>
               <a:t>Regression Example</a:t>
             </a:r>
-            <a:endParaRPr lang="en-US" dirty="0"/>
           </a:p>
         </p:txBody>
       </p:sp>
@@ -6686,10 +7553,9 @@
           <a:lstStyle/>
           <a:p>
             <a:r>
-              <a:rPr lang="en-US" dirty="0" smtClean="0"/>
+              <a:rPr lang="en-US" dirty="0"/>
               <a:t>Dummy Variables</a:t>
             </a:r>
-            <a:endParaRPr lang="en-US" dirty="0"/>
           </a:p>
         </p:txBody>
       </p:sp>
@@ -6944,13 +7810,8 @@
           <a:p>
             <a:r>
               <a:rPr lang="en-US" dirty="0"/>
-              <a:t>Dummy </a:t>
-            </a:r>
-            <a:r>
-              <a:rPr lang="en-US" dirty="0" smtClean="0"/>
-              <a:t>Variable Trap</a:t>
-            </a:r>
-            <a:endParaRPr lang="en-US" dirty="0"/>
+              <a:t>Dummy Variable Trap</a:t>
+            </a:r>
           </a:p>
         </p:txBody>
       </p:sp>
@@ -6986,7 +7847,7 @@
           <p:nvPr/>
         </p:nvPicPr>
         <p:blipFill>
-          <a:blip r:embed="rId2">
+          <a:blip r:embed="rId3">
             <a:extLst>
               <a:ext uri="{28A0092B-C50C-407E-A947-70E740481C1C}">
                 <a14:useLocalDpi xmlns:a14="http://schemas.microsoft.com/office/drawing/2010/main" val="0"/>
@@ -7054,18 +7915,13 @@
           <a:lstStyle/>
           <a:p>
             <a:r>
-              <a:rPr lang="en-US" sz="7200" dirty="0" smtClean="0">
+              <a:rPr lang="en-US" sz="7200" dirty="0">
                 <a:solidFill>
                   <a:srgbClr val="FF0000"/>
                 </a:solidFill>
               </a:rPr>
               <a:t>X</a:t>
             </a:r>
-            <a:endParaRPr lang="en-US" sz="7200" dirty="0">
-              <a:solidFill>
-                <a:srgbClr val="FF0000"/>
-              </a:solidFill>
-            </a:endParaRPr>
           </a:p>
         </p:txBody>
       </p:sp>
@@ -7117,10 +7973,9 @@
           <a:lstStyle/>
           <a:p>
             <a:r>
-              <a:rPr lang="en-US" dirty="0" smtClean="0"/>
+              <a:rPr lang="en-US" dirty="0"/>
               <a:t>Continuous Vs. Categorical Variables</a:t>
             </a:r>
-            <a:endParaRPr lang="en-US" dirty="0"/>
           </a:p>
         </p:txBody>
       </p:sp>
@@ -7142,27 +7997,27 @@
           <a:lstStyle/>
           <a:p>
             <a:r>
-              <a:rPr lang="en-US" dirty="0" smtClean="0"/>
+              <a:rPr lang="en-US" dirty="0"/>
               <a:t>General linear regression model:</a:t>
             </a:r>
           </a:p>
           <a:p>
-            <a:endParaRPr lang="en-US" dirty="0" smtClean="0"/>
-          </a:p>
-          <a:p>
-            <a:r>
-              <a:rPr lang="en-US" dirty="0" smtClean="0"/>
+            <a:endParaRPr lang="en-US" dirty="0"/>
+          </a:p>
+          <a:p>
+            <a:r>
+              <a:rPr lang="en-US" dirty="0"/>
               <a:t>Independent variables (X’s):</a:t>
             </a:r>
           </a:p>
           <a:p>
             <a:pPr lvl="1"/>
             <a:r>
-              <a:rPr lang="en-US" dirty="0" smtClean="0"/>
+              <a:rPr lang="en-US" dirty="0"/>
               <a:t>Continuous: age, income, height </a:t>
             </a:r>
             <a:r>
-              <a:rPr lang="en-US" dirty="0" smtClean="0">
+              <a:rPr lang="en-US" dirty="0">
                 <a:sym typeface="Wingdings" panose="05000000000000000000" pitchFamily="2" charset="2"/>
               </a:rPr>
               <a:t> use numerical value</a:t>
@@ -7171,7 +8026,7 @@
           <a:p>
             <a:pPr lvl="1"/>
             <a:r>
-              <a:rPr lang="en-US" dirty="0" smtClean="0">
+              <a:rPr lang="en-US" dirty="0">
                 <a:sym typeface="Wingdings" panose="05000000000000000000" pitchFamily="2" charset="2"/>
               </a:rPr>
               <a:t>Categorical: gender, city  use dummies.</a:t>
@@ -7179,7 +8034,7 @@
           </a:p>
           <a:p>
             <a:r>
-              <a:rPr lang="en-US" dirty="0" smtClean="0">
+              <a:rPr lang="en-US" dirty="0">
                 <a:sym typeface="Wingdings" panose="05000000000000000000" pitchFamily="2" charset="2"/>
               </a:rPr>
               <a:t>Dependent variable (y):</a:t>
@@ -7188,7 +8043,7 @@
           <a:p>
             <a:pPr lvl="1"/>
             <a:r>
-              <a:rPr lang="en-US" dirty="0" smtClean="0">
+              <a:rPr lang="en-US" dirty="0">
                 <a:sym typeface="Wingdings" panose="05000000000000000000" pitchFamily="2" charset="2"/>
               </a:rPr>
               <a:t>Continuous: consumption, time spent  use numerical values</a:t>
@@ -7197,7 +8052,7 @@
           <a:p>
             <a:pPr lvl="1"/>
             <a:r>
-              <a:rPr lang="en-US" dirty="0" smtClean="0">
+              <a:rPr lang="en-US" dirty="0">
                 <a:sym typeface="Wingdings" panose="05000000000000000000" pitchFamily="2" charset="2"/>
               </a:rPr>
               <a:t>Categorical: yes/no  use dummies.</a:t>
@@ -7244,7 +8099,7 @@
           <p:nvPr/>
         </p:nvPicPr>
         <p:blipFill>
-          <a:blip r:embed="rId2" cstate="print"/>
+          <a:blip r:embed="rId3" cstate="print"/>
           <a:stretch>
             <a:fillRect/>
           </a:stretch>
@@ -7269,13 +8124,6 @@
   <p:clrMapOvr>
     <a:masterClrMapping/>
   </p:clrMapOvr>
-  <p:timing>
-    <p:tnLst>
-      <p:par>
-        <p:cTn id="1" dur="indefinite" restart="never" nodeType="tmRoot"/>
-      </p:par>
-    </p:tnLst>
-  </p:timing>
 </p:sld>
 </file>
 
@@ -7313,31 +8161,23 @@
           <a:p>
             <a:r>
               <a:rPr lang="en-US" dirty="0"/>
-              <a:t>What do the </a:t>
-            </a:r>
-            <a:r>
-              <a:rPr lang="en-US" dirty="0" smtClean="0"/>
-              <a:t>Coefficients </a:t>
-            </a:r>
-            <a:r>
-              <a:rPr lang="en-US" i="1" dirty="0" smtClean="0"/>
+              <a:t>What do the Coefficients </a:t>
+            </a:r>
+            <a:r>
+              <a:rPr lang="en-US" i="1" dirty="0"/>
               <a:t>b</a:t>
             </a:r>
             <a:r>
-              <a:rPr lang="en-US" i="1" baseline="-25000" dirty="0" smtClean="0"/>
+              <a:rPr lang="en-US" i="1" baseline="-25000" dirty="0"/>
               <a:t>i</a:t>
             </a:r>
             <a:r>
-              <a:rPr lang="en-US" i="1" dirty="0" smtClean="0"/>
+              <a:rPr lang="en-US" i="1" dirty="0"/>
               <a:t>  M</a:t>
             </a:r>
             <a:r>
-              <a:rPr lang="en-US" dirty="0" smtClean="0"/>
-              <a:t>ean</a:t>
-            </a:r>
-            <a:r>
-              <a:rPr lang="en-US" dirty="0"/>
-              <a:t>?</a:t>
+              <a:rPr lang="en-US" dirty="0"/>
+              <a:t>ean?</a:t>
             </a:r>
           </a:p>
         </p:txBody>
@@ -7355,7 +8195,7 @@
         <p:spPr/>
         <p:txBody>
           <a:bodyPr>
-            <a:normAutofit fontScale="92500" lnSpcReduction="20000"/>
+            <a:normAutofit fontScale="85000" lnSpcReduction="10000"/>
           </a:bodyPr>
           <a:lstStyle/>
           <a:p>
@@ -7390,15 +8230,7 @@
           <a:p>
             <a:r>
               <a:rPr lang="en-US" dirty="0"/>
-              <a:t>Example: income in </a:t>
-            </a:r>
-            <a:r>
-              <a:rPr lang="en-US" dirty="0" smtClean="0"/>
-              <a:t> units of $10K, </a:t>
-            </a:r>
-            <a:r>
-              <a:rPr lang="en-US" dirty="0"/>
-              <a:t>years in age, </a:t>
+              <a:t>Example: income in  units of $10K, years in age, </a:t>
             </a:r>
             <a:r>
               <a:rPr lang="en-US" i="1" dirty="0"/>
@@ -7417,21 +8249,8 @@
             <a:pPr lvl="1"/>
             <a:r>
               <a:rPr lang="en-US" dirty="0"/>
-              <a:t>For the same gender, years of education, and state of residence, a person's income increases </a:t>
-            </a:r>
-            <a:r>
-              <a:rPr lang="en-US" dirty="0" smtClean="0"/>
-              <a:t>by 2 units (20K)for </a:t>
-            </a:r>
-            <a:r>
-              <a:rPr lang="en-US" dirty="0"/>
-              <a:t>every year </a:t>
-            </a:r>
-            <a:r>
-              <a:rPr lang="en-US" dirty="0" smtClean="0"/>
-              <a:t>older</a:t>
-            </a:r>
-            <a:endParaRPr lang="en-US" dirty="0"/>
+              <a:t>For the same gender, years of education, and state of residence, a person's income increases by 2 units (20K)for every year older</a:t>
+            </a:r>
           </a:p>
           <a:p>
             <a:pPr lvl="1">
@@ -7445,15 +8264,7 @@
           <a:p>
             <a:r>
               <a:rPr lang="en-US" dirty="0"/>
-              <a:t>Standard </a:t>
-            </a:r>
-            <a:r>
-              <a:rPr lang="en-US" dirty="0" smtClean="0"/>
-              <a:t>packages </a:t>
-            </a:r>
-            <a:r>
-              <a:rPr lang="en-US" dirty="0"/>
-              <a:t>also report the significance of the </a:t>
+              <a:t>Standard packages also report the significance of the </a:t>
             </a:r>
             <a:r>
               <a:rPr lang="en-US" i="1" dirty="0"/>
@@ -7512,7 +8323,39 @@
             </a:r>
             <a:r>
               <a:rPr lang="en-US" dirty="0"/>
-              <a:t>= 0) is small</a:t>
+              <a:t>= 0) is small ya3ni </a:t>
+            </a:r>
+            <a:r>
+              <a:rPr lang="en-US" dirty="0" err="1"/>
+              <a:t>kol</a:t>
+            </a:r>
+            <a:r>
+              <a:rPr lang="en-US" dirty="0"/>
+              <a:t> ma al probability de </a:t>
+            </a:r>
+            <a:r>
+              <a:rPr lang="en-US" dirty="0" err="1"/>
+              <a:t>tzed</a:t>
+            </a:r>
+            <a:r>
+              <a:rPr lang="en-US" dirty="0"/>
+              <a:t> yb2a al variable da </a:t>
+            </a:r>
+            <a:r>
+              <a:rPr lang="en-US" dirty="0" err="1"/>
+              <a:t>mohm</a:t>
+            </a:r>
+            <a:r>
+              <a:rPr lang="en-US" dirty="0"/>
+              <a:t> </a:t>
+            </a:r>
+            <a:r>
+              <a:rPr lang="en-US" dirty="0" err="1"/>
+              <a:t>lel</a:t>
+            </a:r>
+            <a:r>
+              <a:rPr lang="en-US" dirty="0"/>
+              <a:t> function bt3ti</a:t>
             </a:r>
           </a:p>
         </p:txBody>
@@ -7527,13 +8370,6 @@
   <p:clrMapOvr>
     <a:masterClrMapping/>
   </p:clrMapOvr>
-  <p:timing>
-    <p:tnLst>
-      <p:par>
-        <p:cTn id="1" dur="indefinite" restart="never" nodeType="tmRoot"/>
-      </p:par>
-    </p:tnLst>
-  </p:timing>
 </p:sld>
 </file>
 
@@ -7570,10 +8406,9 @@
           <a:lstStyle/>
           <a:p>
             <a:r>
-              <a:rPr lang="en-US" dirty="0" smtClean="0"/>
+              <a:rPr lang="en-US" dirty="0"/>
               <a:t>Building A Model</a:t>
             </a:r>
-            <a:endParaRPr lang="en-US" dirty="0"/>
           </a:p>
         </p:txBody>
       </p:sp>
@@ -7678,10 +8513,9 @@
           <a:p>
             <a:pPr algn="ctr"/>
             <a:r>
-              <a:rPr lang="en-US" sz="4400" dirty="0" smtClean="0"/>
+              <a:rPr lang="en-US" sz="4400" dirty="0"/>
               <a:t>Which X to use?</a:t>
             </a:r>
-            <a:endParaRPr lang="en-US" sz="4400" dirty="0"/>
           </a:p>
         </p:txBody>
       </p:sp>
@@ -7757,8 +8591,16 @@
               <a:buAutoNum type="arabicPeriod"/>
             </a:pPr>
             <a:r>
-              <a:rPr lang="en-US" dirty="0" smtClean="0"/>
-              <a:t>All-in</a:t>
+              <a:rPr lang="en-US" dirty="0"/>
+              <a:t>All-in: ya3ni ha5od </a:t>
+            </a:r>
+            <a:r>
+              <a:rPr lang="en-US" dirty="0" err="1"/>
+              <a:t>kol</a:t>
+            </a:r>
+            <a:r>
+              <a:rPr lang="en-US" dirty="0"/>
+              <a:t> al variables</a:t>
             </a:r>
           </a:p>
           <a:p>
@@ -7767,7 +8609,7 @@
               <a:buAutoNum type="arabicPeriod"/>
             </a:pPr>
             <a:r>
-              <a:rPr lang="en-US" dirty="0" smtClean="0"/>
+              <a:rPr lang="en-US" dirty="0"/>
               <a:t>Backward Elimination</a:t>
             </a:r>
           </a:p>
@@ -7777,11 +8619,11 @@
               <a:buAutoNum type="arabicPeriod"/>
             </a:pPr>
             <a:r>
-              <a:rPr lang="en-US" dirty="0" smtClean="0"/>
+              <a:rPr lang="en-US" dirty="0"/>
               <a:t>Forward Selection		       </a:t>
             </a:r>
             <a:r>
-              <a:rPr lang="en-US" sz="2400" dirty="0" smtClean="0"/>
+              <a:rPr lang="en-US" sz="2400" dirty="0"/>
               <a:t>Stepwise Regression</a:t>
             </a:r>
           </a:p>
@@ -7791,7 +8633,7 @@
               <a:buAutoNum type="arabicPeriod"/>
             </a:pPr>
             <a:r>
-              <a:rPr lang="en-US" dirty="0" smtClean="0"/>
+              <a:rPr lang="en-US" dirty="0"/>
               <a:t>Bidirectional Elimination</a:t>
             </a:r>
           </a:p>
@@ -7801,10 +8643,9 @@
               <a:buAutoNum type="arabicPeriod"/>
             </a:pPr>
             <a:r>
-              <a:rPr lang="en-US" dirty="0" smtClean="0"/>
+              <a:rPr lang="en-US" dirty="0"/>
               <a:t>Score Comparison</a:t>
             </a:r>
-            <a:endParaRPr lang="en-US" dirty="0"/>
           </a:p>
         </p:txBody>
       </p:sp>
@@ -7878,7 +8719,7 @@
           <p:nvPr/>
         </p:nvPicPr>
         <p:blipFill>
-          <a:blip r:embed="rId2" cstate="print">
+          <a:blip r:embed="rId3" cstate="print">
             <a:extLst>
               <a:ext uri="{28A0092B-C50C-407E-A947-70E740481C1C}">
                 <a14:useLocalDpi xmlns:a14="http://schemas.microsoft.com/office/drawing/2010/main" val="0"/>
@@ -7932,7 +8773,7 @@
           <p:nvPr/>
         </p:nvPicPr>
         <p:blipFill>
-          <a:blip r:embed="rId3">
+          <a:blip r:embed="rId4">
             <a:extLst>
               <a:ext uri="{28A0092B-C50C-407E-A947-70E740481C1C}">
                 <a14:useLocalDpi xmlns:a14="http://schemas.microsoft.com/office/drawing/2010/main" val="0"/>
@@ -7986,7 +8827,7 @@
           <p:nvPr/>
         </p:nvPicPr>
         <p:blipFill>
-          <a:blip r:embed="rId4">
+          <a:blip r:embed="rId5">
             <a:extLst>
               <a:ext uri="{28A0092B-C50C-407E-A947-70E740481C1C}">
                 <a14:useLocalDpi xmlns:a14="http://schemas.microsoft.com/office/drawing/2010/main" val="0"/>
@@ -8040,7 +8881,7 @@
           <p:nvPr/>
         </p:nvPicPr>
         <p:blipFill>
-          <a:blip r:embed="rId5" cstate="print">
+          <a:blip r:embed="rId6" cstate="print">
             <a:extLst>
               <a:ext uri="{28A0092B-C50C-407E-A947-70E740481C1C}">
                 <a14:useLocalDpi xmlns:a14="http://schemas.microsoft.com/office/drawing/2010/main" val="0"/>
@@ -8094,7 +8935,7 @@
           <p:nvPr/>
         </p:nvPicPr>
         <p:blipFill>
-          <a:blip r:embed="rId6" cstate="print">
+          <a:blip r:embed="rId7" cstate="print">
             <a:extLst>
               <a:ext uri="{28A0092B-C50C-407E-A947-70E740481C1C}">
                 <a14:useLocalDpi xmlns:a14="http://schemas.microsoft.com/office/drawing/2010/main" val="0"/>
@@ -8186,10 +9027,9 @@
           <a:p>
             <a:pPr algn="l"/>
             <a:r>
-              <a:rPr lang="en-US" dirty="0" smtClean="0"/>
+              <a:rPr lang="en-US" dirty="0"/>
               <a:t>            Backward Elimination</a:t>
             </a:r>
-            <a:endParaRPr lang="en-US" dirty="0"/>
           </a:p>
         </p:txBody>
       </p:sp>
@@ -8215,7 +9055,7 @@
               <a:buAutoNum type="arabicPeriod"/>
             </a:pPr>
             <a:r>
-              <a:rPr lang="en-US" dirty="0" smtClean="0"/>
+              <a:rPr lang="en-US" dirty="0"/>
               <a:t>Select a significance level to stay in the model (e.g., SL=0.05)</a:t>
             </a:r>
           </a:p>
@@ -8225,7 +9065,7 @@
               <a:buAutoNum type="arabicPeriod"/>
             </a:pPr>
             <a:r>
-              <a:rPr lang="en-US" dirty="0" smtClean="0"/>
+              <a:rPr lang="en-US" dirty="0"/>
               <a:t>Fit the full model with all possible predictors</a:t>
             </a:r>
           </a:p>
@@ -8235,15 +9075,15 @@
               <a:buAutoNum type="arabicPeriod"/>
             </a:pPr>
             <a:r>
-              <a:rPr lang="en-US" dirty="0" smtClean="0"/>
+              <a:rPr lang="en-US" dirty="0"/>
               <a:t>Consider the predictor with the highest p-value. If p&gt;SL then go to step 4, otherwise </a:t>
             </a:r>
             <a:r>
-              <a:rPr lang="en-US" dirty="0" err="1" smtClean="0"/>
+              <a:rPr lang="en-US" dirty="0" err="1"/>
               <a:t>goto</a:t>
             </a:r>
             <a:r>
-              <a:rPr lang="en-US" dirty="0" smtClean="0"/>
+              <a:rPr lang="en-US" dirty="0"/>
               <a:t> step 5</a:t>
             </a:r>
           </a:p>
@@ -8253,8 +9093,8 @@
               <a:buAutoNum type="arabicPeriod"/>
             </a:pPr>
             <a:r>
-              <a:rPr lang="en-US" dirty="0" smtClean="0"/>
-              <a:t> remove the selected predictor, and fit model without it.</a:t>
+              <a:rPr lang="en-US" dirty="0"/>
+              <a:t> remove the selected predictor, and fit model without it. And go to step 3</a:t>
             </a:r>
           </a:p>
           <a:p>
@@ -8262,7 +9102,7 @@
               <a:buNone/>
             </a:pPr>
             <a:r>
-              <a:rPr lang="en-US" dirty="0" smtClean="0"/>
+              <a:rPr lang="en-US" dirty="0"/>
               <a:t>5. The model is ready</a:t>
             </a:r>
           </a:p>
@@ -8271,7 +9111,7 @@
               <a:buFont typeface="+mj-lt"/>
               <a:buAutoNum type="arabicPeriod"/>
             </a:pPr>
-            <a:endParaRPr lang="en-US" dirty="0" smtClean="0"/>
+            <a:endParaRPr lang="en-US" dirty="0"/>
           </a:p>
           <a:p>
             <a:pPr marL="514350" indent="-514350">
@@ -8405,10 +9245,9 @@
           <a:lstStyle/>
           <a:p>
             <a:r>
-              <a:rPr lang="en-US" dirty="0" smtClean="0"/>
+              <a:rPr lang="en-US" dirty="0"/>
               <a:t>Overview of Linear Regression</a:t>
             </a:r>
-            <a:endParaRPr lang="en-US" dirty="0"/>
           </a:p>
         </p:txBody>
       </p:sp>
@@ -8431,79 +9270,55 @@
           <a:p>
             <a:pPr marL="576262" lvl="1" indent="-457200"/>
             <a:r>
-              <a:rPr lang="en-US" dirty="0" smtClean="0"/>
-              <a:t>General </a:t>
-            </a:r>
-            <a:r>
-              <a:rPr lang="en-US" dirty="0"/>
-              <a:t>description of regression models</a:t>
+              <a:rPr lang="en-US" dirty="0"/>
+              <a:t>General description of regression models</a:t>
             </a:r>
           </a:p>
           <a:p>
             <a:pPr marL="576262" lvl="1" indent="-457200"/>
             <a:r>
-              <a:rPr lang="en-US" dirty="0" smtClean="0"/>
+              <a:rPr lang="en-US" dirty="0"/>
               <a:t>Technical description</a:t>
             </a:r>
           </a:p>
           <a:p>
             <a:pPr marL="576262" lvl="1" indent="-457200"/>
             <a:r>
-              <a:rPr lang="en-US" dirty="0" smtClean="0"/>
+              <a:rPr lang="en-US" dirty="0"/>
               <a:t>Handling Categorical Values</a:t>
             </a:r>
           </a:p>
           <a:p>
             <a:pPr marL="576262" lvl="1" indent="-457200"/>
             <a:r>
-              <a:rPr lang="en-US" dirty="0" smtClean="0"/>
+              <a:rPr lang="en-US" dirty="0"/>
               <a:t>Building A Model</a:t>
             </a:r>
           </a:p>
           <a:p>
             <a:pPr marL="576262" lvl="1" indent="-457200"/>
             <a:r>
-              <a:rPr lang="en-US" dirty="0" smtClean="0"/>
-              <a:t>Diagnostics </a:t>
-            </a:r>
-            <a:r>
-              <a:rPr lang="en-US" dirty="0"/>
-              <a:t>for validating the linear regression </a:t>
-            </a:r>
-            <a:r>
-              <a:rPr lang="en-US" dirty="0" smtClean="0"/>
-              <a:t>model</a:t>
+              <a:rPr lang="en-US" dirty="0"/>
+              <a:t>Diagnostics for validating the linear regression model</a:t>
             </a:r>
           </a:p>
           <a:p>
             <a:pPr marL="576262" lvl="1" indent="-457200"/>
             <a:r>
               <a:rPr lang="en-US" dirty="0"/>
-              <a:t>Overfitting </a:t>
-            </a:r>
-            <a:r>
-              <a:rPr lang="en-US" dirty="0" smtClean="0"/>
-              <a:t>Problem and Regularization</a:t>
+              <a:t>Overfitting Problem and Regularization</a:t>
             </a:r>
           </a:p>
           <a:p>
             <a:pPr marL="576262" lvl="1" indent="-457200"/>
             <a:r>
-              <a:rPr lang="en-US" dirty="0" smtClean="0"/>
-              <a:t>The </a:t>
-            </a:r>
-            <a:r>
-              <a:rPr lang="en-US" dirty="0"/>
-              <a:t>Reasons to Choose (+) and Cautions (-) of the linear  regression </a:t>
-            </a:r>
-            <a:r>
-              <a:rPr lang="en-US" dirty="0" smtClean="0"/>
-              <a:t>model</a:t>
+              <a:rPr lang="en-US" dirty="0"/>
+              <a:t>The Reasons to Choose (+) and Cautions (-) of the linear  regression model</a:t>
             </a:r>
           </a:p>
           <a:p>
             <a:pPr marL="576262" lvl="1" indent="-457200"/>
-            <a:endParaRPr lang="en-US" dirty="0" smtClean="0"/>
+            <a:endParaRPr lang="en-US" dirty="0"/>
           </a:p>
           <a:p>
             <a:pPr marL="682625" lvl="2" indent="-163513"/>
@@ -8547,13 +9362,6 @@
   <p:clrMapOvr>
     <a:masterClrMapping/>
   </p:clrMapOvr>
-  <p:timing>
-    <p:tnLst>
-      <p:par>
-        <p:cTn id="1" dur="indefinite" restart="never" nodeType="tmRoot"/>
-      </p:par>
-    </p:tnLst>
-  </p:timing>
 </p:sld>
 </file>
 
@@ -8590,10 +9398,9 @@
           <a:lstStyle/>
           <a:p>
             <a:r>
-              <a:rPr lang="en-US" dirty="0" smtClean="0"/>
+              <a:rPr lang="en-US" dirty="0"/>
               <a:t>Forward Selection</a:t>
             </a:r>
-            <a:endParaRPr lang="en-US" dirty="0"/>
           </a:p>
         </p:txBody>
       </p:sp>
@@ -8620,15 +9427,7 @@
             </a:pPr>
             <a:r>
               <a:rPr lang="en-US" dirty="0"/>
-              <a:t>Select a significance level to </a:t>
-            </a:r>
-            <a:r>
-              <a:rPr lang="en-US" dirty="0" smtClean="0"/>
-              <a:t>enter the </a:t>
-            </a:r>
-            <a:r>
-              <a:rPr lang="en-US" dirty="0"/>
-              <a:t>model (e.g., SL=0.05)</a:t>
+              <a:t>Select a significance level to enter the model (e.g., SL=0.05)</a:t>
             </a:r>
           </a:p>
           <a:p>
@@ -8638,21 +9437,8 @@
             </a:pPr>
             <a:r>
               <a:rPr lang="en-US" dirty="0"/>
-              <a:t>Fit </a:t>
-            </a:r>
-            <a:r>
-              <a:rPr lang="en-US" dirty="0" smtClean="0"/>
-              <a:t>the full model </a:t>
-            </a:r>
-            <a:r>
-              <a:rPr lang="en-US" dirty="0"/>
-              <a:t>with all possible </a:t>
-            </a:r>
-            <a:r>
-              <a:rPr lang="en-US" dirty="0" smtClean="0"/>
-              <a:t>predictors, select the one with the lowest p-value</a:t>
-            </a:r>
-            <a:endParaRPr lang="en-US" dirty="0"/>
+              <a:t>Fit the full model with all possible predictors, select the one with the lowest p-value</a:t>
+            </a:r>
           </a:p>
           <a:p>
             <a:pPr marL="514350" indent="-514350">
@@ -8660,10 +9446,9 @@
               <a:buAutoNum type="arabicPeriod"/>
             </a:pPr>
             <a:r>
-              <a:rPr lang="en-US" dirty="0" smtClean="0"/>
+              <a:rPr lang="en-US" dirty="0"/>
               <a:t>Keep this variable and fit all possible model with one extra predictor added to the one(s) you already have.</a:t>
             </a:r>
-            <a:endParaRPr lang="en-US" dirty="0"/>
           </a:p>
           <a:p>
             <a:pPr marL="514350" indent="-514350">
@@ -8672,13 +9457,8 @@
             </a:pPr>
             <a:r>
               <a:rPr lang="en-US" dirty="0"/>
-              <a:t> </a:t>
-            </a:r>
-            <a:r>
-              <a:rPr lang="en-US" dirty="0" smtClean="0"/>
-              <a:t>Consider the predictor with  the lowest p-value. If p&lt;SL, go to step 3 otherwise go to step 5.</a:t>
-            </a:r>
-            <a:endParaRPr lang="en-US" dirty="0"/>
+              <a:t> Consider the predictor with  the lowest p-value. If p&lt;SL, go to step 3 otherwise go to step 5.</a:t>
+            </a:r>
           </a:p>
           <a:p>
             <a:pPr marL="0" indent="0">
@@ -8818,10 +9598,9 @@
           <a:p>
             <a:pPr algn="l"/>
             <a:r>
-              <a:rPr lang="en-US" dirty="0" smtClean="0"/>
+              <a:rPr lang="en-US" dirty="0"/>
               <a:t>       Bidirectional Elimination</a:t>
             </a:r>
-            <a:endParaRPr lang="en-US" dirty="0"/>
           </a:p>
         </p:txBody>
       </p:sp>
@@ -8848,19 +9627,7 @@
             </a:pPr>
             <a:r>
               <a:rPr lang="en-US" dirty="0"/>
-              <a:t>Select a significance level to </a:t>
-            </a:r>
-            <a:r>
-              <a:rPr lang="en-US" dirty="0" smtClean="0"/>
-              <a:t>enter and to stay </a:t>
-            </a:r>
-            <a:r>
-              <a:rPr lang="en-US" dirty="0"/>
-              <a:t>in the model (e.g., </a:t>
-            </a:r>
-            <a:r>
-              <a:rPr lang="en-US" dirty="0" smtClean="0"/>
-              <a:t>SLENTER=0.05, SLSTAY=0.05).</a:t>
+              <a:t>Select a significance level to enter and to stay in the model (e.g., SLENTER=0.05, SLSTAY=0.05).</a:t>
             </a:r>
           </a:p>
           <a:p>
@@ -8869,7 +9636,7 @@
               <a:buAutoNum type="arabicPeriod"/>
             </a:pPr>
             <a:r>
-              <a:rPr lang="en-US" dirty="0" smtClean="0"/>
+              <a:rPr lang="en-US" dirty="0"/>
               <a:t>Preform the next step of Forward Selection (new Variables must  have p&lt;SLENTER to enter)</a:t>
             </a:r>
           </a:p>
@@ -8879,7 +9646,7 @@
               <a:buAutoNum type="arabicPeriod"/>
             </a:pPr>
             <a:r>
-              <a:rPr lang="en-US" dirty="0" smtClean="0"/>
+              <a:rPr lang="en-US" dirty="0"/>
               <a:t>Perform all steps of Backward Elimination (old variables must have P&lt;SSLSTAY to stay)</a:t>
             </a:r>
           </a:p>
@@ -8889,10 +9656,9 @@
               <a:buAutoNum type="arabicPeriod"/>
             </a:pPr>
             <a:r>
-              <a:rPr lang="en-US" dirty="0" smtClean="0"/>
+              <a:rPr lang="en-US" dirty="0"/>
               <a:t>Repeat step 2 and 3 till no new variables can enter and no new variables can exit. Then the model is ready.</a:t>
             </a:r>
-            <a:endParaRPr lang="en-US" dirty="0"/>
           </a:p>
           <a:p>
             <a:pPr marL="514350" indent="-514350">
@@ -9026,10 +9792,9 @@
           <a:lstStyle/>
           <a:p>
             <a:r>
-              <a:rPr lang="en-US" dirty="0" smtClean="0"/>
+              <a:rPr lang="en-US" dirty="0"/>
               <a:t>All Possible Models</a:t>
             </a:r>
-            <a:endParaRPr lang="en-US" dirty="0"/>
           </a:p>
         </p:txBody>
       </p:sp>
@@ -9053,7 +9818,7 @@
               <a:buAutoNum type="arabicPeriod"/>
             </a:pPr>
             <a:r>
-              <a:rPr lang="en-US" dirty="0" smtClean="0"/>
+              <a:rPr lang="en-US" dirty="0"/>
               <a:t>Select a criteria of goodness of fit</a:t>
             </a:r>
           </a:p>
@@ -9063,7 +9828,7 @@
               <a:buAutoNum type="arabicPeriod"/>
             </a:pPr>
             <a:r>
-              <a:rPr lang="en-US" dirty="0" smtClean="0"/>
+              <a:rPr lang="en-US" dirty="0"/>
               <a:t>Construct all possible regression models (2^N -1 total combinations for N predictors)</a:t>
             </a:r>
           </a:p>
@@ -9073,10 +9838,9 @@
               <a:buAutoNum type="arabicPeriod"/>
             </a:pPr>
             <a:r>
-              <a:rPr lang="en-US" dirty="0" smtClean="0"/>
+              <a:rPr lang="en-US" dirty="0"/>
               <a:t>Select the one with the best criterion</a:t>
             </a:r>
-            <a:endParaRPr lang="en-US" dirty="0"/>
           </a:p>
         </p:txBody>
       </p:sp>
@@ -9157,6 +9921,1047 @@
           </a:extLst>
         </p:spPr>
       </p:pic>
+      <mc:AlternateContent xmlns:mc="http://schemas.openxmlformats.org/markup-compatibility/2006">
+        <mc:Choice xmlns:p14="http://schemas.microsoft.com/office/powerpoint/2010/main" Requires="p14">
+          <p:contentPart p14:bwMode="auto" r:id="rId3">
+            <p14:nvContentPartPr>
+              <p14:cNvPr id="10" name="Ink 9">
+                <a:extLst>
+                  <a:ext uri="{FF2B5EF4-FFF2-40B4-BE49-F238E27FC236}">
+                    <a16:creationId xmlns:a16="http://schemas.microsoft.com/office/drawing/2014/main" id="{42C296E6-4FCE-E4D8-FB67-E72C00E5FD43}"/>
+                  </a:ext>
+                </a:extLst>
+              </p14:cNvPr>
+              <p14:cNvContentPartPr/>
+              <p14:nvPr/>
+            </p14:nvContentPartPr>
+            <p14:xfrm>
+              <a:off x="887633" y="2617973"/>
+              <a:ext cx="679320" cy="685080"/>
+            </p14:xfrm>
+          </p:contentPart>
+        </mc:Choice>
+        <mc:Fallback>
+          <p:pic>
+            <p:nvPicPr>
+              <p:cNvPr id="10" name="Ink 9">
+                <a:extLst>
+                  <a:ext uri="{FF2B5EF4-FFF2-40B4-BE49-F238E27FC236}">
+                    <a16:creationId xmlns:a16="http://schemas.microsoft.com/office/drawing/2014/main" id="{42C296E6-4FCE-E4D8-FB67-E72C00E5FD43}"/>
+                  </a:ext>
+                </a:extLst>
+              </p:cNvPr>
+              <p:cNvPicPr/>
+              <p:nvPr/>
+            </p:nvPicPr>
+            <p:blipFill>
+              <a:blip r:embed="rId4"/>
+              <a:stretch>
+                <a:fillRect/>
+              </a:stretch>
+            </p:blipFill>
+            <p:spPr>
+              <a:xfrm>
+                <a:off x="881513" y="2611853"/>
+                <a:ext cx="691560" cy="697320"/>
+              </a:xfrm>
+              <a:prstGeom prst="rect">
+                <a:avLst/>
+              </a:prstGeom>
+            </p:spPr>
+          </p:pic>
+        </mc:Fallback>
+      </mc:AlternateContent>
+      <mc:AlternateContent xmlns:mc="http://schemas.openxmlformats.org/markup-compatibility/2006">
+        <mc:Choice xmlns:p14="http://schemas.microsoft.com/office/powerpoint/2010/main" Requires="p14">
+          <p:contentPart p14:bwMode="auto" r:id="rId5">
+            <p14:nvContentPartPr>
+              <p14:cNvPr id="11" name="Ink 10">
+                <a:extLst>
+                  <a:ext uri="{FF2B5EF4-FFF2-40B4-BE49-F238E27FC236}">
+                    <a16:creationId xmlns:a16="http://schemas.microsoft.com/office/drawing/2014/main" id="{22E69F40-8410-20BA-9CCF-ED80CEFDC15F}"/>
+                  </a:ext>
+                </a:extLst>
+              </p14:cNvPr>
+              <p14:cNvContentPartPr/>
+              <p14:nvPr/>
+            </p14:nvContentPartPr>
+            <p14:xfrm>
+              <a:off x="225953" y="2951333"/>
+              <a:ext cx="742680" cy="1907280"/>
+            </p14:xfrm>
+          </p:contentPart>
+        </mc:Choice>
+        <mc:Fallback>
+          <p:pic>
+            <p:nvPicPr>
+              <p:cNvPr id="11" name="Ink 10">
+                <a:extLst>
+                  <a:ext uri="{FF2B5EF4-FFF2-40B4-BE49-F238E27FC236}">
+                    <a16:creationId xmlns:a16="http://schemas.microsoft.com/office/drawing/2014/main" id="{22E69F40-8410-20BA-9CCF-ED80CEFDC15F}"/>
+                  </a:ext>
+                </a:extLst>
+              </p:cNvPr>
+              <p:cNvPicPr/>
+              <p:nvPr/>
+            </p:nvPicPr>
+            <p:blipFill>
+              <a:blip r:embed="rId6"/>
+              <a:stretch>
+                <a:fillRect/>
+              </a:stretch>
+            </p:blipFill>
+            <p:spPr>
+              <a:xfrm>
+                <a:off x="219833" y="2945213"/>
+                <a:ext cx="754920" cy="1919520"/>
+              </a:xfrm>
+              <a:prstGeom prst="rect">
+                <a:avLst/>
+              </a:prstGeom>
+            </p:spPr>
+          </p:pic>
+        </mc:Fallback>
+      </mc:AlternateContent>
+      <mc:AlternateContent xmlns:mc="http://schemas.openxmlformats.org/markup-compatibility/2006">
+        <mc:Choice xmlns:p14="http://schemas.microsoft.com/office/powerpoint/2010/main" Requires="p14">
+          <p:contentPart p14:bwMode="auto" r:id="rId7">
+            <p14:nvContentPartPr>
+              <p14:cNvPr id="12" name="Ink 11">
+                <a:extLst>
+                  <a:ext uri="{FF2B5EF4-FFF2-40B4-BE49-F238E27FC236}">
+                    <a16:creationId xmlns:a16="http://schemas.microsoft.com/office/drawing/2014/main" id="{140A09EE-BCD4-0A5A-1D8B-90CD11E719E4}"/>
+                  </a:ext>
+                </a:extLst>
+              </p14:cNvPr>
+              <p14:cNvContentPartPr/>
+              <p14:nvPr/>
+            </p14:nvContentPartPr>
+            <p14:xfrm>
+              <a:off x="1151153" y="4619213"/>
+              <a:ext cx="241560" cy="446760"/>
+            </p14:xfrm>
+          </p:contentPart>
+        </mc:Choice>
+        <mc:Fallback>
+          <p:pic>
+            <p:nvPicPr>
+              <p:cNvPr id="12" name="Ink 11">
+                <a:extLst>
+                  <a:ext uri="{FF2B5EF4-FFF2-40B4-BE49-F238E27FC236}">
+                    <a16:creationId xmlns:a16="http://schemas.microsoft.com/office/drawing/2014/main" id="{140A09EE-BCD4-0A5A-1D8B-90CD11E719E4}"/>
+                  </a:ext>
+                </a:extLst>
+              </p:cNvPr>
+              <p:cNvPicPr/>
+              <p:nvPr/>
+            </p:nvPicPr>
+            <p:blipFill>
+              <a:blip r:embed="rId8"/>
+              <a:stretch>
+                <a:fillRect/>
+              </a:stretch>
+            </p:blipFill>
+            <p:spPr>
+              <a:xfrm>
+                <a:off x="1145033" y="4613093"/>
+                <a:ext cx="253800" cy="459000"/>
+              </a:xfrm>
+              <a:prstGeom prst="rect">
+                <a:avLst/>
+              </a:prstGeom>
+            </p:spPr>
+          </p:pic>
+        </mc:Fallback>
+      </mc:AlternateContent>
+      <mc:AlternateContent xmlns:mc="http://schemas.openxmlformats.org/markup-compatibility/2006">
+        <mc:Choice xmlns:p14="http://schemas.microsoft.com/office/powerpoint/2010/main" Requires="p14">
+          <p:contentPart p14:bwMode="auto" r:id="rId9">
+            <p14:nvContentPartPr>
+              <p14:cNvPr id="13" name="Ink 12">
+                <a:extLst>
+                  <a:ext uri="{FF2B5EF4-FFF2-40B4-BE49-F238E27FC236}">
+                    <a16:creationId xmlns:a16="http://schemas.microsoft.com/office/drawing/2014/main" id="{F95546C3-C6A9-0497-91A8-338593B985C6}"/>
+                  </a:ext>
+                </a:extLst>
+              </p14:cNvPr>
+              <p14:cNvContentPartPr/>
+              <p14:nvPr/>
+            </p14:nvContentPartPr>
+            <p14:xfrm>
+              <a:off x="1438073" y="4397813"/>
+              <a:ext cx="90720" cy="80640"/>
+            </p14:xfrm>
+          </p:contentPart>
+        </mc:Choice>
+        <mc:Fallback>
+          <p:pic>
+            <p:nvPicPr>
+              <p:cNvPr id="13" name="Ink 12">
+                <a:extLst>
+                  <a:ext uri="{FF2B5EF4-FFF2-40B4-BE49-F238E27FC236}">
+                    <a16:creationId xmlns:a16="http://schemas.microsoft.com/office/drawing/2014/main" id="{F95546C3-C6A9-0497-91A8-338593B985C6}"/>
+                  </a:ext>
+                </a:extLst>
+              </p:cNvPr>
+              <p:cNvPicPr/>
+              <p:nvPr/>
+            </p:nvPicPr>
+            <p:blipFill>
+              <a:blip r:embed="rId10"/>
+              <a:stretch>
+                <a:fillRect/>
+              </a:stretch>
+            </p:blipFill>
+            <p:spPr>
+              <a:xfrm>
+                <a:off x="1431953" y="4391693"/>
+                <a:ext cx="102960" cy="92880"/>
+              </a:xfrm>
+              <a:prstGeom prst="rect">
+                <a:avLst/>
+              </a:prstGeom>
+            </p:spPr>
+          </p:pic>
+        </mc:Fallback>
+      </mc:AlternateContent>
+      <p:grpSp>
+        <p:nvGrpSpPr>
+          <p:cNvPr id="34" name="Group 33">
+            <a:extLst>
+              <a:ext uri="{FF2B5EF4-FFF2-40B4-BE49-F238E27FC236}">
+                <a16:creationId xmlns:a16="http://schemas.microsoft.com/office/drawing/2014/main" id="{14648D6A-1E2E-42C5-A1B2-F687B1780ED0}"/>
+              </a:ext>
+            </a:extLst>
+          </p:cNvPr>
+          <p:cNvGrpSpPr/>
+          <p:nvPr/>
+        </p:nvGrpSpPr>
+        <p:grpSpPr>
+          <a:xfrm>
+            <a:off x="1793393" y="4662413"/>
+            <a:ext cx="3061080" cy="1368360"/>
+            <a:chOff x="1793393" y="4662413"/>
+            <a:chExt cx="3061080" cy="1368360"/>
+          </a:xfrm>
+        </p:grpSpPr>
+        <mc:AlternateContent xmlns:mc="http://schemas.openxmlformats.org/markup-compatibility/2006">
+          <mc:Choice xmlns:p14="http://schemas.microsoft.com/office/powerpoint/2010/main" Requires="p14">
+            <p:contentPart p14:bwMode="auto" r:id="rId11">
+              <p14:nvContentPartPr>
+                <p14:cNvPr id="15" name="Ink 14">
+                  <a:extLst>
+                    <a:ext uri="{FF2B5EF4-FFF2-40B4-BE49-F238E27FC236}">
+                      <a16:creationId xmlns:a16="http://schemas.microsoft.com/office/drawing/2014/main" id="{EFCD6CD3-E7DF-A3C4-0ECD-01BEA34EF219}"/>
+                    </a:ext>
+                  </a:extLst>
+                </p14:cNvPr>
+                <p14:cNvContentPartPr/>
+                <p14:nvPr/>
+              </p14:nvContentPartPr>
+              <p14:xfrm>
+                <a:off x="1793393" y="4861853"/>
+                <a:ext cx="265680" cy="33120"/>
+              </p14:xfrm>
+            </p:contentPart>
+          </mc:Choice>
+          <mc:Fallback>
+            <p:pic>
+              <p:nvPicPr>
+                <p:cNvPr id="15" name="Ink 14">
+                  <a:extLst>
+                    <a:ext uri="{FF2B5EF4-FFF2-40B4-BE49-F238E27FC236}">
+                      <a16:creationId xmlns:a16="http://schemas.microsoft.com/office/drawing/2014/main" id="{EFCD6CD3-E7DF-A3C4-0ECD-01BEA34EF219}"/>
+                    </a:ext>
+                  </a:extLst>
+                </p:cNvPr>
+                <p:cNvPicPr/>
+                <p:nvPr/>
+              </p:nvPicPr>
+              <p:blipFill>
+                <a:blip r:embed="rId12"/>
+                <a:stretch>
+                  <a:fillRect/>
+                </a:stretch>
+              </p:blipFill>
+              <p:spPr>
+                <a:xfrm>
+                  <a:off x="1787273" y="4855733"/>
+                  <a:ext cx="277920" cy="45360"/>
+                </a:xfrm>
+                <a:prstGeom prst="rect">
+                  <a:avLst/>
+                </a:prstGeom>
+              </p:spPr>
+            </p:pic>
+          </mc:Fallback>
+        </mc:AlternateContent>
+        <mc:AlternateContent xmlns:mc="http://schemas.openxmlformats.org/markup-compatibility/2006">
+          <mc:Choice xmlns:p14="http://schemas.microsoft.com/office/powerpoint/2010/main" Requires="p14">
+            <p:contentPart p14:bwMode="auto" r:id="rId13">
+              <p14:nvContentPartPr>
+                <p14:cNvPr id="16" name="Ink 15">
+                  <a:extLst>
+                    <a:ext uri="{FF2B5EF4-FFF2-40B4-BE49-F238E27FC236}">
+                      <a16:creationId xmlns:a16="http://schemas.microsoft.com/office/drawing/2014/main" id="{5C879B0C-FA11-73A2-4E99-49ED12EACA68}"/>
+                    </a:ext>
+                  </a:extLst>
+                </p14:cNvPr>
+                <p14:cNvContentPartPr/>
+                <p14:nvPr/>
+              </p14:nvContentPartPr>
+              <p14:xfrm>
+                <a:off x="2158073" y="4662413"/>
+                <a:ext cx="28440" cy="339120"/>
+              </p14:xfrm>
+            </p:contentPart>
+          </mc:Choice>
+          <mc:Fallback>
+            <p:pic>
+              <p:nvPicPr>
+                <p:cNvPr id="16" name="Ink 15">
+                  <a:extLst>
+                    <a:ext uri="{FF2B5EF4-FFF2-40B4-BE49-F238E27FC236}">
+                      <a16:creationId xmlns:a16="http://schemas.microsoft.com/office/drawing/2014/main" id="{5C879B0C-FA11-73A2-4E99-49ED12EACA68}"/>
+                    </a:ext>
+                  </a:extLst>
+                </p:cNvPr>
+                <p:cNvPicPr/>
+                <p:nvPr/>
+              </p:nvPicPr>
+              <p:blipFill>
+                <a:blip r:embed="rId14"/>
+                <a:stretch>
+                  <a:fillRect/>
+                </a:stretch>
+              </p:blipFill>
+              <p:spPr>
+                <a:xfrm>
+                  <a:off x="2151953" y="4656293"/>
+                  <a:ext cx="40680" cy="351360"/>
+                </a:xfrm>
+                <a:prstGeom prst="rect">
+                  <a:avLst/>
+                </a:prstGeom>
+              </p:spPr>
+            </p:pic>
+          </mc:Fallback>
+        </mc:AlternateContent>
+        <mc:AlternateContent xmlns:mc="http://schemas.openxmlformats.org/markup-compatibility/2006">
+          <mc:Choice xmlns:p14="http://schemas.microsoft.com/office/powerpoint/2010/main" Requires="p14">
+            <p:contentPart p14:bwMode="auto" r:id="rId15">
+              <p14:nvContentPartPr>
+                <p14:cNvPr id="17" name="Ink 16">
+                  <a:extLst>
+                    <a:ext uri="{FF2B5EF4-FFF2-40B4-BE49-F238E27FC236}">
+                      <a16:creationId xmlns:a16="http://schemas.microsoft.com/office/drawing/2014/main" id="{8BC5885A-72D3-C05C-544C-4A323B9765A0}"/>
+                    </a:ext>
+                  </a:extLst>
+                </p14:cNvPr>
+                <p14:cNvContentPartPr/>
+                <p14:nvPr/>
+              </p14:nvContentPartPr>
+              <p14:xfrm>
+                <a:off x="1794113" y="5041133"/>
+                <a:ext cx="635760" cy="48960"/>
+              </p14:xfrm>
+            </p:contentPart>
+          </mc:Choice>
+          <mc:Fallback>
+            <p:pic>
+              <p:nvPicPr>
+                <p:cNvPr id="17" name="Ink 16">
+                  <a:extLst>
+                    <a:ext uri="{FF2B5EF4-FFF2-40B4-BE49-F238E27FC236}">
+                      <a16:creationId xmlns:a16="http://schemas.microsoft.com/office/drawing/2014/main" id="{8BC5885A-72D3-C05C-544C-4A323B9765A0}"/>
+                    </a:ext>
+                  </a:extLst>
+                </p:cNvPr>
+                <p:cNvPicPr/>
+                <p:nvPr/>
+              </p:nvPicPr>
+              <p:blipFill>
+                <a:blip r:embed="rId16"/>
+                <a:stretch>
+                  <a:fillRect/>
+                </a:stretch>
+              </p:blipFill>
+              <p:spPr>
+                <a:xfrm>
+                  <a:off x="1787993" y="5035013"/>
+                  <a:ext cx="648000" cy="61200"/>
+                </a:xfrm>
+                <a:prstGeom prst="rect">
+                  <a:avLst/>
+                </a:prstGeom>
+              </p:spPr>
+            </p:pic>
+          </mc:Fallback>
+        </mc:AlternateContent>
+        <mc:AlternateContent xmlns:mc="http://schemas.openxmlformats.org/markup-compatibility/2006">
+          <mc:Choice xmlns:p14="http://schemas.microsoft.com/office/powerpoint/2010/main" Requires="p14">
+            <p:contentPart p14:bwMode="auto" r:id="rId17">
+              <p14:nvContentPartPr>
+                <p14:cNvPr id="18" name="Ink 17">
+                  <a:extLst>
+                    <a:ext uri="{FF2B5EF4-FFF2-40B4-BE49-F238E27FC236}">
+                      <a16:creationId xmlns:a16="http://schemas.microsoft.com/office/drawing/2014/main" id="{B3ADAA46-4AF9-FFE6-1117-D2CF168B0954}"/>
+                    </a:ext>
+                  </a:extLst>
+                </p14:cNvPr>
+                <p14:cNvContentPartPr/>
+                <p14:nvPr/>
+              </p14:nvContentPartPr>
+              <p14:xfrm>
+                <a:off x="2164913" y="5116373"/>
+                <a:ext cx="862200" cy="370800"/>
+              </p14:xfrm>
+            </p:contentPart>
+          </mc:Choice>
+          <mc:Fallback>
+            <p:pic>
+              <p:nvPicPr>
+                <p:cNvPr id="18" name="Ink 17">
+                  <a:extLst>
+                    <a:ext uri="{FF2B5EF4-FFF2-40B4-BE49-F238E27FC236}">
+                      <a16:creationId xmlns:a16="http://schemas.microsoft.com/office/drawing/2014/main" id="{B3ADAA46-4AF9-FFE6-1117-D2CF168B0954}"/>
+                    </a:ext>
+                  </a:extLst>
+                </p:cNvPr>
+                <p:cNvPicPr/>
+                <p:nvPr/>
+              </p:nvPicPr>
+              <p:blipFill>
+                <a:blip r:embed="rId18"/>
+                <a:stretch>
+                  <a:fillRect/>
+                </a:stretch>
+              </p:blipFill>
+              <p:spPr>
+                <a:xfrm>
+                  <a:off x="2158793" y="5110253"/>
+                  <a:ext cx="874440" cy="383040"/>
+                </a:xfrm>
+                <a:prstGeom prst="rect">
+                  <a:avLst/>
+                </a:prstGeom>
+              </p:spPr>
+            </p:pic>
+          </mc:Fallback>
+        </mc:AlternateContent>
+        <mc:AlternateContent xmlns:mc="http://schemas.openxmlformats.org/markup-compatibility/2006">
+          <mc:Choice xmlns:p14="http://schemas.microsoft.com/office/powerpoint/2010/main" Requires="p14">
+            <p:contentPart p14:bwMode="auto" r:id="rId19">
+              <p14:nvContentPartPr>
+                <p14:cNvPr id="20" name="Ink 19">
+                  <a:extLst>
+                    <a:ext uri="{FF2B5EF4-FFF2-40B4-BE49-F238E27FC236}">
+                      <a16:creationId xmlns:a16="http://schemas.microsoft.com/office/drawing/2014/main" id="{1FA41165-39D5-6B30-EA8A-630EADC9D020}"/>
+                    </a:ext>
+                  </a:extLst>
+                </p14:cNvPr>
+                <p14:cNvContentPartPr/>
+                <p14:nvPr/>
+              </p14:nvContentPartPr>
+              <p14:xfrm>
+                <a:off x="3146633" y="5140133"/>
+                <a:ext cx="242280" cy="279000"/>
+              </p14:xfrm>
+            </p:contentPart>
+          </mc:Choice>
+          <mc:Fallback>
+            <p:pic>
+              <p:nvPicPr>
+                <p:cNvPr id="20" name="Ink 19">
+                  <a:extLst>
+                    <a:ext uri="{FF2B5EF4-FFF2-40B4-BE49-F238E27FC236}">
+                      <a16:creationId xmlns:a16="http://schemas.microsoft.com/office/drawing/2014/main" id="{1FA41165-39D5-6B30-EA8A-630EADC9D020}"/>
+                    </a:ext>
+                  </a:extLst>
+                </p:cNvPr>
+                <p:cNvPicPr/>
+                <p:nvPr/>
+              </p:nvPicPr>
+              <p:blipFill>
+                <a:blip r:embed="rId20"/>
+                <a:stretch>
+                  <a:fillRect/>
+                </a:stretch>
+              </p:blipFill>
+              <p:spPr>
+                <a:xfrm>
+                  <a:off x="3140513" y="5134013"/>
+                  <a:ext cx="254520" cy="291240"/>
+                </a:xfrm>
+                <a:prstGeom prst="rect">
+                  <a:avLst/>
+                </a:prstGeom>
+              </p:spPr>
+            </p:pic>
+          </mc:Fallback>
+        </mc:AlternateContent>
+        <mc:AlternateContent xmlns:mc="http://schemas.openxmlformats.org/markup-compatibility/2006">
+          <mc:Choice xmlns:p14="http://schemas.microsoft.com/office/powerpoint/2010/main" Requires="p14">
+            <p:contentPart p14:bwMode="auto" r:id="rId21">
+              <p14:nvContentPartPr>
+                <p14:cNvPr id="22" name="Ink 21">
+                  <a:extLst>
+                    <a:ext uri="{FF2B5EF4-FFF2-40B4-BE49-F238E27FC236}">
+                      <a16:creationId xmlns:a16="http://schemas.microsoft.com/office/drawing/2014/main" id="{42C9F911-527D-D913-D9E0-FE5C12138D74}"/>
+                    </a:ext>
+                  </a:extLst>
+                </p14:cNvPr>
+                <p14:cNvContentPartPr/>
+                <p14:nvPr/>
+              </p14:nvContentPartPr>
+              <p14:xfrm>
+                <a:off x="3507713" y="5156693"/>
+                <a:ext cx="193320" cy="213480"/>
+              </p14:xfrm>
+            </p:contentPart>
+          </mc:Choice>
+          <mc:Fallback>
+            <p:pic>
+              <p:nvPicPr>
+                <p:cNvPr id="22" name="Ink 21">
+                  <a:extLst>
+                    <a:ext uri="{FF2B5EF4-FFF2-40B4-BE49-F238E27FC236}">
+                      <a16:creationId xmlns:a16="http://schemas.microsoft.com/office/drawing/2014/main" id="{42C9F911-527D-D913-D9E0-FE5C12138D74}"/>
+                    </a:ext>
+                  </a:extLst>
+                </p:cNvPr>
+                <p:cNvPicPr/>
+                <p:nvPr/>
+              </p:nvPicPr>
+              <p:blipFill>
+                <a:blip r:embed="rId22"/>
+                <a:stretch>
+                  <a:fillRect/>
+                </a:stretch>
+              </p:blipFill>
+              <p:spPr>
+                <a:xfrm>
+                  <a:off x="3501593" y="5150573"/>
+                  <a:ext cx="205560" cy="225720"/>
+                </a:xfrm>
+                <a:prstGeom prst="rect">
+                  <a:avLst/>
+                </a:prstGeom>
+              </p:spPr>
+            </p:pic>
+          </mc:Fallback>
+        </mc:AlternateContent>
+        <mc:AlternateContent xmlns:mc="http://schemas.openxmlformats.org/markup-compatibility/2006">
+          <mc:Choice xmlns:p14="http://schemas.microsoft.com/office/powerpoint/2010/main" Requires="p14">
+            <p:contentPart p14:bwMode="auto" r:id="rId23">
+              <p14:nvContentPartPr>
+                <p14:cNvPr id="23" name="Ink 22">
+                  <a:extLst>
+                    <a:ext uri="{FF2B5EF4-FFF2-40B4-BE49-F238E27FC236}">
+                      <a16:creationId xmlns:a16="http://schemas.microsoft.com/office/drawing/2014/main" id="{F3F143A3-CED9-F59B-18D6-7D039619F452}"/>
+                    </a:ext>
+                  </a:extLst>
+                </p14:cNvPr>
+                <p14:cNvContentPartPr/>
+                <p14:nvPr/>
+              </p14:nvContentPartPr>
+              <p14:xfrm>
+                <a:off x="3791753" y="5217533"/>
+                <a:ext cx="7200" cy="360"/>
+              </p14:xfrm>
+            </p:contentPart>
+          </mc:Choice>
+          <mc:Fallback>
+            <p:pic>
+              <p:nvPicPr>
+                <p:cNvPr id="23" name="Ink 22">
+                  <a:extLst>
+                    <a:ext uri="{FF2B5EF4-FFF2-40B4-BE49-F238E27FC236}">
+                      <a16:creationId xmlns:a16="http://schemas.microsoft.com/office/drawing/2014/main" id="{F3F143A3-CED9-F59B-18D6-7D039619F452}"/>
+                    </a:ext>
+                  </a:extLst>
+                </p:cNvPr>
+                <p:cNvPicPr/>
+                <p:nvPr/>
+              </p:nvPicPr>
+              <p:blipFill>
+                <a:blip r:embed="rId24"/>
+                <a:stretch>
+                  <a:fillRect/>
+                </a:stretch>
+              </p:blipFill>
+              <p:spPr>
+                <a:xfrm>
+                  <a:off x="3785633" y="5211413"/>
+                  <a:ext cx="19440" cy="12600"/>
+                </a:xfrm>
+                <a:prstGeom prst="rect">
+                  <a:avLst/>
+                </a:prstGeom>
+              </p:spPr>
+            </p:pic>
+          </mc:Fallback>
+        </mc:AlternateContent>
+        <mc:AlternateContent xmlns:mc="http://schemas.openxmlformats.org/markup-compatibility/2006">
+          <mc:Choice xmlns:p14="http://schemas.microsoft.com/office/powerpoint/2010/main" Requires="p14">
+            <p:contentPart p14:bwMode="auto" r:id="rId25">
+              <p14:nvContentPartPr>
+                <p14:cNvPr id="24" name="Ink 23">
+                  <a:extLst>
+                    <a:ext uri="{FF2B5EF4-FFF2-40B4-BE49-F238E27FC236}">
+                      <a16:creationId xmlns:a16="http://schemas.microsoft.com/office/drawing/2014/main" id="{0A29072F-12B8-F27D-5E7D-36FF076BE51D}"/>
+                    </a:ext>
+                  </a:extLst>
+                </p14:cNvPr>
+                <p14:cNvContentPartPr/>
+                <p14:nvPr/>
+              </p14:nvContentPartPr>
+              <p14:xfrm>
+                <a:off x="3899753" y="5207813"/>
+                <a:ext cx="173160" cy="16560"/>
+              </p14:xfrm>
+            </p:contentPart>
+          </mc:Choice>
+          <mc:Fallback>
+            <p:pic>
+              <p:nvPicPr>
+                <p:cNvPr id="24" name="Ink 23">
+                  <a:extLst>
+                    <a:ext uri="{FF2B5EF4-FFF2-40B4-BE49-F238E27FC236}">
+                      <a16:creationId xmlns:a16="http://schemas.microsoft.com/office/drawing/2014/main" id="{0A29072F-12B8-F27D-5E7D-36FF076BE51D}"/>
+                    </a:ext>
+                  </a:extLst>
+                </p:cNvPr>
+                <p:cNvPicPr/>
+                <p:nvPr/>
+              </p:nvPicPr>
+              <p:blipFill>
+                <a:blip r:embed="rId26"/>
+                <a:stretch>
+                  <a:fillRect/>
+                </a:stretch>
+              </p:blipFill>
+              <p:spPr>
+                <a:xfrm>
+                  <a:off x="3893633" y="5201693"/>
+                  <a:ext cx="185400" cy="28800"/>
+                </a:xfrm>
+                <a:prstGeom prst="rect">
+                  <a:avLst/>
+                </a:prstGeom>
+              </p:spPr>
+            </p:pic>
+          </mc:Fallback>
+        </mc:AlternateContent>
+        <mc:AlternateContent xmlns:mc="http://schemas.openxmlformats.org/markup-compatibility/2006">
+          <mc:Choice xmlns:p14="http://schemas.microsoft.com/office/powerpoint/2010/main" Requires="p14">
+            <p:contentPart p14:bwMode="auto" r:id="rId27">
+              <p14:nvContentPartPr>
+                <p14:cNvPr id="25" name="Ink 24">
+                  <a:extLst>
+                    <a:ext uri="{FF2B5EF4-FFF2-40B4-BE49-F238E27FC236}">
+                      <a16:creationId xmlns:a16="http://schemas.microsoft.com/office/drawing/2014/main" id="{5A034768-10AA-F51A-B100-215000914838}"/>
+                    </a:ext>
+                  </a:extLst>
+                </p14:cNvPr>
+                <p14:cNvContentPartPr/>
+                <p14:nvPr/>
+              </p14:nvContentPartPr>
+              <p14:xfrm>
+                <a:off x="4275953" y="5217533"/>
+                <a:ext cx="360" cy="360"/>
+              </p14:xfrm>
+            </p:contentPart>
+          </mc:Choice>
+          <mc:Fallback>
+            <p:pic>
+              <p:nvPicPr>
+                <p:cNvPr id="25" name="Ink 24">
+                  <a:extLst>
+                    <a:ext uri="{FF2B5EF4-FFF2-40B4-BE49-F238E27FC236}">
+                      <a16:creationId xmlns:a16="http://schemas.microsoft.com/office/drawing/2014/main" id="{5A034768-10AA-F51A-B100-215000914838}"/>
+                    </a:ext>
+                  </a:extLst>
+                </p:cNvPr>
+                <p:cNvPicPr/>
+                <p:nvPr/>
+              </p:nvPicPr>
+              <p:blipFill>
+                <a:blip r:embed="rId28"/>
+                <a:stretch>
+                  <a:fillRect/>
+                </a:stretch>
+              </p:blipFill>
+              <p:spPr>
+                <a:xfrm>
+                  <a:off x="4269833" y="5211413"/>
+                  <a:ext cx="12600" cy="12600"/>
+                </a:xfrm>
+                <a:prstGeom prst="rect">
+                  <a:avLst/>
+                </a:prstGeom>
+              </p:spPr>
+            </p:pic>
+          </mc:Fallback>
+        </mc:AlternateContent>
+        <mc:AlternateContent xmlns:mc="http://schemas.openxmlformats.org/markup-compatibility/2006">
+          <mc:Choice xmlns:p14="http://schemas.microsoft.com/office/powerpoint/2010/main" Requires="p14">
+            <p:contentPart p14:bwMode="auto" r:id="rId29">
+              <p14:nvContentPartPr>
+                <p14:cNvPr id="26" name="Ink 25">
+                  <a:extLst>
+                    <a:ext uri="{FF2B5EF4-FFF2-40B4-BE49-F238E27FC236}">
+                      <a16:creationId xmlns:a16="http://schemas.microsoft.com/office/drawing/2014/main" id="{FB8C09BC-804F-401C-7EB4-F070B5C4FD89}"/>
+                    </a:ext>
+                  </a:extLst>
+                </p14:cNvPr>
+                <p14:cNvContentPartPr/>
+                <p14:nvPr/>
+              </p14:nvContentPartPr>
+              <p14:xfrm>
+                <a:off x="4410233" y="5068493"/>
+                <a:ext cx="196200" cy="205200"/>
+              </p14:xfrm>
+            </p:contentPart>
+          </mc:Choice>
+          <mc:Fallback>
+            <p:pic>
+              <p:nvPicPr>
+                <p:cNvPr id="26" name="Ink 25">
+                  <a:extLst>
+                    <a:ext uri="{FF2B5EF4-FFF2-40B4-BE49-F238E27FC236}">
+                      <a16:creationId xmlns:a16="http://schemas.microsoft.com/office/drawing/2014/main" id="{FB8C09BC-804F-401C-7EB4-F070B5C4FD89}"/>
+                    </a:ext>
+                  </a:extLst>
+                </p:cNvPr>
+                <p:cNvPicPr/>
+                <p:nvPr/>
+              </p:nvPicPr>
+              <p:blipFill>
+                <a:blip r:embed="rId30"/>
+                <a:stretch>
+                  <a:fillRect/>
+                </a:stretch>
+              </p:blipFill>
+              <p:spPr>
+                <a:xfrm>
+                  <a:off x="4404113" y="5062373"/>
+                  <a:ext cx="208440" cy="217440"/>
+                </a:xfrm>
+                <a:prstGeom prst="rect">
+                  <a:avLst/>
+                </a:prstGeom>
+              </p:spPr>
+            </p:pic>
+          </mc:Fallback>
+        </mc:AlternateContent>
+        <mc:AlternateContent xmlns:mc="http://schemas.openxmlformats.org/markup-compatibility/2006">
+          <mc:Choice xmlns:p14="http://schemas.microsoft.com/office/powerpoint/2010/main" Requires="p14">
+            <p:contentPart p14:bwMode="auto" r:id="rId31">
+              <p14:nvContentPartPr>
+                <p14:cNvPr id="27" name="Ink 26">
+                  <a:extLst>
+                    <a:ext uri="{FF2B5EF4-FFF2-40B4-BE49-F238E27FC236}">
+                      <a16:creationId xmlns:a16="http://schemas.microsoft.com/office/drawing/2014/main" id="{1412F0FB-5BEC-42F2-9353-27F60AF0C2E5}"/>
+                    </a:ext>
+                  </a:extLst>
+                </p14:cNvPr>
+                <p14:cNvContentPartPr/>
+                <p14:nvPr/>
+              </p14:nvContentPartPr>
+              <p14:xfrm>
+                <a:off x="2875913" y="5479613"/>
+                <a:ext cx="1770480" cy="227520"/>
+              </p14:xfrm>
+            </p:contentPart>
+          </mc:Choice>
+          <mc:Fallback>
+            <p:pic>
+              <p:nvPicPr>
+                <p:cNvPr id="27" name="Ink 26">
+                  <a:extLst>
+                    <a:ext uri="{FF2B5EF4-FFF2-40B4-BE49-F238E27FC236}">
+                      <a16:creationId xmlns:a16="http://schemas.microsoft.com/office/drawing/2014/main" id="{1412F0FB-5BEC-42F2-9353-27F60AF0C2E5}"/>
+                    </a:ext>
+                  </a:extLst>
+                </p:cNvPr>
+                <p:cNvPicPr/>
+                <p:nvPr/>
+              </p:nvPicPr>
+              <p:blipFill>
+                <a:blip r:embed="rId32"/>
+                <a:stretch>
+                  <a:fillRect/>
+                </a:stretch>
+              </p:blipFill>
+              <p:spPr>
+                <a:xfrm>
+                  <a:off x="2869793" y="5473493"/>
+                  <a:ext cx="1782720" cy="239760"/>
+                </a:xfrm>
+                <a:prstGeom prst="rect">
+                  <a:avLst/>
+                </a:prstGeom>
+              </p:spPr>
+            </p:pic>
+          </mc:Fallback>
+        </mc:AlternateContent>
+        <mc:AlternateContent xmlns:mc="http://schemas.openxmlformats.org/markup-compatibility/2006">
+          <mc:Choice xmlns:p14="http://schemas.microsoft.com/office/powerpoint/2010/main" Requires="p14">
+            <p:contentPart p14:bwMode="auto" r:id="rId33">
+              <p14:nvContentPartPr>
+                <p14:cNvPr id="28" name="Ink 27">
+                  <a:extLst>
+                    <a:ext uri="{FF2B5EF4-FFF2-40B4-BE49-F238E27FC236}">
+                      <a16:creationId xmlns:a16="http://schemas.microsoft.com/office/drawing/2014/main" id="{68292BF8-F7E0-1FC4-F71F-E21035438F30}"/>
+                    </a:ext>
+                  </a:extLst>
+                </p14:cNvPr>
+                <p14:cNvContentPartPr/>
+                <p14:nvPr/>
+              </p14:nvContentPartPr>
+              <p14:xfrm>
+                <a:off x="3791753" y="5776253"/>
+                <a:ext cx="276480" cy="216360"/>
+              </p14:xfrm>
+            </p:contentPart>
+          </mc:Choice>
+          <mc:Fallback>
+            <p:pic>
+              <p:nvPicPr>
+                <p:cNvPr id="28" name="Ink 27">
+                  <a:extLst>
+                    <a:ext uri="{FF2B5EF4-FFF2-40B4-BE49-F238E27FC236}">
+                      <a16:creationId xmlns:a16="http://schemas.microsoft.com/office/drawing/2014/main" id="{68292BF8-F7E0-1FC4-F71F-E21035438F30}"/>
+                    </a:ext>
+                  </a:extLst>
+                </p:cNvPr>
+                <p:cNvPicPr/>
+                <p:nvPr/>
+              </p:nvPicPr>
+              <p:blipFill>
+                <a:blip r:embed="rId34"/>
+                <a:stretch>
+                  <a:fillRect/>
+                </a:stretch>
+              </p:blipFill>
+              <p:spPr>
+                <a:xfrm>
+                  <a:off x="3785633" y="5770133"/>
+                  <a:ext cx="288720" cy="228600"/>
+                </a:xfrm>
+                <a:prstGeom prst="rect">
+                  <a:avLst/>
+                </a:prstGeom>
+              </p:spPr>
+            </p:pic>
+          </mc:Fallback>
+        </mc:AlternateContent>
+        <mc:AlternateContent xmlns:mc="http://schemas.openxmlformats.org/markup-compatibility/2006">
+          <mc:Choice xmlns:p14="http://schemas.microsoft.com/office/powerpoint/2010/main" Requires="p14">
+            <p:contentPart p14:bwMode="auto" r:id="rId35">
+              <p14:nvContentPartPr>
+                <p14:cNvPr id="30" name="Ink 29">
+                  <a:extLst>
+                    <a:ext uri="{FF2B5EF4-FFF2-40B4-BE49-F238E27FC236}">
+                      <a16:creationId xmlns:a16="http://schemas.microsoft.com/office/drawing/2014/main" id="{1C30B1D5-A215-8997-4EE3-9BC56CC5786C}"/>
+                    </a:ext>
+                  </a:extLst>
+                </p14:cNvPr>
+                <p14:cNvContentPartPr/>
+                <p14:nvPr/>
+              </p14:nvContentPartPr>
+              <p14:xfrm>
+                <a:off x="4235633" y="5759693"/>
+                <a:ext cx="404280" cy="271080"/>
+              </p14:xfrm>
+            </p:contentPart>
+          </mc:Choice>
+          <mc:Fallback>
+            <p:pic>
+              <p:nvPicPr>
+                <p:cNvPr id="30" name="Ink 29">
+                  <a:extLst>
+                    <a:ext uri="{FF2B5EF4-FFF2-40B4-BE49-F238E27FC236}">
+                      <a16:creationId xmlns:a16="http://schemas.microsoft.com/office/drawing/2014/main" id="{1C30B1D5-A215-8997-4EE3-9BC56CC5786C}"/>
+                    </a:ext>
+                  </a:extLst>
+                </p:cNvPr>
+                <p:cNvPicPr/>
+                <p:nvPr/>
+              </p:nvPicPr>
+              <p:blipFill>
+                <a:blip r:embed="rId36"/>
+                <a:stretch>
+                  <a:fillRect/>
+                </a:stretch>
+              </p:blipFill>
+              <p:spPr>
+                <a:xfrm>
+                  <a:off x="4229513" y="5753573"/>
+                  <a:ext cx="416520" cy="283320"/>
+                </a:xfrm>
+                <a:prstGeom prst="rect">
+                  <a:avLst/>
+                </a:prstGeom>
+              </p:spPr>
+            </p:pic>
+          </mc:Fallback>
+        </mc:AlternateContent>
+        <mc:AlternateContent xmlns:mc="http://schemas.openxmlformats.org/markup-compatibility/2006">
+          <mc:Choice xmlns:p14="http://schemas.microsoft.com/office/powerpoint/2010/main" Requires="p14">
+            <p:contentPart p14:bwMode="auto" r:id="rId37">
+              <p14:nvContentPartPr>
+                <p14:cNvPr id="31" name="Ink 30">
+                  <a:extLst>
+                    <a:ext uri="{FF2B5EF4-FFF2-40B4-BE49-F238E27FC236}">
+                      <a16:creationId xmlns:a16="http://schemas.microsoft.com/office/drawing/2014/main" id="{2C6410F6-CBC4-898E-52D9-FB3C3BF16147}"/>
+                    </a:ext>
+                  </a:extLst>
+                </p14:cNvPr>
+                <p14:cNvContentPartPr/>
+                <p14:nvPr/>
+              </p14:nvContentPartPr>
+              <p14:xfrm>
+                <a:off x="4632353" y="5835653"/>
+                <a:ext cx="67320" cy="87480"/>
+              </p14:xfrm>
+            </p:contentPart>
+          </mc:Choice>
+          <mc:Fallback>
+            <p:pic>
+              <p:nvPicPr>
+                <p:cNvPr id="31" name="Ink 30">
+                  <a:extLst>
+                    <a:ext uri="{FF2B5EF4-FFF2-40B4-BE49-F238E27FC236}">
+                      <a16:creationId xmlns:a16="http://schemas.microsoft.com/office/drawing/2014/main" id="{2C6410F6-CBC4-898E-52D9-FB3C3BF16147}"/>
+                    </a:ext>
+                  </a:extLst>
+                </p:cNvPr>
+                <p:cNvPicPr/>
+                <p:nvPr/>
+              </p:nvPicPr>
+              <p:blipFill>
+                <a:blip r:embed="rId38"/>
+                <a:stretch>
+                  <a:fillRect/>
+                </a:stretch>
+              </p:blipFill>
+              <p:spPr>
+                <a:xfrm>
+                  <a:off x="4626233" y="5829533"/>
+                  <a:ext cx="79560" cy="99720"/>
+                </a:xfrm>
+                <a:prstGeom prst="rect">
+                  <a:avLst/>
+                </a:prstGeom>
+              </p:spPr>
+            </p:pic>
+          </mc:Fallback>
+        </mc:AlternateContent>
+        <mc:AlternateContent xmlns:mc="http://schemas.openxmlformats.org/markup-compatibility/2006">
+          <mc:Choice xmlns:p14="http://schemas.microsoft.com/office/powerpoint/2010/main" Requires="p14">
+            <p:contentPart p14:bwMode="auto" r:id="rId39">
+              <p14:nvContentPartPr>
+                <p14:cNvPr id="32" name="Ink 31">
+                  <a:extLst>
+                    <a:ext uri="{FF2B5EF4-FFF2-40B4-BE49-F238E27FC236}">
+                      <a16:creationId xmlns:a16="http://schemas.microsoft.com/office/drawing/2014/main" id="{B89E4627-8CE2-E5A8-54CE-E53098C6801C}"/>
+                    </a:ext>
+                  </a:extLst>
+                </p14:cNvPr>
+                <p14:cNvContentPartPr/>
+                <p14:nvPr/>
+              </p14:nvContentPartPr>
+              <p14:xfrm>
+                <a:off x="4740353" y="5816933"/>
+                <a:ext cx="114120" cy="169200"/>
+              </p14:xfrm>
+            </p:contentPart>
+          </mc:Choice>
+          <mc:Fallback>
+            <p:pic>
+              <p:nvPicPr>
+                <p:cNvPr id="32" name="Ink 31">
+                  <a:extLst>
+                    <a:ext uri="{FF2B5EF4-FFF2-40B4-BE49-F238E27FC236}">
+                      <a16:creationId xmlns:a16="http://schemas.microsoft.com/office/drawing/2014/main" id="{B89E4627-8CE2-E5A8-54CE-E53098C6801C}"/>
+                    </a:ext>
+                  </a:extLst>
+                </p:cNvPr>
+                <p:cNvPicPr/>
+                <p:nvPr/>
+              </p:nvPicPr>
+              <p:blipFill>
+                <a:blip r:embed="rId40"/>
+                <a:stretch>
+                  <a:fillRect/>
+                </a:stretch>
+              </p:blipFill>
+              <p:spPr>
+                <a:xfrm>
+                  <a:off x="4734233" y="5810813"/>
+                  <a:ext cx="126360" cy="181440"/>
+                </a:xfrm>
+                <a:prstGeom prst="rect">
+                  <a:avLst/>
+                </a:prstGeom>
+              </p:spPr>
+            </p:pic>
+          </mc:Fallback>
+        </mc:AlternateContent>
+        <mc:AlternateContent xmlns:mc="http://schemas.openxmlformats.org/markup-compatibility/2006">
+          <mc:Choice xmlns:p14="http://schemas.microsoft.com/office/powerpoint/2010/main" Requires="p14">
+            <p:contentPart p14:bwMode="auto" r:id="rId41">
+              <p14:nvContentPartPr>
+                <p14:cNvPr id="33" name="Ink 32">
+                  <a:extLst>
+                    <a:ext uri="{FF2B5EF4-FFF2-40B4-BE49-F238E27FC236}">
+                      <a16:creationId xmlns:a16="http://schemas.microsoft.com/office/drawing/2014/main" id="{070C1E58-E8B8-CE07-6F18-A4A4FA191A3C}"/>
+                    </a:ext>
+                  </a:extLst>
+                </p14:cNvPr>
+                <p14:cNvContentPartPr/>
+                <p14:nvPr/>
+              </p14:nvContentPartPr>
+              <p14:xfrm>
+                <a:off x="4459193" y="5823413"/>
+                <a:ext cx="56880" cy="53280"/>
+              </p14:xfrm>
+            </p:contentPart>
+          </mc:Choice>
+          <mc:Fallback>
+            <p:pic>
+              <p:nvPicPr>
+                <p:cNvPr id="33" name="Ink 32">
+                  <a:extLst>
+                    <a:ext uri="{FF2B5EF4-FFF2-40B4-BE49-F238E27FC236}">
+                      <a16:creationId xmlns:a16="http://schemas.microsoft.com/office/drawing/2014/main" id="{070C1E58-E8B8-CE07-6F18-A4A4FA191A3C}"/>
+                    </a:ext>
+                  </a:extLst>
+                </p:cNvPr>
+                <p:cNvPicPr/>
+                <p:nvPr/>
+              </p:nvPicPr>
+              <p:blipFill>
+                <a:blip r:embed="rId42"/>
+                <a:stretch>
+                  <a:fillRect/>
+                </a:stretch>
+              </p:blipFill>
+              <p:spPr>
+                <a:xfrm>
+                  <a:off x="4453073" y="5817293"/>
+                  <a:ext cx="69120" cy="65520"/>
+                </a:xfrm>
+                <a:prstGeom prst="rect">
+                  <a:avLst/>
+                </a:prstGeom>
+              </p:spPr>
+            </p:pic>
+          </mc:Fallback>
+        </mc:AlternateContent>
+      </p:grpSp>
     </p:spTree>
     <p:extLst>
       <p:ext uri="{BB962C8B-B14F-4D97-AF65-F5344CB8AC3E}">
@@ -9205,7 +11010,7 @@
           <a:lstStyle/>
           <a:p>
             <a:r>
-              <a:rPr lang="en-US" smtClean="0"/>
+              <a:rPr lang="en-US"/>
               <a:t>Simple Linear Regression Assumptions</a:t>
             </a:r>
             <a:endParaRPr lang="en-US" dirty="0"/>
@@ -9232,47 +11037,47 @@
               <a:lstStyle/>
               <a:p>
                 <a:r>
-                  <a:rPr lang="en-US" dirty="0" smtClean="0"/>
+                  <a:rPr lang="en-US" dirty="0"/>
                   <a:t>Linearity</a:t>
                 </a:r>
               </a:p>
               <a:p>
-                <a:endParaRPr lang="en-US" dirty="0" smtClean="0"/>
+                <a:endParaRPr lang="en-US" dirty="0"/>
               </a:p>
               <a:p>
                 <a:r>
-                  <a:rPr lang="en-US" dirty="0" smtClean="0"/>
+                  <a:rPr lang="en-US" dirty="0"/>
                   <a:t>Observations are independent</a:t>
                 </a:r>
               </a:p>
               <a:p>
                 <a:pPr lvl="1"/>
                 <a:r>
-                  <a:rPr lang="en-US" dirty="0" smtClean="0"/>
+                  <a:rPr lang="en-US" dirty="0"/>
                   <a:t>Based on how data is collected.</a:t>
                 </a:r>
               </a:p>
               <a:p>
                 <a:pPr lvl="1"/>
                 <a:r>
-                  <a:rPr lang="en-US" dirty="0" smtClean="0"/>
+                  <a:rPr lang="en-US" dirty="0"/>
                   <a:t>Check by plotting residuals in the order of which the data was collected.</a:t>
                 </a:r>
               </a:p>
               <a:p>
                 <a:pPr lvl="1"/>
-                <a:endParaRPr lang="en-US" dirty="0" smtClean="0"/>
+                <a:endParaRPr lang="en-US" dirty="0"/>
               </a:p>
               <a:p>
                 <a:r>
-                  <a:rPr lang="en-US" dirty="0" smtClean="0"/>
+                  <a:rPr lang="en-US" dirty="0"/>
                   <a:t>Constant variance</a:t>
                 </a:r>
               </a:p>
               <a:p>
                 <a:pPr lvl="1"/>
                 <a:r>
-                  <a:rPr lang="en-US" dirty="0" smtClean="0"/>
+                  <a:rPr lang="en-US" dirty="0"/>
                   <a:t>Check using a residual plot (plot residuals vs. </a:t>
                 </a:r>
                 <a14:m>
@@ -9282,7 +11087,7 @@
                         <m:chr m:val="̂"/>
                         <m:ctrlPr>
                           <a:rPr lang="en-US" i="1" smtClean="0">
-                            <a:latin typeface="Cambria Math"/>
+                            <a:latin typeface="Cambria Math" panose="02040503050406030204" pitchFamily="18" charset="0"/>
                           </a:rPr>
                         </m:ctrlPr>
                       </m:accPr>
@@ -9298,7 +11103,7 @@
                   </m:oMath>
                 </a14:m>
                 <a:r>
-                  <a:rPr lang="en-US" dirty="0" smtClean="0"/>
+                  <a:rPr lang="en-US" dirty="0"/>
                   <a:t>).</a:t>
                 </a:r>
               </a:p>
@@ -9306,7 +11111,7 @@
                 <a:endParaRPr lang="en-US" dirty="0"/>
               </a:p>
               <a:p>
-                <a:endParaRPr lang="en-US" dirty="0" smtClean="0"/>
+                <a:endParaRPr lang="en-US" dirty="0"/>
               </a:p>
             </p:txBody>
           </p:sp>
@@ -9384,13 +11189,6 @@
   <p:clrMapOvr>
     <a:masterClrMapping/>
   </p:clrMapOvr>
-  <p:timing>
-    <p:tnLst>
-      <p:par>
-        <p:cTn id="1" dur="indefinite" restart="never" nodeType="tmRoot"/>
-      </p:par>
-    </p:tnLst>
-  </p:timing>
 </p:sld>
 </file>
 
@@ -9427,10 +11225,9 @@
           <a:lstStyle/>
           <a:p>
             <a:r>
-              <a:rPr lang="en-US" dirty="0" smtClean="0"/>
+              <a:rPr lang="en-US" dirty="0"/>
               <a:t>The Residual</a:t>
             </a:r>
-            <a:endParaRPr lang="en-US" dirty="0"/>
           </a:p>
         </p:txBody>
       </p:sp>
@@ -9526,7 +11323,7 @@
               <a:t>goodness of fit</a:t>
             </a:r>
             <a:r>
-              <a:rPr lang="en-US" sz="2400" dirty="0" smtClean="0"/>
+              <a:rPr lang="en-US" sz="2400" dirty="0"/>
               <a:t>.</a:t>
             </a:r>
           </a:p>
@@ -9535,10 +11332,9 @@
           </a:p>
           <a:p>
             <a:r>
-              <a:rPr lang="en-US" sz="2400" dirty="0" smtClean="0"/>
+              <a:rPr lang="en-US" sz="2400" dirty="0"/>
               <a:t>It is calculated as the difference between the actual y value and the predicted y value.</a:t>
             </a:r>
-            <a:endParaRPr lang="en-US" sz="2400" dirty="0"/>
           </a:p>
         </p:txBody>
       </p:sp>
@@ -9565,10 +11361,9 @@
           <a:lstStyle/>
           <a:p>
             <a:r>
-              <a:rPr lang="en-US" dirty="0" smtClean="0"/>
+              <a:rPr lang="en-US" dirty="0"/>
               <a:t>x</a:t>
             </a:r>
-            <a:endParaRPr lang="en-US" dirty="0"/>
           </a:p>
         </p:txBody>
       </p:sp>
@@ -9595,10 +11390,9 @@
           <a:lstStyle/>
           <a:p>
             <a:r>
-              <a:rPr lang="en-US" dirty="0" smtClean="0"/>
+              <a:rPr lang="en-US" dirty="0"/>
               <a:t>y</a:t>
             </a:r>
-            <a:endParaRPr lang="en-US" dirty="0"/>
           </a:p>
         </p:txBody>
       </p:sp>
@@ -9612,13 +11406,6 @@
   <p:clrMapOvr>
     <a:masterClrMapping/>
   </p:clrMapOvr>
-  <p:timing>
-    <p:tnLst>
-      <p:par>
-        <p:cTn id="1" dur="indefinite" restart="never" nodeType="tmRoot"/>
-      </p:par>
-    </p:tnLst>
-  </p:timing>
 </p:sld>
 </file>
 
@@ -9655,7 +11442,7 @@
           <a:lstStyle/>
           <a:p>
             <a:r>
-              <a:rPr lang="en-US" smtClean="0"/>
+              <a:rPr lang="en-US"/>
               <a:t>Diagnostics: Residual Plot</a:t>
             </a:r>
             <a:endParaRPr lang="en-US" dirty="0"/>
@@ -9678,13 +11465,13 @@
           <a:lstStyle/>
           <a:p>
             <a:r>
-              <a:rPr lang="en-US" dirty="0" smtClean="0"/>
+              <a:rPr lang="en-US" dirty="0"/>
               <a:t>A residual plot is used to check the assumption of constant variance and to check model fit (is a line a good fit). </a:t>
             </a:r>
           </a:p>
           <a:p>
             <a:r>
-              <a:rPr lang="en-US" dirty="0" smtClean="0"/>
+              <a:rPr lang="en-US" dirty="0"/>
               <a:t>Good residual plot: no pattern</a:t>
             </a:r>
           </a:p>
@@ -9796,13 +11583,6 @@
   <p:clrMapOvr>
     <a:masterClrMapping/>
   </p:clrMapOvr>
-  <p:timing>
-    <p:tnLst>
-      <p:par>
-        <p:cTn id="1" dur="indefinite" restart="never" nodeType="tmRoot"/>
-      </p:par>
-    </p:tnLst>
-  </p:timing>
 </p:sld>
 </file>
 
@@ -9839,7 +11619,7 @@
           <a:lstStyle/>
           <a:p>
             <a:r>
-              <a:rPr lang="en-US" smtClean="0"/>
+              <a:rPr lang="en-US"/>
               <a:t>Diagnostics</a:t>
             </a:r>
             <a:endParaRPr lang="en-US" dirty="0"/>
@@ -9862,13 +11642,13 @@
           <a:lstStyle/>
           <a:p>
             <a:r>
-              <a:rPr lang="en-US" smtClean="0"/>
+              <a:rPr lang="en-US"/>
               <a:t>Left: Residuals show non-constant variance.</a:t>
             </a:r>
           </a:p>
           <a:p>
             <a:r>
-              <a:rPr lang="en-US" smtClean="0"/>
+              <a:rPr lang="en-US"/>
               <a:t>Right: Residuals show non-linear pattern. </a:t>
             </a:r>
             <a:endParaRPr lang="en-US" dirty="0"/>
@@ -10042,13 +11822,6 @@
   <p:clrMapOvr>
     <a:masterClrMapping/>
   </p:clrMapOvr>
-  <p:timing>
-    <p:tnLst>
-      <p:par>
-        <p:cTn id="1" dur="indefinite" restart="never" nodeType="tmRoot"/>
-      </p:par>
-    </p:tnLst>
-  </p:timing>
 </p:sld>
 </file>
 
@@ -10085,10 +11858,9 @@
           <a:lstStyle/>
           <a:p>
             <a:r>
-              <a:rPr lang="en-US" dirty="0" smtClean="0"/>
+              <a:rPr lang="en-US" dirty="0"/>
               <a:t>Test for Parameters (F-test)</a:t>
             </a:r>
-            <a:endParaRPr lang="en-US" dirty="0"/>
           </a:p>
         </p:txBody>
       </p:sp>
@@ -10112,7 +11884,7 @@
               <a:lstStyle/>
               <a:p>
                 <a:r>
-                  <a:rPr lang="en-US" dirty="0" smtClean="0"/>
+                  <a:rPr lang="en-US" dirty="0"/>
                   <a:t>Test whether the true y-intercept is different from 0.</a:t>
                 </a:r>
               </a:p>
@@ -10124,7 +11896,7 @@
                       <m:sSubPr>
                         <m:ctrlPr>
                           <a:rPr lang="en-US" i="1">
-                            <a:latin typeface="Cambria Math"/>
+                            <a:latin typeface="Cambria Math" panose="02040503050406030204" pitchFamily="18" charset="0"/>
                           </a:rPr>
                         </m:ctrlPr>
                       </m:sSubPr>
@@ -10158,7 +11930,7 @@
                       <m:sSubPr>
                         <m:ctrlPr>
                           <a:rPr lang="en-US" i="1">
-                            <a:latin typeface="Cambria Math"/>
+                            <a:latin typeface="Cambria Math" panose="02040503050406030204" pitchFamily="18" charset="0"/>
                           </a:rPr>
                         </m:ctrlPr>
                       </m:sSubPr>
@@ -10183,13 +11955,7 @@
                       <a:rPr lang="en-US" i="1">
                         <a:latin typeface="Cambria Math"/>
                       </a:rPr>
-                      <m:t>=</m:t>
-                    </m:r>
-                    <m:r>
-                      <a:rPr lang="en-US" i="1">
-                        <a:latin typeface="Cambria Math"/>
-                      </a:rPr>
-                      <m:t>0</m:t>
+                      <m:t>=0</m:t>
                     </m:r>
                   </m:oMath>
                 </a14:m>
@@ -10209,7 +11975,7 @@
                       <m:sSubPr>
                         <m:ctrlPr>
                           <a:rPr lang="en-US" i="1">
-                            <a:latin typeface="Cambria Math"/>
+                            <a:latin typeface="Cambria Math" panose="02040503050406030204" pitchFamily="18" charset="0"/>
                           </a:rPr>
                         </m:ctrlPr>
                       </m:sSubPr>
@@ -10240,7 +12006,7 @@
                       <m:sSubPr>
                         <m:ctrlPr>
                           <a:rPr lang="en-US" i="1">
-                            <a:latin typeface="Cambria Math"/>
+                            <a:latin typeface="Cambria Math" panose="02040503050406030204" pitchFamily="18" charset="0"/>
                           </a:rPr>
                         </m:ctrlPr>
                       </m:sSubPr>
@@ -10265,26 +12031,16 @@
                       <a:rPr lang="en-US" i="1">
                         <a:latin typeface="Cambria Math"/>
                       </a:rPr>
-                      <m:t>≠</m:t>
-                    </m:r>
-                    <m:r>
-                      <a:rPr lang="en-US" i="1">
-                        <a:latin typeface="Cambria Math"/>
-                      </a:rPr>
-                      <m:t>0</m:t>
+                      <m:t>≠0</m:t>
                     </m:r>
                   </m:oMath>
                 </a14:m>
-                <a:endParaRPr lang="en-US" dirty="0" smtClean="0"/>
+                <a:endParaRPr lang="en-US" dirty="0"/>
               </a:p>
               <a:p>
                 <a:r>
                   <a:rPr lang="en-US" dirty="0"/>
-                  <a:t>T</a:t>
-                </a:r>
-                <a:r>
-                  <a:rPr lang="en-US" dirty="0" smtClean="0"/>
-                  <a:t>est whether the true slope is different from 0.</a:t>
+                  <a:t>Test whether the true slope is different from 0.</a:t>
                 </a:r>
               </a:p>
               <a:p>
@@ -10295,7 +12051,7 @@
                       <m:sSubPr>
                         <m:ctrlPr>
                           <a:rPr lang="en-US" b="0" i="1" smtClean="0">
-                            <a:latin typeface="Cambria Math"/>
+                            <a:latin typeface="Cambria Math" panose="02040503050406030204" pitchFamily="18" charset="0"/>
                           </a:rPr>
                         </m:ctrlPr>
                       </m:sSubPr>
@@ -10329,7 +12085,7 @@
                       <m:sSubPr>
                         <m:ctrlPr>
                           <a:rPr lang="en-US" b="0" i="1" smtClean="0">
-                            <a:latin typeface="Cambria Math"/>
+                            <a:latin typeface="Cambria Math" panose="02040503050406030204" pitchFamily="18" charset="0"/>
                           </a:rPr>
                         </m:ctrlPr>
                       </m:sSubPr>
@@ -10354,24 +12110,18 @@
                       <a:rPr lang="en-US" b="0" i="1" smtClean="0">
                         <a:latin typeface="Cambria Math"/>
                       </a:rPr>
-                      <m:t>=</m:t>
-                    </m:r>
-                    <m:r>
-                      <a:rPr lang="en-US" b="0" i="1" smtClean="0">
-                        <a:latin typeface="Cambria Math"/>
-                      </a:rPr>
-                      <m:t>0</m:t>
+                      <m:t>=0</m:t>
                     </m:r>
                   </m:oMath>
                 </a14:m>
-                <a:endParaRPr lang="en-US" b="0" dirty="0" smtClean="0"/>
+                <a:endParaRPr lang="en-US" b="0" dirty="0"/>
               </a:p>
               <a:p>
                 <a:pPr marL="365760" lvl="1" indent="0">
                   <a:buNone/>
                 </a:pPr>
                 <a:r>
-                  <a:rPr lang="en-US" dirty="0" smtClean="0"/>
+                  <a:rPr lang="en-US" dirty="0"/>
                   <a:t>    </a:t>
                 </a:r>
                 <a14:m>
@@ -10380,7 +12130,7 @@
                       <m:sSubPr>
                         <m:ctrlPr>
                           <a:rPr lang="en-US" b="0" i="1" smtClean="0">
-                            <a:latin typeface="Cambria Math"/>
+                            <a:latin typeface="Cambria Math" panose="02040503050406030204" pitchFamily="18" charset="0"/>
                           </a:rPr>
                         </m:ctrlPr>
                       </m:sSubPr>
@@ -10411,7 +12161,7 @@
                       <m:sSubPr>
                         <m:ctrlPr>
                           <a:rPr lang="en-US" b="0" i="1" smtClean="0">
-                            <a:latin typeface="Cambria Math"/>
+                            <a:latin typeface="Cambria Math" panose="02040503050406030204" pitchFamily="18" charset="0"/>
                           </a:rPr>
                         </m:ctrlPr>
                       </m:sSubPr>
@@ -10436,22 +12186,16 @@
                       <a:rPr lang="en-US" b="0" i="1" smtClean="0">
                         <a:latin typeface="Cambria Math"/>
                       </a:rPr>
-                      <m:t>≠</m:t>
-                    </m:r>
-                    <m:r>
-                      <a:rPr lang="en-US" b="0" i="1" smtClean="0">
-                        <a:latin typeface="Cambria Math"/>
-                      </a:rPr>
-                      <m:t>0</m:t>
+                      <m:t>≠0</m:t>
                     </m:r>
                   </m:oMath>
                 </a14:m>
-                <a:endParaRPr lang="en-US" b="0" dirty="0" smtClean="0"/>
+                <a:endParaRPr lang="en-US" b="0" dirty="0"/>
               </a:p>
               <a:p>
                 <a:pPr lvl="1"/>
                 <a:r>
-                  <a:rPr lang="en-US" dirty="0" smtClean="0"/>
+                  <a:rPr lang="en-US" dirty="0"/>
                   <a:t>Note: For simple linear regression this test is equivalent to the overall F-test (p-value).</a:t>
                 </a:r>
               </a:p>
@@ -10533,13 +12277,6 @@
   <p:clrMapOvr>
     <a:masterClrMapping/>
   </p:clrMapOvr>
-  <p:timing>
-    <p:tnLst>
-      <p:par>
-        <p:cTn id="1" dur="indefinite" restart="never" nodeType="tmRoot"/>
-      </p:par>
-    </p:tnLst>
-  </p:timing>
 </p:sld>
 </file>
 
@@ -10576,10 +12313,9 @@
           <a:lstStyle/>
           <a:p>
             <a:r>
-              <a:rPr lang="en-US" dirty="0" smtClean="0"/>
+              <a:rPr lang="en-US" dirty="0"/>
               <a:t>Linear Regression Example</a:t>
             </a:r>
-            <a:endParaRPr lang="en-US" dirty="0"/>
           </a:p>
         </p:txBody>
       </p:sp>
@@ -10630,21 +12366,16 @@
             </a:r>
             <a:r>
               <a:rPr lang="en-US" dirty="0"/>
-              <a:t>(n); </a:t>
-            </a:r>
-            <a:r>
-              <a:rPr lang="en-US" dirty="0" smtClean="0"/>
-              <a:t> x2&lt;-</a:t>
-            </a:r>
-            <a:r>
-              <a:rPr lang="en-US" dirty="0" err="1" smtClean="0"/>
+              <a:t>(n);  x2&lt;-</a:t>
+            </a:r>
+            <a:r>
+              <a:rPr lang="en-US" dirty="0" err="1"/>
               <a:t>rnorm</a:t>
             </a:r>
             <a:r>
-              <a:rPr lang="en-US" dirty="0" smtClean="0"/>
+              <a:rPr lang="en-US" dirty="0"/>
               <a:t>(n);</a:t>
             </a:r>
-            <a:endParaRPr lang="en-US" dirty="0"/>
           </a:p>
           <a:p>
             <a:pPr marL="0" indent="0">
@@ -10655,16 +12386,12 @@
               <a:t>y &lt;- x1 + </a:t>
             </a:r>
             <a:r>
-              <a:rPr lang="en-US" dirty="0" err="1" smtClean="0"/>
+              <a:rPr lang="en-US" dirty="0" err="1"/>
               <a:t>rnorm</a:t>
             </a:r>
             <a:r>
-              <a:rPr lang="en-US" dirty="0" smtClean="0"/>
-              <a:t>(n</a:t>
-            </a:r>
-            <a:r>
-              <a:rPr lang="en-US" dirty="0"/>
-              <a:t>, </a:t>
+              <a:rPr lang="en-US" dirty="0"/>
+              <a:t>(n, </a:t>
             </a:r>
             <a:r>
               <a:rPr lang="en-US" dirty="0" err="1"/>
@@ -10680,16 +12407,8 @@
               <a:buNone/>
             </a:pPr>
             <a:r>
-              <a:rPr lang="en-US" dirty="0" smtClean="0"/>
-              <a:t>fit1</a:t>
-            </a:r>
-            <a:r>
-              <a:rPr lang="en-US" dirty="0"/>
-              <a:t>&lt;-lm(y~x1</a:t>
-            </a:r>
-            <a:r>
-              <a:rPr lang="en-US" dirty="0" smtClean="0"/>
-              <a:t>)</a:t>
+              <a:rPr lang="en-US" dirty="0"/>
+              <a:t>fit1&lt;-lm(y~x1)</a:t>
             </a:r>
           </a:p>
           <a:p>
@@ -10697,7 +12416,7 @@
               <a:buNone/>
             </a:pPr>
             <a:r>
-              <a:rPr lang="en-US" dirty="0" smtClean="0"/>
+              <a:rPr lang="en-US" dirty="0"/>
               <a:t>summary(fit1)</a:t>
             </a:r>
           </a:p>
@@ -10707,11 +12426,7 @@
             </a:pPr>
             <a:r>
               <a:rPr lang="en-US" dirty="0"/>
-              <a:t>p</a:t>
-            </a:r>
-            <a:r>
-              <a:rPr lang="en-US" dirty="0" smtClean="0"/>
-              <a:t>lot(x1, fit1$residuals); </a:t>
+              <a:t>plot(x1, fit1$residuals); </a:t>
             </a:r>
             <a:r>
               <a:rPr lang="en-US" dirty="0" err="1"/>
@@ -10721,30 +12436,28 @@
               <a:rPr lang="en-US" dirty="0"/>
               <a:t>(a=0,b=0,col="red")</a:t>
             </a:r>
-            <a:endParaRPr lang="en-US" dirty="0" smtClean="0"/>
           </a:p>
           <a:p>
             <a:pPr marL="0" indent="0">
               <a:buNone/>
             </a:pPr>
-            <a:endParaRPr lang="en-US" dirty="0" smtClean="0"/>
+            <a:endParaRPr lang="en-US" dirty="0"/>
           </a:p>
           <a:p>
             <a:pPr marL="0" indent="0">
               <a:buNone/>
             </a:pPr>
             <a:r>
-              <a:rPr lang="en-US" dirty="0" smtClean="0"/>
+              <a:rPr lang="en-US" dirty="0"/>
               <a:t>#trial</a:t>
             </a:r>
-            <a:endParaRPr lang="en-US" dirty="0"/>
           </a:p>
           <a:p>
             <a:pPr marL="0" indent="0">
               <a:buNone/>
             </a:pPr>
             <a:r>
-              <a:rPr lang="en-US" dirty="0" smtClean="0"/>
+              <a:rPr lang="en-US" dirty="0"/>
               <a:t>fit2&lt;-lm(y~x2)</a:t>
             </a:r>
           </a:p>
@@ -10753,7 +12466,7 @@
               <a:buNone/>
             </a:pPr>
             <a:r>
-              <a:rPr lang="en-US" dirty="0" smtClean="0"/>
+              <a:rPr lang="en-US" dirty="0"/>
               <a:t>plot(x2,fit2$residuals); </a:t>
             </a:r>
             <a:r>
@@ -10762,18 +12475,14 @@
             </a:r>
             <a:r>
               <a:rPr lang="en-US" dirty="0"/>
-              <a:t>(a=0,b=0,col="red</a:t>
-            </a:r>
-            <a:r>
-              <a:rPr lang="en-US" dirty="0" smtClean="0"/>
-              <a:t>")</a:t>
+              <a:t>(a=0,b=0,col="red")</a:t>
             </a:r>
           </a:p>
           <a:p>
             <a:pPr marL="0" indent="0">
               <a:buNone/>
             </a:pPr>
-            <a:endParaRPr lang="en-US" dirty="0" smtClean="0"/>
+            <a:endParaRPr lang="en-US" dirty="0"/>
           </a:p>
         </p:txBody>
       </p:sp>
@@ -10810,13 +12519,6 @@
   <p:clrMapOvr>
     <a:masterClrMapping/>
   </p:clrMapOvr>
-  <p:timing>
-    <p:tnLst>
-      <p:par>
-        <p:cTn id="1" dur="indefinite" restart="never" nodeType="tmRoot"/>
-      </p:par>
-    </p:tnLst>
-  </p:timing>
 </p:sld>
 </file>
 
@@ -10853,10 +12555,9 @@
           <a:lstStyle/>
           <a:p>
             <a:r>
-              <a:rPr lang="en-US" dirty="0" smtClean="0"/>
+              <a:rPr lang="en-US" dirty="0"/>
               <a:t>Residual Plots</a:t>
             </a:r>
-            <a:endParaRPr lang="en-US" dirty="0"/>
           </a:p>
         </p:txBody>
       </p:sp>
@@ -10997,13 +12698,6 @@
   <p:clrMapOvr>
     <a:masterClrMapping/>
   </p:clrMapOvr>
-  <p:timing>
-    <p:tnLst>
-      <p:par>
-        <p:cTn id="1" dur="indefinite" restart="never" nodeType="tmRoot"/>
-      </p:par>
-    </p:tnLst>
-  </p:timing>
 </p:sld>
 </file>
 
@@ -11040,7 +12734,7 @@
           <a:lstStyle/>
           <a:p>
             <a:r>
-              <a:rPr lang="en-US" smtClean="0"/>
+              <a:rPr lang="en-US"/>
               <a:t>Regression</a:t>
             </a:r>
             <a:endParaRPr lang="en-US" dirty="0"/>
@@ -11065,20 +12759,20 @@
           <a:lstStyle/>
           <a:p>
             <a:r>
-              <a:rPr lang="en-US" dirty="0" smtClean="0"/>
+              <a:rPr lang="en-US" dirty="0"/>
               <a:t>Regression focuses on the relationship between an outcome and its input variables.</a:t>
             </a:r>
           </a:p>
           <a:p>
             <a:pPr lvl="1"/>
             <a:r>
-              <a:rPr lang="en-US" dirty="0" smtClean="0"/>
+              <a:rPr lang="en-US" dirty="0"/>
               <a:t>In other words, we don't just predict the outcome, we also have a sense of how changes in individual drivers affect the outcome.</a:t>
             </a:r>
           </a:p>
           <a:p>
             <a:r>
-              <a:rPr lang="en-US" dirty="0" smtClean="0"/>
+              <a:rPr lang="en-US" dirty="0"/>
               <a:t>Examples:</a:t>
             </a:r>
           </a:p>
@@ -11104,7 +12798,7 @@
             </a:r>
           </a:p>
           <a:p>
-            <a:endParaRPr lang="en-US" dirty="0" smtClean="0"/>
+            <a:endParaRPr lang="en-US" dirty="0"/>
           </a:p>
         </p:txBody>
       </p:sp>
@@ -11118,13 +12812,6 @@
   <p:clrMapOvr>
     <a:masterClrMapping/>
   </p:clrMapOvr>
-  <p:timing>
-    <p:tnLst>
-      <p:par>
-        <p:cTn id="1" dur="indefinite" restart="never" nodeType="tmRoot"/>
-      </p:par>
-    </p:tnLst>
-  </p:timing>
 </p:sld>
 </file>
 
@@ -11161,10 +12848,9 @@
           <a:lstStyle/>
           <a:p>
             <a:r>
-              <a:rPr lang="en-US" dirty="0" smtClean="0"/>
+              <a:rPr lang="en-US" dirty="0"/>
               <a:t>Model Summary</a:t>
             </a:r>
-            <a:endParaRPr lang="en-US" dirty="0"/>
           </a:p>
         </p:txBody>
       </p:sp>
@@ -11197,23 +12883,14 @@
               <a:rPr lang="en-US" dirty="0"/>
               <a:t>Call: lm(formula = y ~ x1) </a:t>
             </a:r>
-            <a:endParaRPr lang="en-US" dirty="0" smtClean="0"/>
           </a:p>
           <a:p>
             <a:pPr marL="0" indent="0">
               <a:buNone/>
             </a:pPr>
             <a:r>
-              <a:rPr lang="en-US" dirty="0" smtClean="0"/>
-              <a:t>Residuals</a:t>
-            </a:r>
-            <a:r>
-              <a:rPr lang="en-US" dirty="0"/>
-              <a:t>: Min </a:t>
-            </a:r>
-            <a:r>
-              <a:rPr lang="en-US" dirty="0" smtClean="0"/>
-              <a:t>	          1Q             Median   3Q             Max </a:t>
+              <a:rPr lang="en-US" dirty="0"/>
+              <a:t>Residuals: Min 	          1Q             Median   3Q             Max </a:t>
             </a:r>
           </a:p>
           <a:p>
@@ -11221,16 +12898,8 @@
               <a:buNone/>
             </a:pPr>
             <a:r>
-              <a:rPr lang="en-US" dirty="0" smtClean="0"/>
+              <a:rPr lang="en-US" dirty="0"/>
               <a:t>	</a:t>
-            </a:r>
-            <a:r>
-              <a:rPr lang="en-US" b="1" dirty="0" smtClean="0">
-                <a:solidFill>
-                  <a:srgbClr val="FF0000"/>
-                </a:solidFill>
-              </a:rPr>
-              <a:t>    -</a:t>
             </a:r>
             <a:r>
               <a:rPr lang="en-US" b="1" dirty="0">
@@ -11238,30 +12907,14 @@
                   <a:srgbClr val="FF0000"/>
                 </a:solidFill>
               </a:rPr>
-              <a:t>0.82764 </a:t>
-            </a:r>
-            <a:r>
-              <a:rPr lang="en-US" b="1" dirty="0" smtClean="0">
-                <a:solidFill>
-                  <a:srgbClr val="FF0000"/>
-                </a:solidFill>
-              </a:rPr>
-              <a:t>  </a:t>
-            </a:r>
-            <a:r>
-              <a:rPr lang="en-US" dirty="0" smtClean="0"/>
-              <a:t>-</a:t>
-            </a:r>
-            <a:r>
-              <a:rPr lang="en-US" dirty="0"/>
-              <a:t>0.19950 </a:t>
-            </a:r>
-            <a:r>
-              <a:rPr lang="en-US" dirty="0" smtClean="0"/>
-              <a:t>  0.03874   0.19408   </a:t>
-            </a:r>
-            <a:r>
-              <a:rPr lang="en-US" b="1" dirty="0" smtClean="0">
+              <a:t>    -0.82764   </a:t>
+            </a:r>
+            <a:r>
+              <a:rPr lang="en-US" dirty="0"/>
+              <a:t>-0.19950   0.03874   0.19408   </a:t>
+            </a:r>
+            <a:r>
+              <a:rPr lang="en-US" b="1" dirty="0">
                 <a:solidFill>
                   <a:srgbClr val="FF0000"/>
                 </a:solidFill>
@@ -11269,7 +12922,7 @@
               <a:t>0.62315</a:t>
             </a:r>
             <a:r>
-              <a:rPr lang="en-US" dirty="0" smtClean="0"/>
+              <a:rPr lang="en-US" dirty="0"/>
               <a:t> </a:t>
             </a:r>
           </a:p>
@@ -11277,61 +12930,32 @@
             <a:pPr marL="0" indent="0">
               <a:buNone/>
             </a:pPr>
-            <a:endParaRPr lang="en-US" dirty="0" smtClean="0"/>
+            <a:endParaRPr lang="en-US" dirty="0"/>
           </a:p>
           <a:p>
             <a:pPr marL="0" indent="0">
               <a:buNone/>
             </a:pPr>
             <a:r>
-              <a:rPr lang="en-US" dirty="0" smtClean="0"/>
-              <a:t>Coefficients</a:t>
-            </a:r>
-            <a:r>
-              <a:rPr lang="en-US" dirty="0"/>
-              <a:t>: Estimate </a:t>
-            </a:r>
-            <a:r>
-              <a:rPr lang="en-US" dirty="0" smtClean="0"/>
-              <a:t>  Std</a:t>
-            </a:r>
-            <a:r>
-              <a:rPr lang="en-US" dirty="0"/>
-              <a:t>. Error </a:t>
-            </a:r>
-            <a:r>
-              <a:rPr lang="en-US" dirty="0" smtClean="0"/>
-              <a:t>     t </a:t>
-            </a:r>
-            <a:r>
-              <a:rPr lang="en-US" dirty="0"/>
-              <a:t>value </a:t>
-            </a:r>
-            <a:r>
-              <a:rPr lang="en-US" dirty="0" smtClean="0"/>
-              <a:t>   </a:t>
-            </a:r>
-            <a:r>
-              <a:rPr lang="en-US" dirty="0" err="1" smtClean="0"/>
+              <a:rPr lang="en-US" dirty="0"/>
+              <a:t>Coefficients: Estimate   Std. Error      t value    </a:t>
+            </a:r>
+            <a:r>
+              <a:rPr lang="en-US" dirty="0" err="1"/>
               <a:t>Pr</a:t>
             </a:r>
             <a:r>
               <a:rPr lang="en-US" dirty="0"/>
               <a:t>(&gt;|t|) </a:t>
             </a:r>
-            <a:endParaRPr lang="en-US" dirty="0" smtClean="0"/>
           </a:p>
           <a:p>
             <a:pPr marL="0" indent="0">
               <a:buNone/>
             </a:pPr>
             <a:r>
-              <a:rPr lang="en-US" dirty="0" smtClean="0"/>
-              <a:t>(</a:t>
-            </a:r>
-            <a:r>
-              <a:rPr lang="en-US" dirty="0"/>
-              <a:t>Intercept) </a:t>
+              <a:rPr lang="en-US" dirty="0"/>
+              <a:t>(Intercept) </a:t>
             </a:r>
             <a:r>
               <a:rPr lang="en-US" b="1" dirty="0">
@@ -11339,27 +12963,11 @@
                   <a:srgbClr val="FF0000"/>
                 </a:solidFill>
               </a:rPr>
-              <a:t>-0.0009003 </a:t>
-            </a:r>
-            <a:r>
-              <a:rPr lang="en-US" b="1" dirty="0" smtClean="0">
-                <a:solidFill>
-                  <a:srgbClr val="FF0000"/>
-                </a:solidFill>
-              </a:rPr>
-              <a:t> </a:t>
-            </a:r>
-            <a:r>
-              <a:rPr lang="en-US" dirty="0" smtClean="0"/>
-              <a:t>0.0295453   -</a:t>
-            </a:r>
-            <a:r>
-              <a:rPr lang="en-US" dirty="0"/>
-              <a:t>0.03 </a:t>
-            </a:r>
-            <a:r>
-              <a:rPr lang="en-US" dirty="0" smtClean="0"/>
-              <a:t>      0.976 </a:t>
+              <a:t>-0.0009003  </a:t>
+            </a:r>
+            <a:r>
+              <a:rPr lang="en-US" dirty="0"/>
+              <a:t>0.0295453   -0.03       0.976 </a:t>
             </a:r>
           </a:p>
           <a:p>
@@ -11367,11 +12975,11 @@
               <a:buNone/>
             </a:pPr>
             <a:r>
-              <a:rPr lang="en-US" dirty="0" smtClean="0"/>
+              <a:rPr lang="en-US" dirty="0"/>
               <a:t>x1                </a:t>
             </a:r>
             <a:r>
-              <a:rPr lang="en-US" b="1" dirty="0" smtClean="0">
+              <a:rPr lang="en-US" b="1" dirty="0">
                 <a:solidFill>
                   <a:srgbClr val="FF0000"/>
                 </a:solidFill>
@@ -11379,19 +12987,11 @@
               <a:t>1.0125675</a:t>
             </a:r>
             <a:r>
-              <a:rPr lang="en-US" dirty="0" smtClean="0"/>
-              <a:t>   0.0309821   32.68      &lt;</a:t>
-            </a:r>
-            <a:r>
-              <a:rPr lang="en-US" dirty="0"/>
-              <a:t>2e-16 </a:t>
-            </a:r>
-            <a:r>
-              <a:rPr lang="en-US" dirty="0" smtClean="0"/>
-              <a:t>  </a:t>
-            </a:r>
-            <a:r>
-              <a:rPr lang="en-US" b="1" dirty="0" smtClean="0">
+              <a:rPr lang="en-US" dirty="0"/>
+              <a:t>   0.0309821   32.68      &lt;2e-16   </a:t>
+            </a:r>
+            <a:r>
+              <a:rPr lang="en-US" b="1" dirty="0">
                 <a:solidFill>
                   <a:srgbClr val="FF0000"/>
                 </a:solidFill>
@@ -11399,7 +12999,7 @@
               <a:t>***</a:t>
             </a:r>
             <a:r>
-              <a:rPr lang="en-US" dirty="0" smtClean="0"/>
+              <a:rPr lang="en-US" dirty="0"/>
               <a:t> </a:t>
             </a:r>
           </a:p>
@@ -11414,7 +13014,7 @@
               <a:buNone/>
             </a:pPr>
             <a:r>
-              <a:rPr lang="en-US" dirty="0" smtClean="0"/>
+              <a:rPr lang="en-US" dirty="0"/>
               <a:t>--- </a:t>
             </a:r>
             <a:r>
@@ -11423,29 +13023,16 @@
             </a:r>
             <a:r>
               <a:rPr lang="en-US" dirty="0"/>
-              <a:t>. </a:t>
-            </a:r>
-            <a:r>
-              <a:rPr lang="en-US" dirty="0" smtClean="0"/>
-              <a:t>codes</a:t>
-            </a:r>
-            <a:r>
-              <a:rPr lang="en-US" dirty="0"/>
-              <a:t>: 0 ‘***’ 0.001 ‘**’ 0.01 ‘*’ 0.05 ‘.’ 0.1 ‘ ’ 1 </a:t>
-            </a:r>
-            <a:endParaRPr lang="en-US" dirty="0" smtClean="0"/>
+              <a:t>. codes: 0 ‘***’ 0.001 ‘**’ 0.01 ‘*’ 0.05 ‘.’ 0.1 ‘ ’ 1 </a:t>
+            </a:r>
           </a:p>
           <a:p>
             <a:pPr marL="0" indent="0">
               <a:buNone/>
             </a:pPr>
             <a:r>
-              <a:rPr lang="en-US" dirty="0" smtClean="0"/>
-              <a:t>Residual </a:t>
-            </a:r>
-            <a:r>
-              <a:rPr lang="en-US" dirty="0"/>
-              <a:t>standard error: </a:t>
+              <a:rPr lang="en-US" dirty="0"/>
+              <a:t>Residual standard error: </a:t>
             </a:r>
             <a:r>
               <a:rPr lang="en-US" b="1" dirty="0">
@@ -11459,19 +13046,14 @@
               <a:rPr lang="en-US" dirty="0"/>
               <a:t>on 98 degrees of freedom </a:t>
             </a:r>
-            <a:endParaRPr lang="en-US" dirty="0" smtClean="0"/>
           </a:p>
           <a:p>
             <a:pPr marL="0" indent="0">
               <a:buNone/>
             </a:pPr>
             <a:r>
-              <a:rPr lang="en-US" dirty="0" smtClean="0"/>
-              <a:t>Multiple </a:t>
-            </a:r>
-            <a:r>
-              <a:rPr lang="en-US" dirty="0"/>
-              <a:t>R-squared: 0.916, </a:t>
+              <a:rPr lang="en-US" dirty="0"/>
+              <a:t>Multiple R-squared: 0.916, </a:t>
             </a:r>
             <a:r>
               <a:rPr lang="en-US" b="1" dirty="0">
@@ -11481,29 +13063,20 @@
               </a:rPr>
               <a:t>Adjusted R-squared: 0.9151 </a:t>
             </a:r>
-            <a:endParaRPr lang="en-US" b="1" dirty="0" smtClean="0">
-              <a:solidFill>
-                <a:srgbClr val="FF0000"/>
-              </a:solidFill>
-            </a:endParaRPr>
           </a:p>
           <a:p>
             <a:pPr marL="0" indent="0">
               <a:buNone/>
             </a:pPr>
-            <a:endParaRPr lang="en-US" dirty="0" smtClean="0"/>
+            <a:endParaRPr lang="en-US" dirty="0"/>
           </a:p>
           <a:p>
             <a:pPr marL="0" indent="0">
               <a:buNone/>
             </a:pPr>
             <a:r>
-              <a:rPr lang="en-US" dirty="0" smtClean="0"/>
-              <a:t>F-statistic</a:t>
-            </a:r>
-            <a:r>
-              <a:rPr lang="en-US" dirty="0"/>
-              <a:t>: 1068 on 1 and 98 DF, </a:t>
+              <a:rPr lang="en-US" dirty="0"/>
+              <a:t>F-statistic: 1068 on 1 and 98 DF, </a:t>
             </a:r>
             <a:r>
               <a:rPr lang="en-US" b="1" dirty="0">
@@ -11511,15 +13084,7 @@
                   <a:srgbClr val="FF0000"/>
                 </a:solidFill>
               </a:rPr>
-              <a:t>p-value: &lt; </a:t>
-            </a:r>
-            <a:r>
-              <a:rPr lang="en-US" b="1" dirty="0" smtClean="0">
-                <a:solidFill>
-                  <a:srgbClr val="FF0000"/>
-                </a:solidFill>
-              </a:rPr>
-              <a:t>2.2e-16</a:t>
+              <a:t>p-value: &lt; 2.2e-16</a:t>
             </a:r>
           </a:p>
         </p:txBody>
@@ -11583,18 +13148,9 @@
           <a:lstStyle/>
           <a:p>
             <a:r>
-              <a:rPr lang="en-US" sz="2400" dirty="0" smtClean="0"/>
-              <a:t>Try fit1</a:t>
-            </a:r>
-            <a:r>
               <a:rPr lang="en-US" sz="2400" dirty="0"/>
-              <a:t>&lt;-</a:t>
-            </a:r>
-            <a:r>
-              <a:rPr lang="en-US" sz="2400" dirty="0" smtClean="0"/>
-              <a:t>lm(y~x1-1)</a:t>
-            </a:r>
-            <a:endParaRPr lang="en-US" sz="2400" dirty="0"/>
+              <a:t>Try fit1&lt;-lm(y~x1-1)</a:t>
+            </a:r>
           </a:p>
         </p:txBody>
       </p:sp>
@@ -11782,10 +13338,9 @@
           <a:lstStyle/>
           <a:p>
             <a:r>
-              <a:rPr lang="en-US" dirty="0" smtClean="0"/>
+              <a:rPr lang="en-US" dirty="0"/>
               <a:t>Multiple Variables General Rules</a:t>
             </a:r>
-            <a:endParaRPr lang="en-US" dirty="0"/>
           </a:p>
         </p:txBody>
       </p:sp>
@@ -11807,24 +13362,8 @@
           <a:lstStyle/>
           <a:p>
             <a:r>
-              <a:rPr lang="en-US" dirty="0" smtClean="0"/>
-              <a:t>Omitting </a:t>
-            </a:r>
-            <a:r>
-              <a:rPr lang="en-US" dirty="0"/>
-              <a:t>variables results in bias in the </a:t>
-            </a:r>
-            <a:r>
-              <a:rPr lang="en-US" dirty="0" smtClean="0"/>
-              <a:t>coefficients </a:t>
-            </a:r>
-            <a:r>
-              <a:rPr lang="en-US" dirty="0"/>
-              <a:t>of interest </a:t>
-            </a:r>
-            <a:r>
-              <a:rPr lang="en-US" dirty="0" smtClean="0"/>
-              <a:t>unless their </a:t>
+              <a:rPr lang="en-US" dirty="0"/>
+              <a:t>Omitting variables results in bias in the coefficients of interest unless their </a:t>
             </a:r>
             <a:r>
               <a:rPr lang="en-US" dirty="0" err="1"/>
@@ -11832,15 +13371,7 @@
             </a:r>
             <a:r>
               <a:rPr lang="en-US" dirty="0"/>
-              <a:t> </a:t>
-            </a:r>
-            <a:r>
-              <a:rPr lang="en-US" dirty="0" smtClean="0"/>
-              <a:t>are uncorrelated </a:t>
-            </a:r>
-            <a:r>
-              <a:rPr lang="en-US" dirty="0"/>
-              <a:t>with the omitted ones.</a:t>
+              <a:t> are uncorrelated with the omitted ones.</a:t>
             </a:r>
           </a:p>
           <a:p>
@@ -11852,46 +13383,29 @@
           <a:p>
             <a:r>
               <a:rPr lang="en-US" dirty="0"/>
-              <a:t>The model must tend toward perfect fit as the number of </a:t>
-            </a:r>
-            <a:r>
-              <a:rPr lang="en-US" dirty="0" smtClean="0"/>
-              <a:t>non redundant </a:t>
-            </a:r>
-            <a:r>
-              <a:rPr lang="en-US" dirty="0" err="1" smtClean="0"/>
+              <a:t>The model must tend toward perfect fit as the number of non redundant </a:t>
+            </a:r>
+            <a:r>
+              <a:rPr lang="en-US" dirty="0" err="1"/>
               <a:t>regressors</a:t>
             </a:r>
             <a:r>
-              <a:rPr lang="en-US" dirty="0" smtClean="0"/>
-              <a:t> </a:t>
-            </a:r>
-            <a:r>
-              <a:rPr lang="en-US" dirty="0"/>
-              <a:t>approaches </a:t>
-            </a:r>
-            <a:r>
-              <a:rPr lang="en-US" dirty="0" smtClean="0"/>
-              <a:t>n (the correct </a:t>
-            </a:r>
-            <a:r>
-              <a:rPr lang="en-US" dirty="0" err="1" smtClean="0"/>
+              <a:rPr lang="en-US" dirty="0"/>
+              <a:t> approaches n (the correct </a:t>
+            </a:r>
+            <a:r>
+              <a:rPr lang="en-US" dirty="0" err="1"/>
               <a:t>regressors</a:t>
             </a:r>
             <a:r>
-              <a:rPr lang="en-US" dirty="0" smtClean="0"/>
+              <a:rPr lang="en-US" dirty="0"/>
               <a:t>).</a:t>
             </a:r>
-            <a:endParaRPr lang="en-US" dirty="0"/>
-          </a:p>
-          <a:p>
-            <a:r>
-              <a:rPr lang="en-US" dirty="0" smtClean="0"/>
-              <a:t>R2 increases </a:t>
-            </a:r>
-            <a:r>
-              <a:rPr lang="en-US" dirty="0"/>
-              <a:t>monotonically as more </a:t>
+          </a:p>
+          <a:p>
+            <a:r>
+              <a:rPr lang="en-US" dirty="0"/>
+              <a:t>R2 increases monotonically as more </a:t>
             </a:r>
             <a:r>
               <a:rPr lang="en-US" dirty="0" err="1"/>
@@ -11951,13 +13465,6 @@
   <p:clrMapOvr>
     <a:masterClrMapping/>
   </p:clrMapOvr>
-  <p:timing>
-    <p:tnLst>
-      <p:par>
-        <p:cTn id="1" dur="indefinite" restart="never" nodeType="tmRoot"/>
-      </p:par>
-    </p:tnLst>
-  </p:timing>
 </p:sld>
 </file>
 
@@ -11994,10 +13501,9 @@
           <a:lstStyle/>
           <a:p>
             <a:r>
-              <a:rPr lang="en-US" dirty="0" smtClean="0"/>
+              <a:rPr lang="en-US" dirty="0"/>
               <a:t>Multiple Variables Example</a:t>
             </a:r>
-            <a:endParaRPr lang="en-US" dirty="0"/>
           </a:p>
         </p:txBody>
       </p:sp>
@@ -12050,19 +13556,14 @@
               <a:rPr lang="en-US" dirty="0"/>
               <a:t>(n); </a:t>
             </a:r>
-            <a:endParaRPr lang="en-US" dirty="0" smtClean="0"/>
           </a:p>
           <a:p>
             <a:pPr marL="0" indent="0">
               <a:buNone/>
             </a:pPr>
             <a:r>
-              <a:rPr lang="en-US" dirty="0" smtClean="0"/>
-              <a:t>x2 </a:t>
-            </a:r>
-            <a:r>
-              <a:rPr lang="en-US" dirty="0"/>
-              <a:t>&lt;- </a:t>
+              <a:rPr lang="en-US" dirty="0"/>
+              <a:t>x2 &lt;- </a:t>
             </a:r>
             <a:r>
               <a:rPr lang="en-US" dirty="0" err="1"/>
@@ -12072,19 +13573,14 @@
               <a:rPr lang="en-US" dirty="0"/>
               <a:t>(n); </a:t>
             </a:r>
-            <a:endParaRPr lang="en-US" dirty="0" smtClean="0"/>
           </a:p>
           <a:p>
             <a:pPr marL="0" indent="0">
               <a:buNone/>
             </a:pPr>
             <a:r>
-              <a:rPr lang="en-US" dirty="0" smtClean="0"/>
-              <a:t>x3 </a:t>
-            </a:r>
-            <a:r>
-              <a:rPr lang="en-US" dirty="0"/>
-              <a:t>&lt;- </a:t>
+              <a:rPr lang="en-US" dirty="0"/>
+              <a:t>x3 &lt;- </a:t>
             </a:r>
             <a:r>
               <a:rPr lang="en-US" dirty="0" err="1"/>
@@ -12118,110 +13614,6 @@
             <a:r>
               <a:rPr lang="en-US" dirty="0"/>
               <a:t> = .3)</a:t>
-            </a:r>
-          </a:p>
-          <a:p>
-            <a:pPr marL="0" indent="0">
-              <a:buNone/>
-            </a:pPr>
-            <a:endParaRPr lang="en-US" dirty="0" smtClean="0"/>
-          </a:p>
-          <a:p>
-            <a:pPr marL="0" indent="0">
-              <a:buNone/>
-            </a:pPr>
-            <a:r>
-              <a:rPr lang="en-US" dirty="0" smtClean="0"/>
-              <a:t>fit1</a:t>
-            </a:r>
-            <a:r>
-              <a:rPr lang="en-US" dirty="0"/>
-              <a:t>&lt;-lm(y~x1)</a:t>
-            </a:r>
-          </a:p>
-          <a:p>
-            <a:pPr marL="0" indent="0">
-              <a:buNone/>
-            </a:pPr>
-            <a:r>
-              <a:rPr lang="en-US" dirty="0"/>
-              <a:t>fit2&lt;-lm(y~x2)</a:t>
-            </a:r>
-          </a:p>
-          <a:p>
-            <a:pPr marL="0" indent="0">
-              <a:buNone/>
-            </a:pPr>
-            <a:r>
-              <a:rPr lang="en-US" dirty="0"/>
-              <a:t>fit3&lt;-lm(y~x3)</a:t>
-            </a:r>
-          </a:p>
-          <a:p>
-            <a:pPr marL="0" indent="0">
-              <a:buNone/>
-            </a:pPr>
-            <a:r>
-              <a:rPr lang="en-US" dirty="0"/>
-              <a:t>fit12&lt;-lm(y~x1+x2)</a:t>
-            </a:r>
-          </a:p>
-          <a:p>
-            <a:pPr marL="0" indent="0">
-              <a:buNone/>
-            </a:pPr>
-            <a:r>
-              <a:rPr lang="en-US" dirty="0"/>
-              <a:t>fit13&lt;-lm(y~x1+x3)</a:t>
-            </a:r>
-          </a:p>
-          <a:p>
-            <a:pPr marL="0" indent="0">
-              <a:buNone/>
-            </a:pPr>
-            <a:r>
-              <a:rPr lang="en-US" dirty="0"/>
-              <a:t>fit123&lt;-lm(y~x1+x2+x3</a:t>
-            </a:r>
-            <a:r>
-              <a:rPr lang="en-US" dirty="0" smtClean="0"/>
-              <a:t>)</a:t>
-            </a:r>
-          </a:p>
-        </p:txBody>
-      </p:sp>
-      <p:sp>
-        <p:nvSpPr>
-          <p:cNvPr id="5" name="Content Placeholder 4"/>
-          <p:cNvSpPr>
-            <a:spLocks noGrp="1"/>
-          </p:cNvSpPr>
-          <p:nvPr>
-            <p:ph sz="half" idx="2"/>
-          </p:nvPr>
-        </p:nvSpPr>
-        <p:spPr/>
-        <p:txBody>
-          <a:bodyPr>
-            <a:normAutofit fontScale="85000" lnSpcReduction="20000"/>
-          </a:bodyPr>
-          <a:lstStyle/>
-          <a:p>
-            <a:pPr marL="0" indent="0">
-              <a:buNone/>
-            </a:pPr>
-            <a:r>
-              <a:rPr lang="en-US" dirty="0" smtClean="0"/>
-              <a:t># Data exploration</a:t>
-            </a:r>
-          </a:p>
-          <a:p>
-            <a:pPr marL="0" indent="0">
-              <a:buNone/>
-            </a:pPr>
-            <a:r>
-              <a:rPr lang="en-US" dirty="0" smtClean="0"/>
-              <a:t>pairs(y~x1+x2+x3)</a:t>
             </a:r>
           </a:p>
           <a:p>
@@ -12235,8 +13627,8 @@
               <a:buNone/>
             </a:pPr>
             <a:r>
-              <a:rPr lang="en-US" dirty="0" smtClean="0"/>
-              <a:t># Model Evaluation</a:t>
+              <a:rPr lang="en-US" dirty="0"/>
+              <a:t>fit1&lt;-lm(y~x1)</a:t>
             </a:r>
           </a:p>
           <a:p>
@@ -12244,12 +13636,8 @@
               <a:buNone/>
             </a:pPr>
             <a:r>
-              <a:rPr lang="en-US" dirty="0" smtClean="0"/>
-              <a:t>summary(fit1</a:t>
-            </a:r>
-            <a:r>
-              <a:rPr lang="en-US" dirty="0"/>
-              <a:t>)</a:t>
+              <a:rPr lang="en-US" dirty="0"/>
+              <a:t>fit2&lt;-lm(y~x2)</a:t>
             </a:r>
           </a:p>
           <a:p>
@@ -12258,7 +13646,7 @@
             </a:pPr>
             <a:r>
               <a:rPr lang="en-US" dirty="0"/>
-              <a:t>summary(fit12)</a:t>
+              <a:t>fit3&lt;-lm(y~x3)</a:t>
             </a:r>
           </a:p>
           <a:p>
@@ -12267,7 +13655,7 @@
             </a:pPr>
             <a:r>
               <a:rPr lang="en-US" dirty="0"/>
-              <a:t>summary(fit123)</a:t>
+              <a:t>fit12&lt;-lm(y~x1+x2)</a:t>
             </a:r>
           </a:p>
           <a:p>
@@ -12275,16 +13663,108 @@
               <a:buNone/>
             </a:pPr>
             <a:r>
-              <a:rPr lang="en-US" dirty="0" err="1" smtClean="0"/>
+              <a:rPr lang="en-US" dirty="0"/>
+              <a:t>fit13&lt;-lm(y~x1+x3)</a:t>
+            </a:r>
+          </a:p>
+          <a:p>
+            <a:pPr marL="0" indent="0">
+              <a:buNone/>
+            </a:pPr>
+            <a:r>
+              <a:rPr lang="en-US" dirty="0"/>
+              <a:t>fit123&lt;-lm(y~x1+x2+x3)</a:t>
+            </a:r>
+          </a:p>
+        </p:txBody>
+      </p:sp>
+      <p:sp>
+        <p:nvSpPr>
+          <p:cNvPr id="5" name="Content Placeholder 4"/>
+          <p:cNvSpPr>
+            <a:spLocks noGrp="1"/>
+          </p:cNvSpPr>
+          <p:nvPr>
+            <p:ph sz="half" idx="2"/>
+          </p:nvPr>
+        </p:nvSpPr>
+        <p:spPr/>
+        <p:txBody>
+          <a:bodyPr>
+            <a:normAutofit fontScale="85000" lnSpcReduction="20000"/>
+          </a:bodyPr>
+          <a:lstStyle/>
+          <a:p>
+            <a:pPr marL="0" indent="0">
+              <a:buNone/>
+            </a:pPr>
+            <a:r>
+              <a:rPr lang="en-US" dirty="0"/>
+              <a:t># Data exploration</a:t>
+            </a:r>
+          </a:p>
+          <a:p>
+            <a:pPr marL="0" indent="0">
+              <a:buNone/>
+            </a:pPr>
+            <a:r>
+              <a:rPr lang="en-US" dirty="0"/>
+              <a:t>pairs(y~x1+x2+x3)</a:t>
+            </a:r>
+          </a:p>
+          <a:p>
+            <a:pPr marL="0" indent="0">
+              <a:buNone/>
+            </a:pPr>
+            <a:endParaRPr lang="en-US" dirty="0"/>
+          </a:p>
+          <a:p>
+            <a:pPr marL="0" indent="0">
+              <a:buNone/>
+            </a:pPr>
+            <a:r>
+              <a:rPr lang="en-US" dirty="0"/>
+              <a:t># Model Evaluation</a:t>
+            </a:r>
+          </a:p>
+          <a:p>
+            <a:pPr marL="0" indent="0">
+              <a:buNone/>
+            </a:pPr>
+            <a:r>
+              <a:rPr lang="en-US" dirty="0"/>
+              <a:t>summary(fit1)</a:t>
+            </a:r>
+          </a:p>
+          <a:p>
+            <a:pPr marL="0" indent="0">
+              <a:buNone/>
+            </a:pPr>
+            <a:r>
+              <a:rPr lang="en-US" dirty="0"/>
+              <a:t>summary(fit12)</a:t>
+            </a:r>
+          </a:p>
+          <a:p>
+            <a:pPr marL="0" indent="0">
+              <a:buNone/>
+            </a:pPr>
+            <a:r>
+              <a:rPr lang="en-US" dirty="0"/>
+              <a:t>summary(fit123)</a:t>
+            </a:r>
+          </a:p>
+          <a:p>
+            <a:pPr marL="0" indent="0">
+              <a:buNone/>
+            </a:pPr>
+            <a:r>
+              <a:rPr lang="en-US" dirty="0" err="1"/>
               <a:t>anova</a:t>
             </a:r>
             <a:r>
-              <a:rPr lang="en-US" dirty="0" smtClean="0"/>
-              <a:t>(fit1,fit12,fit123</a:t>
-            </a:r>
-            <a:r>
-              <a:rPr lang="en-US" dirty="0"/>
-              <a:t>)</a:t>
+              <a:rPr lang="en-US" dirty="0"/>
+              <a:t>(fit1,fit12,fit123)</a:t>
             </a:r>
           </a:p>
           <a:p>
@@ -12328,13 +13808,6 @@
   <p:clrMapOvr>
     <a:masterClrMapping/>
   </p:clrMapOvr>
-  <p:timing>
-    <p:tnLst>
-      <p:par>
-        <p:cTn id="1" dur="indefinite" restart="never" nodeType="tmRoot"/>
-      </p:par>
-    </p:tnLst>
-  </p:timing>
 </p:sld>
 </file>
 
@@ -12373,10 +13846,9 @@
           <a:lstStyle/>
           <a:p>
             <a:r>
-              <a:rPr lang="en-US" dirty="0" smtClean="0"/>
+              <a:rPr lang="en-US" dirty="0"/>
               <a:t>Dependent Variables Example</a:t>
             </a:r>
-            <a:endParaRPr lang="en-US" dirty="0"/>
           </a:p>
         </p:txBody>
       </p:sp>
@@ -12429,41 +13901,23 @@
               <a:rPr lang="en-US" dirty="0"/>
               <a:t>(n); </a:t>
             </a:r>
-            <a:endParaRPr lang="en-US" dirty="0" smtClean="0"/>
           </a:p>
           <a:p>
             <a:pPr marL="0" indent="0">
               <a:buNone/>
             </a:pPr>
             <a:r>
-              <a:rPr lang="en-US" dirty="0" smtClean="0"/>
-              <a:t>x2 </a:t>
-            </a:r>
-            <a:r>
-              <a:rPr lang="en-US" dirty="0"/>
-              <a:t>&lt;- </a:t>
-            </a:r>
-            <a:r>
-              <a:rPr lang="en-US" dirty="0" smtClean="0"/>
-              <a:t>2*x1+rnorm(n</a:t>
-            </a:r>
-            <a:r>
-              <a:rPr lang="en-US" dirty="0"/>
-              <a:t>);</a:t>
-            </a:r>
-            <a:endParaRPr lang="en-US" dirty="0" smtClean="0"/>
+              <a:rPr lang="en-US" dirty="0"/>
+              <a:t>x2 &lt;- 2*x1+rnorm(n);</a:t>
+            </a:r>
           </a:p>
           <a:p>
             <a:pPr marL="0" indent="0">
               <a:buNone/>
             </a:pPr>
             <a:r>
-              <a:rPr lang="en-US" dirty="0" smtClean="0"/>
-              <a:t>x3 </a:t>
-            </a:r>
-            <a:r>
-              <a:rPr lang="en-US" dirty="0"/>
-              <a:t>&lt;- </a:t>
+              <a:rPr lang="en-US" dirty="0"/>
+              <a:t>x3 &lt;- </a:t>
             </a:r>
             <a:r>
               <a:rPr lang="en-US" dirty="0" err="1"/>
@@ -12497,110 +13951,6 @@
             <a:r>
               <a:rPr lang="en-US" dirty="0"/>
               <a:t> = .3)</a:t>
-            </a:r>
-          </a:p>
-          <a:p>
-            <a:pPr marL="0" indent="0">
-              <a:buNone/>
-            </a:pPr>
-            <a:endParaRPr lang="en-US" dirty="0" smtClean="0"/>
-          </a:p>
-          <a:p>
-            <a:pPr marL="0" indent="0">
-              <a:buNone/>
-            </a:pPr>
-            <a:r>
-              <a:rPr lang="en-US" dirty="0" smtClean="0"/>
-              <a:t>fit1</a:t>
-            </a:r>
-            <a:r>
-              <a:rPr lang="en-US" dirty="0"/>
-              <a:t>&lt;-lm(y~x1)</a:t>
-            </a:r>
-          </a:p>
-          <a:p>
-            <a:pPr marL="0" indent="0">
-              <a:buNone/>
-            </a:pPr>
-            <a:r>
-              <a:rPr lang="en-US" dirty="0"/>
-              <a:t>fit2&lt;-lm(y~x2)</a:t>
-            </a:r>
-          </a:p>
-          <a:p>
-            <a:pPr marL="0" indent="0">
-              <a:buNone/>
-            </a:pPr>
-            <a:r>
-              <a:rPr lang="en-US" dirty="0"/>
-              <a:t>fit3&lt;-lm(y~x3)</a:t>
-            </a:r>
-          </a:p>
-          <a:p>
-            <a:pPr marL="0" indent="0">
-              <a:buNone/>
-            </a:pPr>
-            <a:r>
-              <a:rPr lang="en-US" dirty="0"/>
-              <a:t>fit12&lt;-lm(y~x1+x2)</a:t>
-            </a:r>
-          </a:p>
-          <a:p>
-            <a:pPr marL="0" indent="0">
-              <a:buNone/>
-            </a:pPr>
-            <a:r>
-              <a:rPr lang="en-US" dirty="0"/>
-              <a:t>fit13&lt;-lm(y~x1+x3)</a:t>
-            </a:r>
-          </a:p>
-          <a:p>
-            <a:pPr marL="0" indent="0">
-              <a:buNone/>
-            </a:pPr>
-            <a:r>
-              <a:rPr lang="en-US" dirty="0"/>
-              <a:t>fit123&lt;-lm(y~x1+x2+x3</a:t>
-            </a:r>
-            <a:r>
-              <a:rPr lang="en-US" dirty="0" smtClean="0"/>
-              <a:t>)</a:t>
-            </a:r>
-          </a:p>
-        </p:txBody>
-      </p:sp>
-      <p:sp>
-        <p:nvSpPr>
-          <p:cNvPr id="5" name="Content Placeholder 4"/>
-          <p:cNvSpPr>
-            <a:spLocks noGrp="1"/>
-          </p:cNvSpPr>
-          <p:nvPr>
-            <p:ph sz="half" idx="2"/>
-          </p:nvPr>
-        </p:nvSpPr>
-        <p:spPr/>
-        <p:txBody>
-          <a:bodyPr>
-            <a:normAutofit fontScale="85000" lnSpcReduction="20000"/>
-          </a:bodyPr>
-          <a:lstStyle/>
-          <a:p>
-            <a:pPr marL="0" indent="0">
-              <a:buNone/>
-            </a:pPr>
-            <a:r>
-              <a:rPr lang="en-US" dirty="0" smtClean="0"/>
-              <a:t># Data exploration</a:t>
-            </a:r>
-          </a:p>
-          <a:p>
-            <a:pPr marL="0" indent="0">
-              <a:buNone/>
-            </a:pPr>
-            <a:r>
-              <a:rPr lang="en-US" dirty="0" smtClean="0"/>
-              <a:t>pairs(y~x1+x2+x3)</a:t>
             </a:r>
           </a:p>
           <a:p>
@@ -12614,8 +13964,8 @@
               <a:buNone/>
             </a:pPr>
             <a:r>
-              <a:rPr lang="en-US" dirty="0" smtClean="0"/>
-              <a:t># Model Evaluation</a:t>
+              <a:rPr lang="en-US" dirty="0"/>
+              <a:t>fit1&lt;-lm(y~x1)</a:t>
             </a:r>
           </a:p>
           <a:p>
@@ -12623,12 +13973,8 @@
               <a:buNone/>
             </a:pPr>
             <a:r>
-              <a:rPr lang="en-US" dirty="0" smtClean="0"/>
-              <a:t>summary(fit1</a:t>
-            </a:r>
-            <a:r>
-              <a:rPr lang="en-US" dirty="0"/>
-              <a:t>)</a:t>
+              <a:rPr lang="en-US" dirty="0"/>
+              <a:t>fit2&lt;-lm(y~x2)</a:t>
             </a:r>
           </a:p>
           <a:p>
@@ -12637,7 +13983,7 @@
             </a:pPr>
             <a:r>
               <a:rPr lang="en-US" dirty="0"/>
-              <a:t>summary(fit12)</a:t>
+              <a:t>fit3&lt;-lm(y~x3)</a:t>
             </a:r>
           </a:p>
           <a:p>
@@ -12646,7 +13992,7 @@
             </a:pPr>
             <a:r>
               <a:rPr lang="en-US" dirty="0"/>
-              <a:t>summary(fit123)</a:t>
+              <a:t>fit12&lt;-lm(y~x1+x2)</a:t>
             </a:r>
           </a:p>
           <a:p>
@@ -12654,16 +14000,108 @@
               <a:buNone/>
             </a:pPr>
             <a:r>
-              <a:rPr lang="en-US" dirty="0" err="1" smtClean="0"/>
+              <a:rPr lang="en-US" dirty="0"/>
+              <a:t>fit13&lt;-lm(y~x1+x3)</a:t>
+            </a:r>
+          </a:p>
+          <a:p>
+            <a:pPr marL="0" indent="0">
+              <a:buNone/>
+            </a:pPr>
+            <a:r>
+              <a:rPr lang="en-US" dirty="0"/>
+              <a:t>fit123&lt;-lm(y~x1+x2+x3)</a:t>
+            </a:r>
+          </a:p>
+        </p:txBody>
+      </p:sp>
+      <p:sp>
+        <p:nvSpPr>
+          <p:cNvPr id="5" name="Content Placeholder 4"/>
+          <p:cNvSpPr>
+            <a:spLocks noGrp="1"/>
+          </p:cNvSpPr>
+          <p:nvPr>
+            <p:ph sz="half" idx="2"/>
+          </p:nvPr>
+        </p:nvSpPr>
+        <p:spPr/>
+        <p:txBody>
+          <a:bodyPr>
+            <a:normAutofit fontScale="85000" lnSpcReduction="20000"/>
+          </a:bodyPr>
+          <a:lstStyle/>
+          <a:p>
+            <a:pPr marL="0" indent="0">
+              <a:buNone/>
+            </a:pPr>
+            <a:r>
+              <a:rPr lang="en-US" dirty="0"/>
+              <a:t># Data exploration</a:t>
+            </a:r>
+          </a:p>
+          <a:p>
+            <a:pPr marL="0" indent="0">
+              <a:buNone/>
+            </a:pPr>
+            <a:r>
+              <a:rPr lang="en-US" dirty="0"/>
+              <a:t>pairs(y~x1+x2+x3)</a:t>
+            </a:r>
+          </a:p>
+          <a:p>
+            <a:pPr marL="0" indent="0">
+              <a:buNone/>
+            </a:pPr>
+            <a:endParaRPr lang="en-US" dirty="0"/>
+          </a:p>
+          <a:p>
+            <a:pPr marL="0" indent="0">
+              <a:buNone/>
+            </a:pPr>
+            <a:r>
+              <a:rPr lang="en-US" dirty="0"/>
+              <a:t># Model Evaluation</a:t>
+            </a:r>
+          </a:p>
+          <a:p>
+            <a:pPr marL="0" indent="0">
+              <a:buNone/>
+            </a:pPr>
+            <a:r>
+              <a:rPr lang="en-US" dirty="0"/>
+              <a:t>summary(fit1)</a:t>
+            </a:r>
+          </a:p>
+          <a:p>
+            <a:pPr marL="0" indent="0">
+              <a:buNone/>
+            </a:pPr>
+            <a:r>
+              <a:rPr lang="en-US" dirty="0"/>
+              <a:t>summary(fit12)</a:t>
+            </a:r>
+          </a:p>
+          <a:p>
+            <a:pPr marL="0" indent="0">
+              <a:buNone/>
+            </a:pPr>
+            <a:r>
+              <a:rPr lang="en-US" dirty="0"/>
+              <a:t>summary(fit123)</a:t>
+            </a:r>
+          </a:p>
+          <a:p>
+            <a:pPr marL="0" indent="0">
+              <a:buNone/>
+            </a:pPr>
+            <a:r>
+              <a:rPr lang="en-US" dirty="0" err="1"/>
               <a:t>anova</a:t>
             </a:r>
             <a:r>
-              <a:rPr lang="en-US" dirty="0" smtClean="0"/>
-              <a:t>(fit1,fit12,fit123</a:t>
-            </a:r>
-            <a:r>
-              <a:rPr lang="en-US" dirty="0"/>
-              <a:t>)</a:t>
+              <a:rPr lang="en-US" dirty="0"/>
+              <a:t>(fit1,fit12,fit123)</a:t>
             </a:r>
           </a:p>
           <a:p>
@@ -12707,13 +14145,6 @@
   <p:clrMapOvr>
     <a:masterClrMapping/>
   </p:clrMapOvr>
-  <p:timing>
-    <p:tnLst>
-      <p:par>
-        <p:cTn id="1" dur="indefinite" restart="never" nodeType="tmRoot"/>
-      </p:par>
-    </p:tnLst>
-  </p:timing>
 </p:sld>
 </file>
 
@@ -12841,13 +14272,6 @@
   <p:clrMapOvr>
     <a:masterClrMapping/>
   </p:clrMapOvr>
-  <p:timing>
-    <p:tnLst>
-      <p:par>
-        <p:cTn id="1" dur="indefinite" restart="never" nodeType="tmRoot"/>
-      </p:par>
-    </p:tnLst>
-  </p:timing>
 </p:sld>
 </file>
 
@@ -12908,10 +14332,9 @@
           <a:lstStyle/>
           <a:p>
             <a:r>
-              <a:rPr lang="en-US" dirty="0" smtClean="0"/>
+              <a:rPr lang="en-US" dirty="0"/>
               <a:t> Hold-out data</a:t>
             </a:r>
-            <a:endParaRPr lang="en-US" dirty="0"/>
           </a:p>
           <a:p>
             <a:pPr lvl="1"/>
@@ -12930,39 +14353,21 @@
             <a:pPr lvl="1"/>
             <a:r>
               <a:rPr lang="en-US" dirty="0"/>
-              <a:t>Partition the data into N </a:t>
-            </a:r>
-            <a:r>
-              <a:rPr lang="en-US" dirty="0" smtClean="0"/>
-              <a:t>groups.</a:t>
-            </a:r>
-            <a:endParaRPr lang="en-US" dirty="0"/>
+              <a:t>Partition the data into N groups.</a:t>
+            </a:r>
           </a:p>
           <a:p>
             <a:pPr lvl="1"/>
             <a:r>
               <a:rPr lang="en-US" dirty="0"/>
-              <a:t>Fit N models, holding out each group, and calculate the residuals on the </a:t>
-            </a:r>
-            <a:r>
-              <a:rPr lang="en-US" dirty="0" smtClean="0"/>
-              <a:t> group.</a:t>
-            </a:r>
-            <a:endParaRPr lang="en-US" dirty="0"/>
+              <a:t>Fit N models, holding out each group, and calculate the residuals on the  group.</a:t>
+            </a:r>
           </a:p>
           <a:p>
             <a:pPr lvl="1"/>
             <a:r>
               <a:rPr lang="en-US" dirty="0"/>
-              <a:t>Estimated prediction error is the average over all the </a:t>
-            </a:r>
-            <a:r>
-              <a:rPr lang="en-US" dirty="0" smtClean="0"/>
-              <a:t> </a:t>
-            </a:r>
-            <a:r>
-              <a:rPr lang="en-US" dirty="0"/>
-              <a:t>residuals.</a:t>
+              <a:t>Estimated prediction error is the average over all the  residuals.</a:t>
             </a:r>
           </a:p>
           <a:p>
@@ -12983,15 +14388,7 @@
             <a:pPr lvl="1"/>
             <a:r>
               <a:rPr lang="en-US" dirty="0"/>
-              <a:t>It is also the </a:t>
-            </a:r>
-            <a:r>
-              <a:rPr lang="en-US" dirty="0" smtClean="0"/>
-              <a:t>square of the correlation </a:t>
-            </a:r>
-            <a:r>
-              <a:rPr lang="en-US" dirty="0"/>
-              <a:t>between the true output and the predicted output. You want it close to 1.</a:t>
+              <a:t>It is also the square of the correlation between the true output and the predicted output. You want it close to 1.</a:t>
             </a:r>
           </a:p>
         </p:txBody>
@@ -13006,13 +14403,6 @@
   <p:clrMapOvr>
     <a:masterClrMapping/>
   </p:clrMapOvr>
-  <p:timing>
-    <p:tnLst>
-      <p:par>
-        <p:cTn id="1" dur="indefinite" restart="never" nodeType="tmRoot"/>
-      </p:par>
-    </p:tnLst>
-  </p:timing>
 </p:sld>
 </file>
 
@@ -13053,10 +14443,9 @@
               <a:t>Diagnostics </a:t>
             </a:r>
             <a:r>
-              <a:rPr lang="en-US" sz="2400" dirty="0" smtClean="0"/>
+              <a:rPr lang="en-US" sz="2400" dirty="0"/>
               <a:t>(Continued)</a:t>
             </a:r>
-            <a:endParaRPr lang="en-US" sz="2400" dirty="0"/>
           </a:p>
         </p:txBody>
       </p:sp>
@@ -13079,65 +14468,28 @@
           <a:p>
             <a:r>
               <a:rPr lang="en-US" dirty="0"/>
-              <a:t>Sanity </a:t>
-            </a:r>
-            <a:r>
-              <a:rPr lang="en-US" dirty="0" smtClean="0"/>
-              <a:t>check </a:t>
-            </a:r>
-            <a:r>
-              <a:rPr lang="en-US" dirty="0"/>
-              <a:t>the coefficients</a:t>
+              <a:t>Sanity check the coefficients</a:t>
             </a:r>
           </a:p>
           <a:p>
             <a:pPr lvl="1"/>
             <a:r>
               <a:rPr lang="en-US" dirty="0"/>
-              <a:t>Do the signs </a:t>
-            </a:r>
-            <a:r>
-              <a:rPr lang="en-US" dirty="0" smtClean="0"/>
-              <a:t>make </a:t>
-            </a:r>
-            <a:r>
-              <a:rPr lang="en-US" dirty="0"/>
-              <a:t>sense? Are the coefficients excessively large?</a:t>
+              <a:t>Do the signs make sense? Are the coefficients excessively large?</a:t>
             </a:r>
           </a:p>
           <a:p>
             <a:pPr lvl="2"/>
             <a:r>
               <a:rPr lang="en-US" dirty="0"/>
-              <a:t>Wrong sign is an indication of correlated inputs, but doesn't necessarily affect predictive </a:t>
-            </a:r>
-            <a:r>
-              <a:rPr lang="en-US" dirty="0" smtClean="0"/>
-              <a:t>power.</a:t>
-            </a:r>
-            <a:endParaRPr lang="en-US" dirty="0"/>
+              <a:t>Wrong sign is an indication of correlated inputs, but doesn't necessarily affect predictive power.</a:t>
+            </a:r>
           </a:p>
           <a:p>
             <a:pPr lvl="2"/>
             <a:r>
               <a:rPr lang="en-US" dirty="0"/>
-              <a:t>Excessively large </a:t>
-            </a:r>
-            <a:r>
-              <a:rPr lang="en-US" dirty="0" smtClean="0"/>
-              <a:t>coefficient </a:t>
-            </a:r>
-            <a:r>
-              <a:rPr lang="en-US" dirty="0"/>
-              <a:t>magnitudes may indicate strongly correlated inputs; you may want </a:t>
-            </a:r>
-            <a:r>
-              <a:rPr lang="en-US" dirty="0" smtClean="0"/>
-              <a:t>to consider </a:t>
-            </a:r>
-            <a:r>
-              <a:rPr lang="en-US" dirty="0"/>
-              <a:t>eliminating some variables, or using regularized regression techniques.</a:t>
+              <a:t>Excessively large coefficient magnitudes may indicate strongly correlated inputs; you may want to consider eliminating some variables, or using regularized regression techniques.</a:t>
             </a:r>
           </a:p>
           <a:p>
@@ -13158,21 +14510,8 @@
             <a:pPr lvl="3"/>
             <a:r>
               <a:rPr lang="en-US" dirty="0"/>
-              <a:t>Plot output </a:t>
-            </a:r>
-            <a:r>
-              <a:rPr lang="en-US" dirty="0" smtClean="0"/>
-              <a:t>vs. </a:t>
-            </a:r>
-            <a:r>
-              <a:rPr lang="en-US" dirty="0"/>
-              <a:t>this input, and see if you should segment the data before </a:t>
-            </a:r>
-            <a:r>
-              <a:rPr lang="en-US" dirty="0" smtClean="0"/>
-              <a:t>regressing.</a:t>
-            </a:r>
-            <a:endParaRPr lang="en-US" dirty="0"/>
+              <a:t>Plot output vs. this input, and see if you should segment the data before regressing.</a:t>
+            </a:r>
           </a:p>
           <a:p>
             <a:endParaRPr lang="en-US" dirty="0"/>
@@ -13189,13 +14528,6 @@
   <p:clrMapOvr>
     <a:masterClrMapping/>
   </p:clrMapOvr>
-  <p:timing>
-    <p:tnLst>
-      <p:par>
-        <p:cTn id="1" dur="indefinite" restart="never" nodeType="tmRoot"/>
-      </p:par>
-    </p:tnLst>
-  </p:timing>
 </p:sld>
 </file>
 
@@ -13252,25 +14584,13 @@
             <a:pPr lvl="1"/>
             <a:r>
               <a:rPr lang="en-US" dirty="0"/>
-              <a:t>Prediction </a:t>
-            </a:r>
-            <a:r>
-              <a:rPr lang="en-US" dirty="0" smtClean="0"/>
-              <a:t>vs. </a:t>
-            </a:r>
-            <a:r>
-              <a:rPr lang="en-US" dirty="0"/>
-              <a:t>true outcome</a:t>
-            </a:r>
-          </a:p>
-          <a:p>
-            <a:r>
-              <a:rPr lang="en-US" dirty="0" smtClean="0"/>
-              <a:t>Look </a:t>
-            </a:r>
-            <a:r>
-              <a:rPr lang="en-US" dirty="0"/>
-              <a:t>for:</a:t>
+              <a:t>Prediction vs. true outcome</a:t>
+            </a:r>
+          </a:p>
+          <a:p>
+            <a:r>
+              <a:rPr lang="en-US" dirty="0"/>
+              <a:t>Look for:</a:t>
             </a:r>
           </a:p>
           <a:p>
@@ -13283,12 +14603,8 @@
           <a:p>
             <a:pPr lvl="1"/>
             <a:r>
-              <a:rPr lang="en-US" dirty="0" smtClean="0"/>
-              <a:t>Non-consistent </a:t>
-            </a:r>
-            <a:r>
-              <a:rPr lang="en-US" dirty="0"/>
-              <a:t>variance</a:t>
+              <a:rPr lang="en-US" dirty="0"/>
+              <a:t>Non-consistent variance</a:t>
             </a:r>
           </a:p>
           <a:p>
@@ -13308,13 +14624,8 @@
           <a:p>
             <a:r>
               <a:rPr lang="en-US" dirty="0"/>
-              <a:t>You will see other diagnostic plots in the </a:t>
-            </a:r>
-            <a:r>
-              <a:rPr lang="en-US" dirty="0" smtClean="0"/>
-              <a:t>lab</a:t>
-            </a:r>
-            <a:endParaRPr lang="en-US" dirty="0"/>
+              <a:t>You will see other diagnostic plots in the lab</a:t>
+            </a:r>
           </a:p>
         </p:txBody>
       </p:sp>
@@ -13335,14 +14646,13 @@
           <a:p>
             <a:pPr algn="l"/>
             <a:r>
-              <a:rPr lang="en-US" dirty="0" smtClean="0"/>
+              <a:rPr lang="en-US" dirty="0"/>
               <a:t>Diagnostics </a:t>
             </a:r>
             <a:r>
-              <a:rPr lang="en-US" sz="2400" dirty="0" smtClean="0"/>
+              <a:rPr lang="en-US" sz="2400" dirty="0"/>
               <a:t>(Continued)</a:t>
             </a:r>
-            <a:endParaRPr lang="en-US" sz="2400" dirty="0"/>
           </a:p>
         </p:txBody>
       </p:sp>
@@ -13426,28 +14736,20 @@
           <a:lstStyle/>
           <a:p>
             <a:r>
-              <a:rPr lang="en-US" sz="1600" dirty="0" err="1" smtClean="0"/>
+              <a:rPr lang="en-US" sz="1600" dirty="0" err="1"/>
               <a:t>overpredicts</a:t>
             </a:r>
             <a:r>
-              <a:rPr lang="en-US" sz="1600" dirty="0" smtClean="0"/>
-              <a:t> </a:t>
-            </a:r>
-            <a:r>
               <a:rPr lang="en-US" sz="1600" dirty="0"/>
-              <a:t>for low true values, </a:t>
-            </a:r>
-            <a:r>
-              <a:rPr lang="en-US" sz="1600" dirty="0" err="1" smtClean="0"/>
+              <a:t> for low true values, </a:t>
+            </a:r>
+            <a:r>
+              <a:rPr lang="en-US" sz="1600" dirty="0" err="1"/>
               <a:t>underpredicts</a:t>
             </a:r>
             <a:r>
-              <a:rPr lang="en-US" sz="1600" dirty="0" smtClean="0"/>
-              <a:t> </a:t>
-            </a:r>
-            <a:r>
               <a:rPr lang="en-US" sz="1600" dirty="0"/>
-              <a:t>at higher values. Improve the model.</a:t>
+              <a:t> at higher values. Improve the model.</a:t>
             </a:r>
           </a:p>
         </p:txBody>
@@ -13485,15 +14787,7 @@
           <a:p>
             <a:r>
               <a:rPr lang="en-US" sz="1600" dirty="0"/>
-              <a:t>Not quite </a:t>
-            </a:r>
-            <a:r>
-              <a:rPr lang="en-US" sz="1600" dirty="0" smtClean="0"/>
-              <a:t>consistent </a:t>
-            </a:r>
-            <a:r>
-              <a:rPr lang="en-US" sz="1600" dirty="0"/>
-              <a:t>variance, but much better.</a:t>
+              <a:t>Not quite consistent variance, but much better.</a:t>
             </a:r>
           </a:p>
         </p:txBody>
@@ -13508,13 +14802,6 @@
   <p:clrMapOvr>
     <a:masterClrMapping/>
   </p:clrMapOvr>
-  <p:timing>
-    <p:tnLst>
-      <p:par>
-        <p:cTn id="1" dur="indefinite" restart="never" nodeType="tmRoot"/>
-      </p:par>
-    </p:tnLst>
-  </p:timing>
 </p:sld>
 </file>
 
@@ -13551,7 +14838,7 @@
           <a:lstStyle/>
           <a:p>
             <a:r>
-              <a:rPr lang="en-US" smtClean="0"/>
+              <a:rPr lang="en-US"/>
               <a:t>Comparing R-Squared</a:t>
             </a:r>
             <a:endParaRPr lang="en-US" dirty="0"/>
@@ -13697,18 +14984,17 @@
           <a:lstStyle/>
           <a:p>
             <a:r>
-              <a:rPr lang="en-US" dirty="0" smtClean="0"/>
+              <a:rPr lang="en-US" dirty="0"/>
               <a:t>R-</a:t>
             </a:r>
             <a:r>
-              <a:rPr lang="en-US" dirty="0" err="1" smtClean="0"/>
+              <a:rPr lang="en-US" dirty="0" err="1"/>
               <a:t>Sq</a:t>
             </a:r>
             <a:r>
-              <a:rPr lang="en-US" dirty="0" smtClean="0"/>
+              <a:rPr lang="en-US" dirty="0"/>
               <a:t> = 86.5%</a:t>
             </a:r>
-            <a:endParaRPr lang="en-US" dirty="0"/>
           </a:p>
         </p:txBody>
       </p:sp>
@@ -13735,18 +15021,17 @@
           <a:lstStyle/>
           <a:p>
             <a:r>
-              <a:rPr lang="en-US" dirty="0" smtClean="0"/>
+              <a:rPr lang="en-US" dirty="0"/>
               <a:t>R-</a:t>
             </a:r>
             <a:r>
-              <a:rPr lang="en-US" dirty="0" err="1" smtClean="0"/>
+              <a:rPr lang="en-US" dirty="0" err="1"/>
               <a:t>Sq</a:t>
             </a:r>
             <a:r>
-              <a:rPr lang="en-US" dirty="0" smtClean="0"/>
+              <a:rPr lang="en-US" dirty="0"/>
               <a:t> = 14.7%</a:t>
             </a:r>
-            <a:endParaRPr lang="en-US" dirty="0"/>
           </a:p>
         </p:txBody>
       </p:sp>
@@ -13760,13 +15045,6 @@
   <p:clrMapOvr>
     <a:masterClrMapping/>
   </p:clrMapOvr>
-  <p:timing>
-    <p:tnLst>
-      <p:par>
-        <p:cTn id="1" dur="indefinite" restart="never" nodeType="tmRoot"/>
-      </p:par>
-    </p:tnLst>
-  </p:timing>
 </p:sld>
 </file>
 
@@ -13805,10 +15083,9 @@
           <a:lstStyle/>
           <a:p>
             <a:r>
-              <a:rPr lang="en-US" dirty="0" smtClean="0"/>
+              <a:rPr lang="en-US" dirty="0"/>
               <a:t>Coefficients, P-Value, and R-Squared</a:t>
             </a:r>
-            <a:endParaRPr lang="en-US" dirty="0"/>
           </a:p>
         </p:txBody>
       </p:sp>
@@ -13859,13 +15136,6 @@
   <p:clrMapOvr>
     <a:masterClrMapping/>
   </p:clrMapOvr>
-  <p:timing>
-    <p:tnLst>
-      <p:par>
-        <p:cTn id="1" dur="indefinite" restart="never" nodeType="tmRoot"/>
-      </p:par>
-    </p:tnLst>
-  </p:timing>
 </p:sld>
 </file>
 
@@ -13907,10 +15177,9 @@
           <a:lstStyle/>
           <a:p>
             <a:r>
-              <a:rPr lang="en-US" dirty="0" smtClean="0"/>
+              <a:rPr lang="en-US" dirty="0"/>
               <a:t>Simple Linear Regression</a:t>
             </a:r>
-            <a:endParaRPr lang="en-US" dirty="0"/>
           </a:p>
         </p:txBody>
       </p:sp>
@@ -13946,7 +15215,7 @@
           <p:nvPr/>
         </p:nvPicPr>
         <p:blipFill>
-          <a:blip r:embed="rId3">
+          <a:blip r:embed="rId2">
             <a:extLst>
               <a:ext uri="{28A0092B-C50C-407E-A947-70E740481C1C}">
                 <a14:useLocalDpi xmlns:a14="http://schemas.microsoft.com/office/drawing/2010/main" val="0"/>
@@ -14015,12 +15284,12 @@
           <a:graphicData uri="http://schemas.openxmlformats.org/presentationml/2006/ole">
             <mc:AlternateContent xmlns:mc="http://schemas.openxmlformats.org/markup-compatibility/2006">
               <mc:Choice xmlns:v="urn:schemas-microsoft-com:vml" Requires="v">
-                <p:oleObj spid="_x0000_s4142" name="Visio" r:id="rId4" imgW="3996205" imgH="2076059" progId="Visio.Drawing.11">
+                <p:oleObj name="Visio" r:id="rId3" imgW="3996205" imgH="2076059" progId="Visio.Drawing.11">
                   <p:embed/>
                 </p:oleObj>
               </mc:Choice>
               <mc:Fallback>
-                <p:oleObj name="Visio" r:id="rId4" imgW="3996205" imgH="2076059" progId="Visio.Drawing.11">
+                <p:oleObj name="Visio" r:id="rId3" imgW="3996205" imgH="2076059" progId="Visio.Drawing.11">
                   <p:embed/>
                   <p:pic>
                     <p:nvPicPr>
@@ -14031,7 +15300,7 @@
                       <p:nvPr/>
                     </p:nvPicPr>
                     <p:blipFill>
-                      <a:blip r:embed="rId5">
+                      <a:blip r:embed="rId4">
                         <a:extLst>
                           <a:ext uri="{28A0092B-C50C-407E-A947-70E740481C1C}">
                             <a14:useLocalDpi xmlns:a14="http://schemas.microsoft.com/office/drawing/2010/main" val="0"/>
@@ -14075,13 +15344,6 @@
   <p:clrMapOvr>
     <a:masterClrMapping/>
   </p:clrMapOvr>
-  <p:timing>
-    <p:tnLst>
-      <p:par>
-        <p:cTn id="1" dur="indefinite" restart="never" nodeType="tmRoot"/>
-      </p:par>
-    </p:tnLst>
-  </p:timing>
 </p:sld>
 </file>
 
@@ -14118,10 +15380,9 @@
           <a:lstStyle/>
           <a:p>
             <a:r>
-              <a:rPr lang="en-US" dirty="0" smtClean="0"/>
+              <a:rPr lang="en-US" dirty="0"/>
               <a:t>Overfitting Problem</a:t>
             </a:r>
-            <a:endParaRPr lang="en-US" dirty="0"/>
           </a:p>
         </p:txBody>
       </p:sp>
@@ -14225,16 +15486,15 @@
           <a:lstStyle/>
           <a:p>
             <a:r>
-              <a:rPr lang="en-US" sz="2400" dirty="0" smtClean="0"/>
+              <a:rPr lang="en-US" sz="2400" dirty="0"/>
               <a:t>The fitting curve fits the data perfectly well, </a:t>
             </a:r>
           </a:p>
           <a:p>
             <a:r>
-              <a:rPr lang="en-US" sz="2400" dirty="0" smtClean="0"/>
+              <a:rPr lang="en-US" sz="2400" dirty="0"/>
               <a:t>but if we look at new observations, we can get large errors</a:t>
             </a:r>
-            <a:endParaRPr lang="en-US" sz="2400" dirty="0"/>
           </a:p>
         </p:txBody>
       </p:sp>
@@ -14286,25 +15546,16 @@
           <a:lstStyle/>
           <a:p>
             <a:r>
-              <a:rPr lang="en-US" dirty="0" smtClean="0"/>
+              <a:rPr lang="en-US" dirty="0"/>
               <a:t>Examples of Regularization</a:t>
             </a:r>
             <a:br>
-              <a:rPr lang="en-US" dirty="0" smtClean="0"/>
+              <a:rPr lang="en-US" dirty="0"/>
             </a:br>
             <a:r>
-              <a:rPr lang="en-US" sz="3600" dirty="0" smtClean="0"/>
-              <a:t>(Ridge </a:t>
-            </a:r>
-            <a:r>
               <a:rPr lang="en-US" sz="3600" dirty="0"/>
-              <a:t>– Lasso – Elastic </a:t>
-            </a:r>
-            <a:r>
-              <a:rPr lang="en-US" sz="3600" dirty="0" smtClean="0"/>
-              <a:t>Net)</a:t>
-            </a:r>
-            <a:endParaRPr lang="en-US" sz="3600" dirty="0"/>
+              <a:t>(Ridge – Lasso – Elastic Net)</a:t>
+            </a:r>
           </a:p>
         </p:txBody>
       </p:sp>
@@ -14593,10 +15844,9 @@
           <a:lstStyle/>
           <a:p>
             <a:r>
-              <a:rPr lang="en-US" dirty="0" smtClean="0"/>
+              <a:rPr lang="en-US" dirty="0"/>
               <a:t>Regularization Reduces Overfitting</a:t>
             </a:r>
-            <a:endParaRPr lang="en-US" dirty="0"/>
           </a:p>
         </p:txBody>
       </p:sp>
@@ -14728,8 +15978,20 @@
                 <a:tableStyleId>{5C22544A-7EE6-4342-B048-85BDC9FD1C3A}</a:tableStyleId>
               </a:tblPr>
               <a:tblGrid>
-                <a:gridCol w="4191000"/>
-                <a:gridCol w="4191000"/>
+                <a:gridCol w="4191000">
+                  <a:extLst>
+                    <a:ext uri="{9D8B030D-6E8A-4147-A177-3AD203B41FA5}">
+                      <a16:colId xmlns:a16="http://schemas.microsoft.com/office/drawing/2014/main" val="20000"/>
+                    </a:ext>
+                  </a:extLst>
+                </a:gridCol>
+                <a:gridCol w="4191000">
+                  <a:extLst>
+                    <a:ext uri="{9D8B030D-6E8A-4147-A177-3AD203B41FA5}">
+                      <a16:colId xmlns:a16="http://schemas.microsoft.com/office/drawing/2014/main" val="20001"/>
+                    </a:ext>
+                  </a:extLst>
+                </a:gridCol>
               </a:tblGrid>
               <a:tr h="370840">
                 <a:tc>
@@ -14872,6 +16134,11 @@
                     </a:lnB>
                   </a:tcPr>
                 </a:tc>
+                <a:extLst>
+                  <a:ext uri="{0D108BD9-81ED-4DB2-BD59-A6C34878D82A}">
+                    <a16:rowId xmlns:a16="http://schemas.microsoft.com/office/drawing/2014/main" val="10000"/>
+                  </a:ext>
+                </a:extLst>
               </a:tr>
               <a:tr h="370840">
                 <a:tc>
@@ -14896,23 +16163,7 @@
                           <a:ea typeface="Times New Roman"/>
                           <a:cs typeface="Calibri"/>
                         </a:rPr>
-                        <a:t>Concise </a:t>
-                      </a:r>
-                      <a:r>
-                        <a:rPr lang="en-US" sz="1800" dirty="0" smtClean="0">
-                          <a:latin typeface="Calibri"/>
-                          <a:ea typeface="Times New Roman"/>
-                          <a:cs typeface="Calibri"/>
-                        </a:rPr>
-                        <a:t>representation (</a:t>
-                      </a:r>
-                      <a:r>
-                        <a:rPr lang="en-US" sz="1800" dirty="0">
-                          <a:latin typeface="Calibri"/>
-                          <a:ea typeface="Times New Roman"/>
-                          <a:cs typeface="Calibri"/>
-                        </a:rPr>
-                        <a:t>the coefficients)</a:t>
+                        <a:t>Concise representation (the coefficients)</a:t>
                       </a:r>
                       <a:endParaRPr lang="en-US" sz="1800" dirty="0">
                         <a:latin typeface="Calibri"/>
@@ -15030,6 +16281,11 @@
                     </a:lnB>
                   </a:tcPr>
                 </a:tc>
+                <a:extLst>
+                  <a:ext uri="{0D108BD9-81ED-4DB2-BD59-A6C34878D82A}">
+                    <a16:rowId xmlns:a16="http://schemas.microsoft.com/office/drawing/2014/main" val="10001"/>
+                  </a:ext>
+                </a:extLst>
               </a:tr>
               <a:tr h="370840">
                 <a:tc>
@@ -15075,20 +16331,12 @@
                         </a:spcAft>
                       </a:pPr>
                       <a:r>
-                        <a:rPr lang="en-US" sz="1800" dirty="0" smtClean="0">
-                          <a:latin typeface="Calibri"/>
-                          <a:ea typeface="Times New Roman"/>
-                          <a:cs typeface="Calibri"/>
-                        </a:rPr>
-                        <a:t>Lose </a:t>
-                      </a:r>
-                      <a:r>
                         <a:rPr lang="en-US" sz="1800" dirty="0">
                           <a:latin typeface="Calibri"/>
                           <a:ea typeface="Times New Roman"/>
                           <a:cs typeface="Calibri"/>
                         </a:rPr>
-                        <a:t>some explanatory value</a:t>
+                        <a:t>Lose some explanatory value</a:t>
                       </a:r>
                       <a:endParaRPr lang="en-US" sz="1800" dirty="0">
                         <a:latin typeface="Calibri"/>
@@ -15258,6 +16506,11 @@
                     </a:lnB>
                   </a:tcPr>
                 </a:tc>
+                <a:extLst>
+                  <a:ext uri="{0D108BD9-81ED-4DB2-BD59-A6C34878D82A}">
+                    <a16:rowId xmlns:a16="http://schemas.microsoft.com/office/drawing/2014/main" val="10002"/>
+                  </a:ext>
+                </a:extLst>
               </a:tr>
               <a:tr h="370840">
                 <a:tc>
@@ -15303,20 +16556,12 @@
                         </a:spcAft>
                       </a:pPr>
                       <a:r>
-                        <a:rPr lang="en-US" sz="1800" dirty="0" smtClean="0">
-                          <a:latin typeface="Calibri"/>
-                          <a:ea typeface="Times New Roman"/>
-                          <a:cs typeface="Calibri"/>
-                        </a:rPr>
-                        <a:t>Relative </a:t>
-                      </a:r>
-                      <a:r>
                         <a:rPr lang="en-US" sz="1800" dirty="0">
                           <a:latin typeface="Calibri"/>
                           <a:ea typeface="Times New Roman"/>
                           <a:cs typeface="Calibri"/>
                         </a:rPr>
-                        <a:t>impact of each variable on the outcome</a:t>
+                        <a:t>Relative impact of each variable on the outcome</a:t>
                       </a:r>
                       <a:endParaRPr lang="en-US" sz="1800" dirty="0">
                         <a:latin typeface="Calibri"/>
@@ -15386,15 +16631,7 @@
                           <a:ea typeface="Calibri"/>
                           <a:cs typeface="Calibri"/>
                         </a:rPr>
-                        <a:t>Can't handle variables that affect the outcome in a discontinuous </a:t>
-                      </a:r>
-                      <a:r>
-                        <a:rPr lang="en-US" sz="1800" dirty="0" smtClean="0">
-                          <a:latin typeface="Calibri"/>
-                          <a:ea typeface="Calibri"/>
-                          <a:cs typeface="Calibri"/>
-                        </a:rPr>
-                        <a:t>way</a:t>
+                        <a:t>Can't handle variables that affect the outcome in a discontinuous way</a:t>
                       </a:r>
                       <a:endParaRPr lang="en-US" sz="1800" dirty="0">
                         <a:latin typeface="Calibri"/>
@@ -15468,6 +16705,11 @@
                     </a:lnB>
                   </a:tcPr>
                 </a:tc>
+                <a:extLst>
+                  <a:ext uri="{0D108BD9-81ED-4DB2-BD59-A6C34878D82A}">
+                    <a16:rowId xmlns:a16="http://schemas.microsoft.com/office/drawing/2014/main" val="10003"/>
+                  </a:ext>
+                </a:extLst>
               </a:tr>
               <a:tr h="370840">
                 <a:tc>
@@ -15636,6 +16878,11 @@
                     </a:lnB>
                   </a:tcPr>
                 </a:tc>
+                <a:extLst>
+                  <a:ext uri="{0D108BD9-81ED-4DB2-BD59-A6C34878D82A}">
+                    <a16:rowId xmlns:a16="http://schemas.microsoft.com/office/drawing/2014/main" val="10004"/>
+                  </a:ext>
+                </a:extLst>
               </a:tr>
             </a:tbl>
           </a:graphicData>
@@ -15664,25 +16911,24 @@
           <a:lstStyle/>
           <a:p>
             <a:r>
-              <a:rPr lang="en-US" sz="3200" dirty="0" smtClean="0"/>
+              <a:rPr lang="en-US" sz="3200" dirty="0"/>
               <a:t>Linear Regression - Reasons </a:t>
             </a:r>
             <a:r>
-              <a:rPr lang="en-US" sz="2800" dirty="0" smtClean="0"/>
+              <a:rPr lang="en-US" sz="2800" dirty="0"/>
               <a:t>to</a:t>
             </a:r>
             <a:r>
-              <a:rPr lang="en-US" sz="3200" dirty="0" smtClean="0"/>
+              <a:rPr lang="en-US" sz="3200" dirty="0"/>
               <a:t> Choose (+) and </a:t>
             </a:r>
             <a:br>
-              <a:rPr lang="en-US" sz="3200" dirty="0" smtClean="0"/>
+              <a:rPr lang="en-US" sz="3200" dirty="0"/>
             </a:br>
             <a:r>
-              <a:rPr lang="en-US" sz="3200" dirty="0" smtClean="0"/>
+              <a:rPr lang="en-US" sz="3200" dirty="0"/>
               <a:t>Cautions (-)</a:t>
             </a:r>
-            <a:endParaRPr lang="en-US" sz="3200" dirty="0"/>
           </a:p>
         </p:txBody>
       </p:sp>
@@ -15696,13 +16942,6 @@
   <p:clrMapOvr>
     <a:masterClrMapping/>
   </p:clrMapOvr>
-  <p:timing>
-    <p:tnLst>
-      <p:par>
-        <p:cTn id="1" dur="indefinite" restart="never" nodeType="tmRoot"/>
-      </p:par>
-    </p:tnLst>
-  </p:timing>
 </p:sld>
 </file>
 
@@ -15739,10 +16978,9 @@
           <a:lstStyle/>
           <a:p>
             <a:r>
-              <a:rPr lang="en-US" dirty="0" smtClean="0"/>
+              <a:rPr lang="en-US" dirty="0"/>
               <a:t>Simple Linear Regression</a:t>
             </a:r>
-            <a:endParaRPr lang="en-US" dirty="0"/>
           </a:p>
         </p:txBody>
       </p:sp>
@@ -15921,10 +17159,9 @@
           <a:lstStyle/>
           <a:p>
             <a:r>
-              <a:rPr lang="en-US" dirty="0" smtClean="0"/>
+              <a:rPr lang="en-US" dirty="0"/>
               <a:t>Linear Regression</a:t>
             </a:r>
-            <a:endParaRPr lang="en-US" dirty="0"/>
           </a:p>
         </p:txBody>
       </p:sp>
@@ -16051,10 +17288,9 @@
           <a:lstStyle/>
           <a:p>
             <a:r>
-              <a:rPr lang="en-US" dirty="0" smtClean="0"/>
+              <a:rPr lang="en-US" dirty="0"/>
               <a:t>Linear Regression</a:t>
             </a:r>
-            <a:endParaRPr lang="en-US" dirty="0"/>
           </a:p>
         </p:txBody>
       </p:sp>
@@ -16076,7 +17312,7 @@
           <a:lstStyle/>
           <a:p>
             <a:r>
-              <a:rPr lang="en-US" dirty="0" smtClean="0"/>
+              <a:rPr lang="en-US" dirty="0"/>
               <a:t>Used to estimate a continuous value as a linear (additive) function of other variables</a:t>
             </a:r>
           </a:p>
@@ -16084,7 +17320,7 @@
             <a:endParaRPr lang="en-US" dirty="0"/>
           </a:p>
           <a:p>
-            <a:endParaRPr lang="en-US" dirty="0" smtClean="0"/>
+            <a:endParaRPr lang="en-US" dirty="0"/>
           </a:p>
           <a:p>
             <a:r>
@@ -16100,7 +17336,7 @@
             </a:r>
           </a:p>
           <a:p>
-            <a:endParaRPr lang="en-US" dirty="0" smtClean="0"/>
+            <a:endParaRPr lang="en-US" dirty="0"/>
           </a:p>
         </p:txBody>
       </p:sp>
@@ -16138,13 +17374,6 @@
   <p:clrMapOvr>
     <a:masterClrMapping/>
   </p:clrMapOvr>
-  <p:timing>
-    <p:tnLst>
-      <p:par>
-        <p:cTn id="1" dur="indefinite" restart="never" nodeType="tmRoot"/>
-      </p:par>
-    </p:tnLst>
-  </p:timing>
 </p:sld>
 </file>
 
@@ -16181,10 +17410,9 @@
           <a:lstStyle/>
           <a:p>
             <a:r>
-              <a:rPr lang="en-US" dirty="0" smtClean="0"/>
+              <a:rPr lang="en-US" dirty="0"/>
               <a:t>Technical Description</a:t>
             </a:r>
-            <a:endParaRPr lang="en-US" dirty="0"/>
           </a:p>
         </p:txBody>
       </p:sp>
@@ -16209,20 +17437,20 @@
           <a:lstStyle/>
           <a:p>
             <a:r>
-              <a:rPr lang="en-US" dirty="0" smtClean="0"/>
+              <a:rPr lang="en-US" dirty="0"/>
               <a:t>Solve for the bi</a:t>
             </a:r>
           </a:p>
           <a:p>
             <a:pPr lvl="1"/>
             <a:r>
-              <a:rPr lang="en-US" dirty="0" smtClean="0"/>
+              <a:rPr lang="en-US" dirty="0"/>
               <a:t>Ordinary Least Squares</a:t>
             </a:r>
           </a:p>
           <a:p>
             <a:r>
-              <a:rPr lang="en-US" dirty="0" smtClean="0"/>
+              <a:rPr lang="en-US" dirty="0"/>
               <a:t>Categorical variables are expanded to a set of indicator variables, one for each possible value.</a:t>
             </a:r>
           </a:p>
@@ -16262,13 +17490,6 @@
   <p:clrMapOvr>
     <a:masterClrMapping/>
   </p:clrMapOvr>
-  <p:timing>
-    <p:tnLst>
-      <p:par>
-        <p:cTn id="1" dur="indefinite" restart="never" nodeType="tmRoot"/>
-      </p:par>
-    </p:tnLst>
-  </p:timing>
 </p:sld>
 </file>
 
@@ -16313,13 +17534,8 @@
           <a:p>
             <a:r>
               <a:rPr lang="en-US" dirty="0"/>
-              <a:t>Ordinary Least </a:t>
-            </a:r>
-            <a:r>
-              <a:rPr lang="en-US" dirty="0" smtClean="0"/>
-              <a:t>Squares</a:t>
-            </a:r>
-            <a:endParaRPr lang="en-US" dirty="0"/>
+              <a:t>Ordinary Least Squares</a:t>
+            </a:r>
           </a:p>
         </p:txBody>
       </p:sp>
@@ -16423,34 +17639,33 @@
           <a:lstStyle/>
           <a:p>
             <a:r>
-              <a:rPr lang="en-US" sz="2400" dirty="0" smtClean="0"/>
+              <a:rPr lang="en-US" sz="2400" dirty="0"/>
               <a:t>OLS:   Minimize Sum(</a:t>
             </a:r>
             <a:r>
-              <a:rPr lang="en-US" sz="2400" dirty="0" err="1" smtClean="0"/>
+              <a:rPr lang="en-US" sz="2400" dirty="0" err="1"/>
               <a:t>y</a:t>
             </a:r>
             <a:r>
-              <a:rPr lang="en-US" sz="2400" baseline="-25000" dirty="0" err="1" smtClean="0"/>
+              <a:rPr lang="en-US" sz="2400" baseline="-25000" dirty="0" err="1"/>
               <a:t>i</a:t>
             </a:r>
             <a:r>
-              <a:rPr lang="en-US" sz="2400" dirty="0" err="1" smtClean="0"/>
+              <a:rPr lang="en-US" sz="2400" dirty="0" err="1"/>
               <a:t>-y</a:t>
             </a:r>
             <a:r>
-              <a:rPr lang="en-US" sz="2400" baseline="-25000" dirty="0" err="1" smtClean="0"/>
+              <a:rPr lang="en-US" sz="2400" baseline="-25000" dirty="0" err="1"/>
               <a:t>i</a:t>
             </a:r>
             <a:r>
-              <a:rPr lang="en-US" sz="2400" dirty="0" smtClean="0"/>
+              <a:rPr lang="en-US" sz="2400" dirty="0"/>
               <a:t>^)</a:t>
             </a:r>
             <a:r>
-              <a:rPr lang="en-US" sz="2400" baseline="30000" dirty="0" smtClean="0"/>
+              <a:rPr lang="en-US" sz="2400" baseline="30000" dirty="0"/>
               <a:t>2</a:t>
             </a:r>
-            <a:endParaRPr lang="en-US" sz="2400" baseline="30000" dirty="0"/>
           </a:p>
         </p:txBody>
       </p:sp>
@@ -16464,13 +17679,6 @@
   <p:clrMapOvr>
     <a:masterClrMapping/>
   </p:clrMapOvr>
-  <p:timing>
-    <p:tnLst>
-      <p:par>
-        <p:cTn id="1" dur="indefinite" restart="never" nodeType="tmRoot"/>
-      </p:par>
-    </p:tnLst>
-  </p:timing>
 </p:sld>
 </file>
 
